--- a/ВКР.pptx
+++ b/ВКР.pptx
@@ -126,6 +126,11 @@
       </a:defRPr>
     </a:lvl9pPr>
   </p:defaultTextStyle>
+  <p:extLst>
+    <p:ext uri="{EFAFB233-063F-42B5-8137-9DF3F51BA10A}">
+      <p15:sldGuideLst xmlns:p15="http://schemas.microsoft.com/office/powerpoint/2012/main"/>
+    </p:ext>
+  </p:extLst>
 </p:presentation>
 </file>
 
@@ -20187,7 +20192,7 @@
         <p:spPr>
           <a:xfrm>
             <a:off x="249382" y="0"/>
-            <a:ext cx="9880270" cy="1144588"/>
+            <a:ext cx="9880270" cy="833377"/>
           </a:xfrm>
         </p:spPr>
         <p:txBody>
@@ -20304,8 +20309,8 @@
         </p:nvSpPr>
         <p:spPr>
           <a:xfrm>
-            <a:off x="249382" y="0"/>
-            <a:ext cx="9880270" cy="1144588"/>
+            <a:off x="249382" y="-1"/>
+            <a:ext cx="9880270" cy="798654"/>
           </a:xfrm>
         </p:spPr>
         <p:txBody>
@@ -22798,7 +22803,7 @@
         </p:blipFill>
         <p:spPr bwMode="auto">
           <a:xfrm>
-            <a:off x="5035138" y="99456"/>
+            <a:off x="4928260" y="99456"/>
             <a:ext cx="7014358" cy="6659088"/>
           </a:xfrm>
           <a:prstGeom prst="rect">
@@ -23119,8 +23124,8 @@
         </p:nvSpPr>
         <p:spPr>
           <a:xfrm>
-            <a:off x="249382" y="0"/>
-            <a:ext cx="9880270" cy="1144588"/>
+            <a:off x="249382" y="-11575"/>
+            <a:ext cx="9880270" cy="844952"/>
           </a:xfrm>
         </p:spPr>
         <p:txBody>
@@ -23289,8 +23294,8 @@
         </p:nvSpPr>
         <p:spPr>
           <a:xfrm>
-            <a:off x="249382" y="0"/>
-            <a:ext cx="9880270" cy="1144588"/>
+            <a:off x="249382" y="-1"/>
+            <a:ext cx="9880270" cy="833377"/>
           </a:xfrm>
         </p:spPr>
         <p:txBody>
@@ -23460,7 +23465,7 @@
         <p:spPr>
           <a:xfrm>
             <a:off x="249382" y="0"/>
-            <a:ext cx="9880270" cy="1144588"/>
+            <a:ext cx="9880270" cy="821803"/>
           </a:xfrm>
         </p:spPr>
         <p:txBody>
@@ -23666,7 +23671,7 @@
         <p:spPr>
           <a:xfrm>
             <a:off x="249382" y="0"/>
-            <a:ext cx="9880270" cy="1144588"/>
+            <a:ext cx="9880270" cy="840887"/>
           </a:xfrm>
         </p:spPr>
         <p:txBody>

--- a/ВКР.pptx
+++ b/ВКР.pptx
@@ -5,29 +5,30 @@
     <p:sldMasterId id="2147483648" r:id="rId1"/>
   </p:sldMasterIdLst>
   <p:notesMasterIdLst>
-    <p:notesMasterId r:id="rId22"/>
+    <p:notesMasterId r:id="rId23"/>
   </p:notesMasterIdLst>
   <p:sldIdLst>
     <p:sldId id="257" r:id="rId2"/>
     <p:sldId id="258" r:id="rId3"/>
-    <p:sldId id="259" r:id="rId4"/>
-    <p:sldId id="261" r:id="rId5"/>
-    <p:sldId id="263" r:id="rId6"/>
-    <p:sldId id="262" r:id="rId7"/>
-    <p:sldId id="266" r:id="rId8"/>
-    <p:sldId id="265" r:id="rId9"/>
-    <p:sldId id="267" r:id="rId10"/>
-    <p:sldId id="268" r:id="rId11"/>
-    <p:sldId id="271" r:id="rId12"/>
-    <p:sldId id="272" r:id="rId13"/>
-    <p:sldId id="274" r:id="rId14"/>
-    <p:sldId id="275" r:id="rId15"/>
-    <p:sldId id="276" r:id="rId16"/>
-    <p:sldId id="277" r:id="rId17"/>
-    <p:sldId id="278" r:id="rId18"/>
-    <p:sldId id="279" r:id="rId19"/>
-    <p:sldId id="280" r:id="rId20"/>
-    <p:sldId id="270" r:id="rId21"/>
+    <p:sldId id="281" r:id="rId4"/>
+    <p:sldId id="259" r:id="rId5"/>
+    <p:sldId id="261" r:id="rId6"/>
+    <p:sldId id="263" r:id="rId7"/>
+    <p:sldId id="262" r:id="rId8"/>
+    <p:sldId id="266" r:id="rId9"/>
+    <p:sldId id="265" r:id="rId10"/>
+    <p:sldId id="267" r:id="rId11"/>
+    <p:sldId id="268" r:id="rId12"/>
+    <p:sldId id="271" r:id="rId13"/>
+    <p:sldId id="272" r:id="rId14"/>
+    <p:sldId id="274" r:id="rId15"/>
+    <p:sldId id="275" r:id="rId16"/>
+    <p:sldId id="276" r:id="rId17"/>
+    <p:sldId id="277" r:id="rId18"/>
+    <p:sldId id="278" r:id="rId19"/>
+    <p:sldId id="279" r:id="rId20"/>
+    <p:sldId id="280" r:id="rId21"/>
+    <p:sldId id="270" r:id="rId22"/>
   </p:sldIdLst>
   <p:sldSz cx="12192000" cy="6858000"/>
   <p:notesSz cx="6858000" cy="9144000"/>
@@ -4275,7 +4276,13 @@
     </dgm:pt>
     <dgm:pt modelId="{831F7F94-D12E-4564-B426-F4980D727AEA}">
       <dgm:prSet phldrT="[Текст]"/>
-      <dgm:spPr/>
+      <dgm:spPr>
+        <a:solidFill>
+          <a:schemeClr val="bg1">
+            <a:alpha val="90000"/>
+          </a:schemeClr>
+        </a:solidFill>
+      </dgm:spPr>
       <dgm:t>
         <a:bodyPr/>
         <a:lstStyle/>
@@ -4349,7 +4356,13 @@
     </dgm:pt>
     <dgm:pt modelId="{30F0FA58-49EE-4FFE-A51C-D4E67B109235}">
       <dgm:prSet phldrT="[Текст]"/>
-      <dgm:spPr/>
+      <dgm:spPr>
+        <a:solidFill>
+          <a:schemeClr val="bg1">
+            <a:alpha val="90000"/>
+          </a:schemeClr>
+        </a:solidFill>
+      </dgm:spPr>
       <dgm:t>
         <a:bodyPr/>
         <a:lstStyle/>
@@ -4551,7 +4564,7 @@
       <dgm:spPr/>
     </dgm:pt>
     <dgm:pt modelId="{1FAB9BBF-E5FA-479C-B280-E2DD47F898F8}" type="pres">
-      <dgm:prSet presAssocID="{C200FBDE-1278-441F-B05C-13595B603361}" presName="parent1" presStyleLbl="alignAccFollowNode1" presStyleIdx="0" presStyleCnt="4">
+      <dgm:prSet presAssocID="{C200FBDE-1278-441F-B05C-13595B603361}" presName="parent1" presStyleLbl="alignAccFollowNode1" presStyleIdx="0" presStyleCnt="4" custLinFactNeighborX="-87623" custLinFactNeighborY="-3860">
         <dgm:presLayoutVars>
           <dgm:chMax val="4"/>
         </dgm:presLayoutVars>
@@ -4559,7 +4572,7 @@
       <dgm:spPr/>
     </dgm:pt>
     <dgm:pt modelId="{33E93304-AC44-45DA-85AF-A8BB7625746A}" type="pres">
-      <dgm:prSet presAssocID="{C200FBDE-1278-441F-B05C-13595B603361}" presName="parent2" presStyleLbl="alignAccFollowNode1" presStyleIdx="1" presStyleCnt="4">
+      <dgm:prSet presAssocID="{C200FBDE-1278-441F-B05C-13595B603361}" presName="parent2" presStyleLbl="alignAccFollowNode1" presStyleIdx="1" presStyleCnt="4" custLinFactNeighborX="87316" custLinFactNeighborY="1103">
         <dgm:presLayoutVars>
           <dgm:chMax val="4"/>
         </dgm:presLayoutVars>
@@ -6494,8 +6507,8 @@
       </dsp:nvSpPr>
       <dsp:spPr>
         <a:xfrm>
-          <a:off x="1679786" y="0"/>
-          <a:ext cx="1950720" cy="1083733"/>
+          <a:off x="0" y="0"/>
+          <a:ext cx="2006301" cy="1114611"/>
         </a:xfrm>
         <a:prstGeom prst="roundRect">
           <a:avLst>
@@ -6503,13 +6516,8 @@
           </a:avLst>
         </a:prstGeom>
         <a:solidFill>
-          <a:schemeClr val="accent5">
+          <a:schemeClr val="bg1">
             <a:alpha val="90000"/>
-            <a:tint val="55000"/>
-            <a:hueOff val="0"/>
-            <a:satOff val="0"/>
-            <a:lumOff val="0"/>
-            <a:alphaOff val="0"/>
           </a:schemeClr>
         </a:solidFill>
         <a:ln w="12700" cap="flat" cmpd="sng" algn="ctr">
@@ -6541,12 +6549,12 @@
         <a:fontRef idx="minor"/>
       </dsp:style>
       <dsp:txBody>
-        <a:bodyPr spcFirstLastPara="0" vert="horz" wrap="square" lIns="72390" tIns="72390" rIns="72390" bIns="72390" numCol="1" spcCol="1270" anchor="ctr" anchorCtr="0">
+        <a:bodyPr spcFirstLastPara="0" vert="horz" wrap="square" lIns="76200" tIns="76200" rIns="76200" bIns="76200" numCol="1" spcCol="1270" anchor="ctr" anchorCtr="0">
           <a:noAutofit/>
         </a:bodyPr>
         <a:lstStyle/>
         <a:p>
-          <a:pPr marL="0" lvl="0" indent="0" algn="ctr" defTabSz="844550">
+          <a:pPr marL="0" lvl="0" indent="0" algn="ctr" defTabSz="889000">
             <a:lnSpc>
               <a:spcPct val="90000"/>
             </a:lnSpc>
@@ -6559,15 +6567,15 @@
             <a:buNone/>
           </a:pPr>
           <a:r>
-            <a:rPr lang="ru-RU" sz="1900" kern="1200" dirty="0"/>
+            <a:rPr lang="ru-RU" sz="2000" kern="1200" dirty="0"/>
             <a:t>Многопоточный сервер</a:t>
           </a:r>
-          <a:endParaRPr lang="en-US" sz="1900" kern="1200" dirty="0"/>
+          <a:endParaRPr lang="en-US" sz="2000" kern="1200" dirty="0"/>
         </a:p>
       </dsp:txBody>
       <dsp:txXfrm>
-        <a:off x="1711527" y="31741"/>
-        <a:ext cx="1887238" cy="1020251"/>
+        <a:off x="32646" y="32646"/>
+        <a:ext cx="1941009" cy="1049319"/>
       </dsp:txXfrm>
     </dsp:sp>
     <dsp:sp modelId="{33E93304-AC44-45DA-85AF-A8BB7625746A}">
@@ -6577,8 +6585,8 @@
       </dsp:nvSpPr>
       <dsp:spPr>
         <a:xfrm>
-          <a:off x="4497493" y="0"/>
-          <a:ext cx="1950720" cy="1083733"/>
+          <a:off x="6047257" y="12294"/>
+          <a:ext cx="2006301" cy="1114611"/>
         </a:xfrm>
         <a:prstGeom prst="roundRect">
           <a:avLst>
@@ -6586,13 +6594,8 @@
           </a:avLst>
         </a:prstGeom>
         <a:solidFill>
-          <a:schemeClr val="accent5">
+          <a:schemeClr val="bg1">
             <a:alpha val="90000"/>
-            <a:tint val="55000"/>
-            <a:hueOff val="0"/>
-            <a:satOff val="0"/>
-            <a:lumOff val="0"/>
-            <a:alphaOff val="0"/>
           </a:schemeClr>
         </a:solidFill>
         <a:ln w="12700" cap="flat" cmpd="sng" algn="ctr">
@@ -6624,12 +6627,12 @@
         <a:fontRef idx="minor"/>
       </dsp:style>
       <dsp:txBody>
-        <a:bodyPr spcFirstLastPara="0" vert="horz" wrap="square" lIns="72390" tIns="72390" rIns="72390" bIns="72390" numCol="1" spcCol="1270" anchor="ctr" anchorCtr="0">
+        <a:bodyPr spcFirstLastPara="0" vert="horz" wrap="square" lIns="76200" tIns="76200" rIns="76200" bIns="76200" numCol="1" spcCol="1270" anchor="ctr" anchorCtr="0">
           <a:noAutofit/>
         </a:bodyPr>
         <a:lstStyle/>
         <a:p>
-          <a:pPr marL="0" lvl="0" indent="0" algn="ctr" defTabSz="844550">
+          <a:pPr marL="0" lvl="0" indent="0" algn="ctr" defTabSz="889000">
             <a:lnSpc>
               <a:spcPct val="90000"/>
             </a:lnSpc>
@@ -6642,15 +6645,15 @@
             <a:buNone/>
           </a:pPr>
           <a:r>
-            <a:rPr lang="ru-RU" sz="1900" kern="1200" dirty="0"/>
+            <a:rPr lang="ru-RU" sz="2000" kern="1200" dirty="0"/>
             <a:t>Многопоточно-асинхронный сервер</a:t>
           </a:r>
-          <a:endParaRPr lang="en-US" sz="1900" kern="1200" dirty="0"/>
+          <a:endParaRPr lang="en-US" sz="2000" kern="1200" dirty="0"/>
         </a:p>
       </dsp:txBody>
       <dsp:txXfrm>
-        <a:off x="4529234" y="31741"/>
-        <a:ext cx="1887238" cy="1020251"/>
+        <a:off x="6079903" y="44940"/>
+        <a:ext cx="1941009" cy="1049319"/>
       </dsp:txXfrm>
     </dsp:sp>
     <dsp:sp modelId="{ACBC17D0-A10E-4233-A06A-051D7AB3DD71}">
@@ -6660,8 +6663,8 @@
       </dsp:nvSpPr>
       <dsp:spPr>
         <a:xfrm>
-          <a:off x="3657599" y="4605866"/>
-          <a:ext cx="812800" cy="812800"/>
+          <a:off x="3608800" y="4737100"/>
+          <a:ext cx="835958" cy="835958"/>
         </a:xfrm>
         <a:prstGeom prst="triangle">
           <a:avLst/>
@@ -6712,8 +6715,8 @@
       </dsp:nvSpPr>
       <dsp:spPr>
         <a:xfrm rot="240000">
-          <a:off x="1624855" y="4257573"/>
-          <a:ext cx="4878289" cy="341123"/>
+          <a:off x="1518137" y="4378882"/>
+          <a:ext cx="5017284" cy="350842"/>
         </a:xfrm>
         <a:prstGeom prst="rect">
           <a:avLst/>
@@ -6764,8 +6767,8 @@
       </dsp:nvSpPr>
       <dsp:spPr>
         <a:xfrm rot="240000">
-          <a:off x="4553844" y="3404681"/>
-          <a:ext cx="1946391" cy="906819"/>
+          <a:off x="4530580" y="3501689"/>
+          <a:ext cx="2001849" cy="932657"/>
         </a:xfrm>
         <a:prstGeom prst="roundRect">
           <a:avLst/>
@@ -6833,8 +6836,8 @@
         </a:p>
       </dsp:txBody>
       <dsp:txXfrm>
-        <a:off x="4598111" y="3448948"/>
-        <a:ext cx="1857857" cy="818285"/>
+        <a:off x="4576109" y="3547218"/>
+        <a:ext cx="1910791" cy="841599"/>
       </dsp:txXfrm>
     </dsp:sp>
     <dsp:sp modelId="{97F3B721-F5BB-4C6B-8BF0-D18608D87E4E}">
@@ -6844,8 +6847,8 @@
       </dsp:nvSpPr>
       <dsp:spPr>
         <a:xfrm rot="240000">
-          <a:off x="4624286" y="2429321"/>
-          <a:ext cx="1946391" cy="906819"/>
+          <a:off x="4603030" y="2498538"/>
+          <a:ext cx="2001849" cy="932657"/>
         </a:xfrm>
         <a:prstGeom prst="roundRect">
           <a:avLst/>
@@ -6913,8 +6916,8 @@
         </a:p>
       </dsp:txBody>
       <dsp:txXfrm>
-        <a:off x="4668553" y="2473588"/>
-        <a:ext cx="1857857" cy="818285"/>
+        <a:off x="4648559" y="2544067"/>
+        <a:ext cx="1910791" cy="841599"/>
       </dsp:txXfrm>
     </dsp:sp>
     <dsp:sp modelId="{6BFEB54B-0938-4764-91F4-840517A50D21}">
@@ -6924,8 +6927,8 @@
       </dsp:nvSpPr>
       <dsp:spPr>
         <a:xfrm rot="240000">
-          <a:off x="4694729" y="1475635"/>
-          <a:ext cx="1946391" cy="906819"/>
+          <a:off x="4675480" y="1517680"/>
+          <a:ext cx="2001849" cy="932657"/>
         </a:xfrm>
         <a:prstGeom prst="roundRect">
           <a:avLst/>
@@ -6993,8 +6996,8 @@
         </a:p>
       </dsp:txBody>
       <dsp:txXfrm>
-        <a:off x="4738996" y="1519902"/>
-        <a:ext cx="1857857" cy="818285"/>
+        <a:off x="4721009" y="1563209"/>
+        <a:ext cx="1910791" cy="841599"/>
       </dsp:txXfrm>
     </dsp:sp>
     <dsp:sp modelId="{33DED89A-9A90-4C75-91D3-C6E54048A83D}">
@@ -7004,8 +7007,8 @@
       </dsp:nvSpPr>
       <dsp:spPr>
         <a:xfrm rot="240000">
-          <a:off x="1763230" y="3209609"/>
-          <a:ext cx="1946391" cy="906819"/>
+          <a:off x="1660455" y="3301059"/>
+          <a:ext cx="2001849" cy="932657"/>
         </a:xfrm>
         <a:prstGeom prst="roundRect">
           <a:avLst/>
@@ -7073,8 +7076,8 @@
         </a:p>
       </dsp:txBody>
       <dsp:txXfrm>
-        <a:off x="1807497" y="3253876"/>
-        <a:ext cx="1857857" cy="818285"/>
+        <a:off x="1705984" y="3346588"/>
+        <a:ext cx="1910791" cy="841599"/>
       </dsp:txXfrm>
     </dsp:sp>
     <dsp:sp modelId="{2D8B7F31-CD6D-441F-83A0-221004E24F29}">
@@ -7084,8 +7087,8 @@
       </dsp:nvSpPr>
       <dsp:spPr>
         <a:xfrm rot="240000">
-          <a:off x="1833673" y="2234249"/>
-          <a:ext cx="1946391" cy="906819"/>
+          <a:off x="1732905" y="2297908"/>
+          <a:ext cx="2001849" cy="932657"/>
         </a:xfrm>
         <a:prstGeom prst="roundRect">
           <a:avLst/>
@@ -7153,8 +7156,8 @@
         </a:p>
       </dsp:txBody>
       <dsp:txXfrm>
-        <a:off x="1877940" y="2278516"/>
-        <a:ext cx="1857857" cy="818285"/>
+        <a:off x="1778434" y="2343437"/>
+        <a:ext cx="1910791" cy="841599"/>
       </dsp:txXfrm>
     </dsp:sp>
   </dsp:spTree>
@@ -16120,7 +16123,7 @@
           <a:p>
             <a:fld id="{6086DE36-9959-4CAD-A24E-990E714F8550}" type="datetimeFigureOut">
               <a:rPr lang="en-US" smtClean="0"/>
-              <a:t>5/22/2023</a:t>
+              <a:t>5/25/2023</a:t>
             </a:fld>
             <a:endParaRPr lang="en-US"/>
           </a:p>
@@ -16537,7 +16540,7 @@
           <a:p>
             <a:fld id="{F2545DE5-5CD8-4772-AE77-EB05E4D895BD}" type="datetimeFigureOut">
               <a:rPr lang="en-US" smtClean="0"/>
-              <a:t>5/22/2023</a:t>
+              <a:t>5/25/2023</a:t>
             </a:fld>
             <a:endParaRPr lang="en-US"/>
           </a:p>
@@ -16737,7 +16740,7 @@
           <a:p>
             <a:fld id="{F2545DE5-5CD8-4772-AE77-EB05E4D895BD}" type="datetimeFigureOut">
               <a:rPr lang="en-US" smtClean="0"/>
-              <a:t>5/22/2023</a:t>
+              <a:t>5/25/2023</a:t>
             </a:fld>
             <a:endParaRPr lang="en-US"/>
           </a:p>
@@ -16947,7 +16950,7 @@
           <a:p>
             <a:fld id="{F2545DE5-5CD8-4772-AE77-EB05E4D895BD}" type="datetimeFigureOut">
               <a:rPr lang="en-US" smtClean="0"/>
-              <a:t>5/22/2023</a:t>
+              <a:t>5/25/2023</a:t>
             </a:fld>
             <a:endParaRPr lang="en-US"/>
           </a:p>
@@ -17147,7 +17150,7 @@
           <a:p>
             <a:fld id="{F2545DE5-5CD8-4772-AE77-EB05E4D895BD}" type="datetimeFigureOut">
               <a:rPr lang="en-US" smtClean="0"/>
-              <a:t>5/22/2023</a:t>
+              <a:t>5/25/2023</a:t>
             </a:fld>
             <a:endParaRPr lang="en-US"/>
           </a:p>
@@ -17423,7 +17426,7 @@
           <a:p>
             <a:fld id="{F2545DE5-5CD8-4772-AE77-EB05E4D895BD}" type="datetimeFigureOut">
               <a:rPr lang="en-US" smtClean="0"/>
-              <a:t>5/22/2023</a:t>
+              <a:t>5/25/2023</a:t>
             </a:fld>
             <a:endParaRPr lang="en-US"/>
           </a:p>
@@ -17691,7 +17694,7 @@
           <a:p>
             <a:fld id="{F2545DE5-5CD8-4772-AE77-EB05E4D895BD}" type="datetimeFigureOut">
               <a:rPr lang="en-US" smtClean="0"/>
-              <a:t>5/22/2023</a:t>
+              <a:t>5/25/2023</a:t>
             </a:fld>
             <a:endParaRPr lang="en-US"/>
           </a:p>
@@ -18106,7 +18109,7 @@
           <a:p>
             <a:fld id="{F2545DE5-5CD8-4772-AE77-EB05E4D895BD}" type="datetimeFigureOut">
               <a:rPr lang="en-US" smtClean="0"/>
-              <a:t>5/22/2023</a:t>
+              <a:t>5/25/2023</a:t>
             </a:fld>
             <a:endParaRPr lang="en-US"/>
           </a:p>
@@ -18248,7 +18251,7 @@
           <a:p>
             <a:fld id="{F2545DE5-5CD8-4772-AE77-EB05E4D895BD}" type="datetimeFigureOut">
               <a:rPr lang="en-US" smtClean="0"/>
-              <a:t>5/22/2023</a:t>
+              <a:t>5/25/2023</a:t>
             </a:fld>
             <a:endParaRPr lang="en-US"/>
           </a:p>
@@ -18361,7 +18364,7 @@
           <a:p>
             <a:fld id="{F2545DE5-5CD8-4772-AE77-EB05E4D895BD}" type="datetimeFigureOut">
               <a:rPr lang="en-US" smtClean="0"/>
-              <a:t>5/22/2023</a:t>
+              <a:t>5/25/2023</a:t>
             </a:fld>
             <a:endParaRPr lang="en-US"/>
           </a:p>
@@ -18674,7 +18677,7 @@
           <a:p>
             <a:fld id="{F2545DE5-5CD8-4772-AE77-EB05E4D895BD}" type="datetimeFigureOut">
               <a:rPr lang="en-US" smtClean="0"/>
-              <a:t>5/22/2023</a:t>
+              <a:t>5/25/2023</a:t>
             </a:fld>
             <a:endParaRPr lang="en-US"/>
           </a:p>
@@ -18963,7 +18966,7 @@
           <a:p>
             <a:fld id="{F2545DE5-5CD8-4772-AE77-EB05E4D895BD}" type="datetimeFigureOut">
               <a:rPr lang="en-US" smtClean="0"/>
-              <a:t>5/22/2023</a:t>
+              <a:t>5/25/2023</a:t>
             </a:fld>
             <a:endParaRPr lang="en-US"/>
           </a:p>
@@ -19206,7 +19209,7 @@
           <a:p>
             <a:fld id="{F2545DE5-5CD8-4772-AE77-EB05E4D895BD}" type="datetimeFigureOut">
               <a:rPr lang="en-US" smtClean="0"/>
-              <a:t>5/22/2023</a:t>
+              <a:t>5/25/2023</a:t>
             </a:fld>
             <a:endParaRPr lang="en-US"/>
           </a:p>
@@ -20192,7 +20195,7 @@
         <p:spPr>
           <a:xfrm>
             <a:off x="249382" y="0"/>
-            <a:ext cx="9880270" cy="833377"/>
+            <a:ext cx="9880270" cy="840887"/>
           </a:xfrm>
         </p:spPr>
         <p:txBody>
@@ -20209,22 +20212,6 @@
               </a:rPr>
               <a:t>Тестирующая система</a:t>
             </a:r>
-            <a:r>
-              <a:rPr lang="en-US" dirty="0">
-                <a:solidFill>
-                  <a:schemeClr val="accent1"/>
-                </a:solidFill>
-              </a:rPr>
-              <a:t>: </a:t>
-            </a:r>
-            <a:r>
-              <a:rPr lang="ru-RU" dirty="0">
-                <a:solidFill>
-                  <a:schemeClr val="accent1"/>
-                </a:solidFill>
-              </a:rPr>
-              <a:t>контейнеры</a:t>
-            </a:r>
             <a:endParaRPr lang="en-US" dirty="0">
               <a:solidFill>
                 <a:schemeClr val="accent1"/>
@@ -20233,38 +20220,1362 @@
           </a:p>
         </p:txBody>
       </p:sp>
-      <p:graphicFrame>
-        <p:nvGraphicFramePr>
-          <p:cNvPr id="3" name="Схема 2">
+      <p:sp>
+        <p:nvSpPr>
+          <p:cNvPr id="5" name="Прямоугольник 4">
             <a:extLst>
               <a:ext uri="{FF2B5EF4-FFF2-40B4-BE49-F238E27FC236}">
-                <a16:creationId xmlns:a16="http://schemas.microsoft.com/office/drawing/2014/main" id="{6889AAFC-D644-B399-B30A-22A5401C3521}"/>
+                <a16:creationId xmlns:a16="http://schemas.microsoft.com/office/drawing/2014/main" id="{4F8A28F3-3484-B290-56B6-A850EF87AA36}"/>
               </a:ext>
             </a:extLst>
           </p:cNvPr>
-          <p:cNvGraphicFramePr/>
-          <p:nvPr>
-            <p:extLst>
-              <p:ext uri="{D42A27DB-BD31-4B8C-83A1-F6EECF244321}">
-                <p14:modId xmlns:p14="http://schemas.microsoft.com/office/powerpoint/2010/main" val="885520469"/>
-              </p:ext>
-            </p:extLst>
-          </p:nvPr>
-        </p:nvGraphicFramePr>
-        <p:xfrm>
-          <a:off x="267068" y="1544638"/>
-          <a:ext cx="11657864" cy="4229099"/>
-        </p:xfrm>
-        <a:graphic>
-          <a:graphicData uri="http://schemas.openxmlformats.org/drawingml/2006/diagram">
-            <dgm:relIds xmlns:dgm="http://schemas.openxmlformats.org/drawingml/2006/diagram" xmlns:r="http://schemas.openxmlformats.org/officeDocument/2006/relationships" r:dm="rId2" r:lo="rId3" r:qs="rId4" r:cs="rId5"/>
-          </a:graphicData>
-        </a:graphic>
-      </p:graphicFrame>
+          <p:cNvSpPr/>
+          <p:nvPr/>
+        </p:nvSpPr>
+        <p:spPr>
+          <a:xfrm>
+            <a:off x="210848" y="1173469"/>
+            <a:ext cx="5393157" cy="5078412"/>
+          </a:xfrm>
+          <a:prstGeom prst="rect">
+            <a:avLst/>
+          </a:prstGeom>
+          <a:solidFill>
+            <a:schemeClr val="accent1">
+              <a:lumMod val="20000"/>
+              <a:lumOff val="80000"/>
+            </a:schemeClr>
+          </a:solidFill>
+        </p:spPr>
+        <p:style>
+          <a:lnRef idx="2">
+            <a:schemeClr val="accent1">
+              <a:shade val="50000"/>
+            </a:schemeClr>
+          </a:lnRef>
+          <a:fillRef idx="1">
+            <a:schemeClr val="accent1"/>
+          </a:fillRef>
+          <a:effectRef idx="0">
+            <a:schemeClr val="accent1"/>
+          </a:effectRef>
+          <a:fontRef idx="minor">
+            <a:schemeClr val="lt1"/>
+          </a:fontRef>
+        </p:style>
+        <p:txBody>
+          <a:bodyPr rtlCol="0" anchor="ctr"/>
+          <a:lstStyle/>
+          <a:p>
+            <a:pPr algn="ctr"/>
+            <a:endParaRPr lang="en-US" dirty="0"/>
+          </a:p>
+        </p:txBody>
+      </p:sp>
+      <p:sp>
+        <p:nvSpPr>
+          <p:cNvPr id="6" name="Прямоугольник 5">
+            <a:extLst>
+              <a:ext uri="{FF2B5EF4-FFF2-40B4-BE49-F238E27FC236}">
+                <a16:creationId xmlns:a16="http://schemas.microsoft.com/office/drawing/2014/main" id="{CBC00B20-B8B6-584E-CF02-659CDD4BE55D}"/>
+              </a:ext>
+            </a:extLst>
+          </p:cNvPr>
+          <p:cNvSpPr/>
+          <p:nvPr/>
+        </p:nvSpPr>
+        <p:spPr>
+          <a:xfrm>
+            <a:off x="6593066" y="1144588"/>
+            <a:ext cx="5393158" cy="5078412"/>
+          </a:xfrm>
+          <a:prstGeom prst="rect">
+            <a:avLst/>
+          </a:prstGeom>
+          <a:solidFill>
+            <a:schemeClr val="accent1">
+              <a:lumMod val="20000"/>
+              <a:lumOff val="80000"/>
+            </a:schemeClr>
+          </a:solidFill>
+        </p:spPr>
+        <p:style>
+          <a:lnRef idx="2">
+            <a:schemeClr val="accent1">
+              <a:shade val="50000"/>
+            </a:schemeClr>
+          </a:lnRef>
+          <a:fillRef idx="1">
+            <a:schemeClr val="accent1"/>
+          </a:fillRef>
+          <a:effectRef idx="0">
+            <a:schemeClr val="accent1"/>
+          </a:effectRef>
+          <a:fontRef idx="minor">
+            <a:schemeClr val="lt1"/>
+          </a:fontRef>
+        </p:style>
+        <p:txBody>
+          <a:bodyPr rtlCol="0" anchor="ctr"/>
+          <a:lstStyle/>
+          <a:p>
+            <a:pPr algn="ctr"/>
+            <a:endParaRPr lang="en-US" dirty="0"/>
+          </a:p>
+        </p:txBody>
+      </p:sp>
+      <p:sp>
+        <p:nvSpPr>
+          <p:cNvPr id="8" name="TextBox 7">
+            <a:extLst>
+              <a:ext uri="{FF2B5EF4-FFF2-40B4-BE49-F238E27FC236}">
+                <a16:creationId xmlns:a16="http://schemas.microsoft.com/office/drawing/2014/main" id="{B49D218A-9DB1-0F5F-1E22-F0FD00977DEA}"/>
+              </a:ext>
+            </a:extLst>
+          </p:cNvPr>
+          <p:cNvSpPr txBox="1"/>
+          <p:nvPr/>
+        </p:nvSpPr>
+        <p:spPr>
+          <a:xfrm>
+            <a:off x="1791333" y="6215131"/>
+            <a:ext cx="2116157" cy="369332"/>
+          </a:xfrm>
+          <a:prstGeom prst="rect">
+            <a:avLst/>
+          </a:prstGeom>
+          <a:noFill/>
+        </p:spPr>
+        <p:txBody>
+          <a:bodyPr wrap="none" rtlCol="0">
+            <a:spAutoFit/>
+          </a:bodyPr>
+          <a:lstStyle/>
+          <a:p>
+            <a:r>
+              <a:rPr lang="ru-RU" b="1" dirty="0"/>
+              <a:t>Устройство сервера</a:t>
+            </a:r>
+            <a:endParaRPr lang="en-US" b="1" dirty="0"/>
+          </a:p>
+        </p:txBody>
+      </p:sp>
+      <p:sp>
+        <p:nvSpPr>
+          <p:cNvPr id="9" name="TextBox 8">
+            <a:extLst>
+              <a:ext uri="{FF2B5EF4-FFF2-40B4-BE49-F238E27FC236}">
+                <a16:creationId xmlns:a16="http://schemas.microsoft.com/office/drawing/2014/main" id="{48F13C14-6BAE-D97E-7405-865C7232CE11}"/>
+              </a:ext>
+            </a:extLst>
+          </p:cNvPr>
+          <p:cNvSpPr txBox="1"/>
+          <p:nvPr/>
+        </p:nvSpPr>
+        <p:spPr>
+          <a:xfrm>
+            <a:off x="8181000" y="6223000"/>
+            <a:ext cx="2144754" cy="369332"/>
+          </a:xfrm>
+          <a:prstGeom prst="rect">
+            <a:avLst/>
+          </a:prstGeom>
+          <a:noFill/>
+        </p:spPr>
+        <p:txBody>
+          <a:bodyPr wrap="none" rtlCol="0">
+            <a:spAutoFit/>
+          </a:bodyPr>
+          <a:lstStyle/>
+          <a:p>
+            <a:r>
+              <a:rPr lang="ru-RU" b="1" dirty="0"/>
+              <a:t>Устройство клиента</a:t>
+            </a:r>
+            <a:endParaRPr lang="en-US" b="1" dirty="0"/>
+          </a:p>
+        </p:txBody>
+      </p:sp>
+      <p:sp>
+        <p:nvSpPr>
+          <p:cNvPr id="11" name="Стрелка: влево-вправо 10">
+            <a:extLst>
+              <a:ext uri="{FF2B5EF4-FFF2-40B4-BE49-F238E27FC236}">
+                <a16:creationId xmlns:a16="http://schemas.microsoft.com/office/drawing/2014/main" id="{AF5265BB-B2A6-F6EC-35A0-E0B0E7EEC137}"/>
+              </a:ext>
+            </a:extLst>
+          </p:cNvPr>
+          <p:cNvSpPr/>
+          <p:nvPr/>
+        </p:nvSpPr>
+        <p:spPr>
+          <a:xfrm>
+            <a:off x="5036649" y="2056160"/>
+            <a:ext cx="2204428" cy="646846"/>
+          </a:xfrm>
+          <a:prstGeom prst="leftRightArrow">
+            <a:avLst/>
+          </a:prstGeom>
+        </p:spPr>
+        <p:style>
+          <a:lnRef idx="2">
+            <a:schemeClr val="dk1">
+              <a:shade val="50000"/>
+            </a:schemeClr>
+          </a:lnRef>
+          <a:fillRef idx="1">
+            <a:schemeClr val="dk1"/>
+          </a:fillRef>
+          <a:effectRef idx="0">
+            <a:schemeClr val="dk1"/>
+          </a:effectRef>
+          <a:fontRef idx="minor">
+            <a:schemeClr val="lt1"/>
+          </a:fontRef>
+        </p:style>
+        <p:txBody>
+          <a:bodyPr rtlCol="0" anchor="ctr"/>
+          <a:lstStyle/>
+          <a:p>
+            <a:pPr algn="ctr"/>
+            <a:endParaRPr lang="en-US"/>
+          </a:p>
+        </p:txBody>
+      </p:sp>
+      <p:pic>
+        <p:nvPicPr>
+          <p:cNvPr id="1026" name="Picture 2" descr="Контейнер – Бесплатные иконки: отгрузка и доставка">
+            <a:extLst>
+              <a:ext uri="{FF2B5EF4-FFF2-40B4-BE49-F238E27FC236}">
+                <a16:creationId xmlns:a16="http://schemas.microsoft.com/office/drawing/2014/main" id="{91812CDA-F461-F9C6-AA2C-E0649B0619C0}"/>
+              </a:ext>
+            </a:extLst>
+          </p:cNvPr>
+          <p:cNvPicPr>
+            <a:picLocks noChangeAspect="1" noChangeArrowheads="1"/>
+          </p:cNvPicPr>
+          <p:nvPr/>
+        </p:nvPicPr>
+        <p:blipFill>
+          <a:blip r:embed="rId2">
+            <a:extLst>
+              <a:ext uri="{28A0092B-C50C-407E-A947-70E740481C1C}">
+                <a14:useLocalDpi xmlns:a14="http://schemas.microsoft.com/office/drawing/2010/main" val="0"/>
+              </a:ext>
+            </a:extLst>
+          </a:blip>
+          <a:srcRect/>
+          <a:stretch>
+            <a:fillRect/>
+          </a:stretch>
+        </p:blipFill>
+        <p:spPr bwMode="auto">
+          <a:xfrm>
+            <a:off x="880853" y="1733491"/>
+            <a:ext cx="1300202" cy="1300202"/>
+          </a:xfrm>
+          <a:prstGeom prst="rect">
+            <a:avLst/>
+          </a:prstGeom>
+          <a:noFill/>
+          <a:extLst>
+            <a:ext uri="{909E8E84-426E-40DD-AFC4-6F175D3DCCD1}">
+              <a14:hiddenFill xmlns:a14="http://schemas.microsoft.com/office/drawing/2010/main">
+                <a:solidFill>
+                  <a:srgbClr val="FFFFFF"/>
+                </a:solidFill>
+              </a14:hiddenFill>
+            </a:ext>
+          </a:extLst>
+        </p:spPr>
+      </p:pic>
+      <p:sp>
+        <p:nvSpPr>
+          <p:cNvPr id="12" name="TextBox 11">
+            <a:extLst>
+              <a:ext uri="{FF2B5EF4-FFF2-40B4-BE49-F238E27FC236}">
+                <a16:creationId xmlns:a16="http://schemas.microsoft.com/office/drawing/2014/main" id="{050CC9AD-2A6E-37E3-AD9F-C224175AD94B}"/>
+              </a:ext>
+            </a:extLst>
+          </p:cNvPr>
+          <p:cNvSpPr txBox="1"/>
+          <p:nvPr/>
+        </p:nvSpPr>
+        <p:spPr>
+          <a:xfrm>
+            <a:off x="786054" y="1333319"/>
+            <a:ext cx="1591133" cy="646331"/>
+          </a:xfrm>
+          <a:prstGeom prst="rect">
+            <a:avLst/>
+          </a:prstGeom>
+          <a:noFill/>
+        </p:spPr>
+        <p:txBody>
+          <a:bodyPr wrap="square" rtlCol="0">
+            <a:spAutoFit/>
+          </a:bodyPr>
+          <a:lstStyle/>
+          <a:p>
+            <a:r>
+              <a:rPr lang="ru-RU" dirty="0"/>
+              <a:t>Контейнер </a:t>
+            </a:r>
+            <a:endParaRPr lang="en-US" dirty="0"/>
+          </a:p>
+          <a:p>
+            <a:r>
+              <a:rPr lang="en-US" dirty="0"/>
+              <a:t>Node Explorer</a:t>
+            </a:r>
+          </a:p>
+        </p:txBody>
+      </p:sp>
+      <p:pic>
+        <p:nvPicPr>
+          <p:cNvPr id="13" name="Picture 2" descr="Контейнер – Бесплатные иконки: отгрузка и доставка">
+            <a:extLst>
+              <a:ext uri="{FF2B5EF4-FFF2-40B4-BE49-F238E27FC236}">
+                <a16:creationId xmlns:a16="http://schemas.microsoft.com/office/drawing/2014/main" id="{3FC08F37-3DCB-AE99-11FB-18F8C711B3C8}"/>
+              </a:ext>
+            </a:extLst>
+          </p:cNvPr>
+          <p:cNvPicPr>
+            <a:picLocks noChangeAspect="1" noChangeArrowheads="1"/>
+          </p:cNvPicPr>
+          <p:nvPr/>
+        </p:nvPicPr>
+        <p:blipFill>
+          <a:blip r:embed="rId2">
+            <a:extLst>
+              <a:ext uri="{28A0092B-C50C-407E-A947-70E740481C1C}">
+                <a14:useLocalDpi xmlns:a14="http://schemas.microsoft.com/office/drawing/2010/main" val="0"/>
+              </a:ext>
+            </a:extLst>
+          </a:blip>
+          <a:srcRect/>
+          <a:stretch>
+            <a:fillRect/>
+          </a:stretch>
+        </p:blipFill>
+        <p:spPr bwMode="auto">
+          <a:xfrm>
+            <a:off x="780989" y="3892477"/>
+            <a:ext cx="1300202" cy="1300202"/>
+          </a:xfrm>
+          <a:prstGeom prst="rect">
+            <a:avLst/>
+          </a:prstGeom>
+          <a:noFill/>
+          <a:extLst>
+            <a:ext uri="{909E8E84-426E-40DD-AFC4-6F175D3DCCD1}">
+              <a14:hiddenFill xmlns:a14="http://schemas.microsoft.com/office/drawing/2010/main">
+                <a:solidFill>
+                  <a:srgbClr val="FFFFFF"/>
+                </a:solidFill>
+              </a14:hiddenFill>
+            </a:ext>
+          </a:extLst>
+        </p:spPr>
+      </p:pic>
+      <p:sp>
+        <p:nvSpPr>
+          <p:cNvPr id="14" name="TextBox 13">
+            <a:extLst>
+              <a:ext uri="{FF2B5EF4-FFF2-40B4-BE49-F238E27FC236}">
+                <a16:creationId xmlns:a16="http://schemas.microsoft.com/office/drawing/2014/main" id="{B6F0F5FA-41CC-C756-E431-327AE4D561DF}"/>
+              </a:ext>
+            </a:extLst>
+          </p:cNvPr>
+          <p:cNvSpPr txBox="1"/>
+          <p:nvPr/>
+        </p:nvSpPr>
+        <p:spPr>
+          <a:xfrm>
+            <a:off x="269231" y="4912862"/>
+            <a:ext cx="2434641" cy="369332"/>
+          </a:xfrm>
+          <a:prstGeom prst="rect">
+            <a:avLst/>
+          </a:prstGeom>
+          <a:noFill/>
+        </p:spPr>
+        <p:txBody>
+          <a:bodyPr wrap="none" rtlCol="0">
+            <a:spAutoFit/>
+          </a:bodyPr>
+          <a:lstStyle/>
+          <a:p>
+            <a:r>
+              <a:rPr lang="ru-RU" dirty="0"/>
+              <a:t>Контейнер </a:t>
+            </a:r>
+            <a:r>
+              <a:rPr lang="en-US" dirty="0"/>
+              <a:t>Prometheus</a:t>
+            </a:r>
+          </a:p>
+        </p:txBody>
+      </p:sp>
+      <p:sp>
+        <p:nvSpPr>
+          <p:cNvPr id="15" name="Стрелка: вниз 14">
+            <a:extLst>
+              <a:ext uri="{FF2B5EF4-FFF2-40B4-BE49-F238E27FC236}">
+                <a16:creationId xmlns:a16="http://schemas.microsoft.com/office/drawing/2014/main" id="{9695AC1F-E254-3020-4F04-EB3615A8176D}"/>
+              </a:ext>
+            </a:extLst>
+          </p:cNvPr>
+          <p:cNvSpPr/>
+          <p:nvPr/>
+        </p:nvSpPr>
+        <p:spPr>
+          <a:xfrm>
+            <a:off x="1238298" y="2907771"/>
+            <a:ext cx="323802" cy="1131226"/>
+          </a:xfrm>
+          <a:prstGeom prst="downArrow">
+            <a:avLst>
+              <a:gd name="adj1" fmla="val 47066"/>
+              <a:gd name="adj2" fmla="val 50000"/>
+            </a:avLst>
+          </a:prstGeom>
+        </p:spPr>
+        <p:style>
+          <a:lnRef idx="2">
+            <a:schemeClr val="dk1">
+              <a:shade val="50000"/>
+            </a:schemeClr>
+          </a:lnRef>
+          <a:fillRef idx="1">
+            <a:schemeClr val="dk1"/>
+          </a:fillRef>
+          <a:effectRef idx="0">
+            <a:schemeClr val="dk1"/>
+          </a:effectRef>
+          <a:fontRef idx="minor">
+            <a:schemeClr val="lt1"/>
+          </a:fontRef>
+        </p:style>
+        <p:txBody>
+          <a:bodyPr rtlCol="0" anchor="ctr"/>
+          <a:lstStyle/>
+          <a:p>
+            <a:pPr algn="ctr"/>
+            <a:endParaRPr lang="en-US" dirty="0"/>
+          </a:p>
+        </p:txBody>
+      </p:sp>
+      <p:sp>
+        <p:nvSpPr>
+          <p:cNvPr id="16" name="TextBox 15">
+            <a:extLst>
+              <a:ext uri="{FF2B5EF4-FFF2-40B4-BE49-F238E27FC236}">
+                <a16:creationId xmlns:a16="http://schemas.microsoft.com/office/drawing/2014/main" id="{DEEB956B-9A02-3709-3782-972F7A7DCB1B}"/>
+              </a:ext>
+            </a:extLst>
+          </p:cNvPr>
+          <p:cNvSpPr txBox="1"/>
+          <p:nvPr/>
+        </p:nvSpPr>
+        <p:spPr>
+          <a:xfrm>
+            <a:off x="4385926" y="3100596"/>
+            <a:ext cx="1549400" cy="646331"/>
+          </a:xfrm>
+          <a:prstGeom prst="rect">
+            <a:avLst/>
+          </a:prstGeom>
+          <a:noFill/>
+        </p:spPr>
+        <p:txBody>
+          <a:bodyPr wrap="square" rtlCol="0">
+            <a:spAutoFit/>
+          </a:bodyPr>
+          <a:lstStyle/>
+          <a:p>
+            <a:r>
+              <a:rPr lang="ru-RU" dirty="0"/>
+              <a:t>передача логов</a:t>
+            </a:r>
+            <a:endParaRPr lang="en-US" dirty="0"/>
+          </a:p>
+        </p:txBody>
+      </p:sp>
+      <p:pic>
+        <p:nvPicPr>
+          <p:cNvPr id="17" name="Picture 2" descr="Контейнер – Бесплатные иконки: отгрузка и доставка">
+            <a:extLst>
+              <a:ext uri="{FF2B5EF4-FFF2-40B4-BE49-F238E27FC236}">
+                <a16:creationId xmlns:a16="http://schemas.microsoft.com/office/drawing/2014/main" id="{6744C0FA-31EE-8279-3E05-E244D31B176F}"/>
+              </a:ext>
+            </a:extLst>
+          </p:cNvPr>
+          <p:cNvPicPr>
+            <a:picLocks noChangeAspect="1" noChangeArrowheads="1"/>
+          </p:cNvPicPr>
+          <p:nvPr/>
+        </p:nvPicPr>
+        <p:blipFill>
+          <a:blip r:embed="rId2">
+            <a:extLst>
+              <a:ext uri="{28A0092B-C50C-407E-A947-70E740481C1C}">
+                <a14:useLocalDpi xmlns:a14="http://schemas.microsoft.com/office/drawing/2010/main" val="0"/>
+              </a:ext>
+            </a:extLst>
+          </a:blip>
+          <a:srcRect/>
+          <a:stretch>
+            <a:fillRect/>
+          </a:stretch>
+        </p:blipFill>
+        <p:spPr bwMode="auto">
+          <a:xfrm>
+            <a:off x="3607924" y="1748080"/>
+            <a:ext cx="1300202" cy="1300202"/>
+          </a:xfrm>
+          <a:prstGeom prst="rect">
+            <a:avLst/>
+          </a:prstGeom>
+          <a:noFill/>
+          <a:extLst>
+            <a:ext uri="{909E8E84-426E-40DD-AFC4-6F175D3DCCD1}">
+              <a14:hiddenFill xmlns:a14="http://schemas.microsoft.com/office/drawing/2010/main">
+                <a:solidFill>
+                  <a:srgbClr val="FFFFFF"/>
+                </a:solidFill>
+              </a14:hiddenFill>
+            </a:ext>
+          </a:extLst>
+        </p:spPr>
+      </p:pic>
+      <p:sp>
+        <p:nvSpPr>
+          <p:cNvPr id="18" name="TextBox 17">
+            <a:extLst>
+              <a:ext uri="{FF2B5EF4-FFF2-40B4-BE49-F238E27FC236}">
+                <a16:creationId xmlns:a16="http://schemas.microsoft.com/office/drawing/2014/main" id="{4FB1D749-B294-7430-F32F-F1679E46E852}"/>
+              </a:ext>
+            </a:extLst>
+          </p:cNvPr>
+          <p:cNvSpPr txBox="1"/>
+          <p:nvPr/>
+        </p:nvSpPr>
+        <p:spPr>
+          <a:xfrm>
+            <a:off x="3285374" y="1466251"/>
+            <a:ext cx="2086918" cy="369332"/>
+          </a:xfrm>
+          <a:prstGeom prst="rect">
+            <a:avLst/>
+          </a:prstGeom>
+          <a:noFill/>
+        </p:spPr>
+        <p:txBody>
+          <a:bodyPr wrap="none" rtlCol="0">
+            <a:spAutoFit/>
+          </a:bodyPr>
+          <a:lstStyle/>
+          <a:p>
+            <a:r>
+              <a:rPr lang="ru-RU" dirty="0"/>
+              <a:t>Контейнер сервера</a:t>
+            </a:r>
+            <a:endParaRPr lang="en-US" dirty="0"/>
+          </a:p>
+        </p:txBody>
+      </p:sp>
+      <p:sp>
+        <p:nvSpPr>
+          <p:cNvPr id="20" name="Стрелка: изогнутая вверх 19">
+            <a:extLst>
+              <a:ext uri="{FF2B5EF4-FFF2-40B4-BE49-F238E27FC236}">
+                <a16:creationId xmlns:a16="http://schemas.microsoft.com/office/drawing/2014/main" id="{EFB7CC51-9BD2-28B1-C241-8D05C5DA788D}"/>
+              </a:ext>
+            </a:extLst>
+          </p:cNvPr>
+          <p:cNvSpPr/>
+          <p:nvPr/>
+        </p:nvSpPr>
+        <p:spPr>
+          <a:xfrm rot="16200000" flipH="1">
+            <a:off x="2344294" y="2687197"/>
+            <a:ext cx="1778529" cy="2219684"/>
+          </a:xfrm>
+          <a:prstGeom prst="bentUpArrow">
+            <a:avLst>
+              <a:gd name="adj1" fmla="val 8931"/>
+              <a:gd name="adj2" fmla="val 9074"/>
+              <a:gd name="adj3" fmla="val 13846"/>
+            </a:avLst>
+          </a:prstGeom>
+          <a:solidFill>
+            <a:schemeClr val="tx1"/>
+          </a:solidFill>
+          <a:ln/>
+        </p:spPr>
+        <p:style>
+          <a:lnRef idx="1">
+            <a:schemeClr val="dk1"/>
+          </a:lnRef>
+          <a:fillRef idx="2">
+            <a:schemeClr val="dk1"/>
+          </a:fillRef>
+          <a:effectRef idx="1">
+            <a:schemeClr val="dk1"/>
+          </a:effectRef>
+          <a:fontRef idx="minor">
+            <a:schemeClr val="dk1"/>
+          </a:fontRef>
+        </p:style>
+        <p:txBody>
+          <a:bodyPr rtlCol="0" anchor="ctr"/>
+          <a:lstStyle/>
+          <a:p>
+            <a:pPr algn="ctr"/>
+            <a:endParaRPr lang="en-US" dirty="0"/>
+          </a:p>
+        </p:txBody>
+      </p:sp>
+      <p:sp>
+        <p:nvSpPr>
+          <p:cNvPr id="21" name="TextBox 20">
+            <a:extLst>
+              <a:ext uri="{FF2B5EF4-FFF2-40B4-BE49-F238E27FC236}">
+                <a16:creationId xmlns:a16="http://schemas.microsoft.com/office/drawing/2014/main" id="{ED6583E6-EF16-23E3-D207-34D0E93245F4}"/>
+              </a:ext>
+            </a:extLst>
+          </p:cNvPr>
+          <p:cNvSpPr txBox="1"/>
+          <p:nvPr/>
+        </p:nvSpPr>
+        <p:spPr>
+          <a:xfrm>
+            <a:off x="2560106" y="4366572"/>
+            <a:ext cx="1212191" cy="307777"/>
+          </a:xfrm>
+          <a:prstGeom prst="rect">
+            <a:avLst/>
+          </a:prstGeom>
+          <a:noFill/>
+        </p:spPr>
+        <p:txBody>
+          <a:bodyPr wrap="none" rtlCol="0">
+            <a:spAutoFit/>
+          </a:bodyPr>
+          <a:lstStyle/>
+          <a:p>
+            <a:r>
+              <a:rPr lang="ru-RU" sz="1400" dirty="0">
+                <a:solidFill>
+                  <a:schemeClr val="bg1"/>
+                </a:solidFill>
+              </a:rPr>
+              <a:t>опционально</a:t>
+            </a:r>
+            <a:endParaRPr lang="en-US" sz="1400" dirty="0">
+              <a:solidFill>
+                <a:schemeClr val="bg1"/>
+              </a:solidFill>
+            </a:endParaRPr>
+          </a:p>
+        </p:txBody>
+      </p:sp>
+      <p:sp>
+        <p:nvSpPr>
+          <p:cNvPr id="22" name="TextBox 21">
+            <a:extLst>
+              <a:ext uri="{FF2B5EF4-FFF2-40B4-BE49-F238E27FC236}">
+                <a16:creationId xmlns:a16="http://schemas.microsoft.com/office/drawing/2014/main" id="{7047A2EE-9FE1-2EE3-E2E4-DF74B9CF3719}"/>
+              </a:ext>
+            </a:extLst>
+          </p:cNvPr>
+          <p:cNvSpPr txBox="1"/>
+          <p:nvPr/>
+        </p:nvSpPr>
+        <p:spPr>
+          <a:xfrm>
+            <a:off x="1334284" y="5464286"/>
+            <a:ext cx="2085806" cy="646331"/>
+          </a:xfrm>
+          <a:prstGeom prst="rect">
+            <a:avLst/>
+          </a:prstGeom>
+          <a:noFill/>
+        </p:spPr>
+        <p:txBody>
+          <a:bodyPr wrap="square" rtlCol="0">
+            <a:spAutoFit/>
+          </a:bodyPr>
+          <a:lstStyle/>
+          <a:p>
+            <a:r>
+              <a:rPr lang="ru-RU" dirty="0"/>
+              <a:t>передача данных для иллюстрации</a:t>
+            </a:r>
+            <a:endParaRPr lang="en-US" dirty="0"/>
+          </a:p>
+        </p:txBody>
+      </p:sp>
+      <p:sp>
+        <p:nvSpPr>
+          <p:cNvPr id="23" name="TextBox 22">
+            <a:extLst>
+              <a:ext uri="{FF2B5EF4-FFF2-40B4-BE49-F238E27FC236}">
+                <a16:creationId xmlns:a16="http://schemas.microsoft.com/office/drawing/2014/main" id="{3D52344D-B0FE-C032-C49E-BDBE8D1DF83F}"/>
+              </a:ext>
+            </a:extLst>
+          </p:cNvPr>
+          <p:cNvSpPr txBox="1"/>
+          <p:nvPr/>
+        </p:nvSpPr>
+        <p:spPr>
+          <a:xfrm>
+            <a:off x="5359592" y="2241084"/>
+            <a:ext cx="1666695" cy="276999"/>
+          </a:xfrm>
+          <a:prstGeom prst="rect">
+            <a:avLst/>
+          </a:prstGeom>
+          <a:noFill/>
+        </p:spPr>
+        <p:txBody>
+          <a:bodyPr wrap="square" rtlCol="0">
+            <a:spAutoFit/>
+          </a:bodyPr>
+          <a:lstStyle/>
+          <a:p>
+            <a:r>
+              <a:rPr lang="ru-RU" sz="1200" dirty="0">
+                <a:solidFill>
+                  <a:schemeClr val="bg1"/>
+                </a:solidFill>
+              </a:rPr>
+              <a:t>обмен сообщениями</a:t>
+            </a:r>
+            <a:endParaRPr lang="en-US" sz="1200" dirty="0">
+              <a:solidFill>
+                <a:schemeClr val="bg1"/>
+              </a:solidFill>
+            </a:endParaRPr>
+          </a:p>
+        </p:txBody>
+      </p:sp>
+      <p:pic>
+        <p:nvPicPr>
+          <p:cNvPr id="25" name="Picture 2" descr="Контейнер – Бесплатные иконки: отгрузка и доставка">
+            <a:extLst>
+              <a:ext uri="{FF2B5EF4-FFF2-40B4-BE49-F238E27FC236}">
+                <a16:creationId xmlns:a16="http://schemas.microsoft.com/office/drawing/2014/main" id="{FABD9F85-9170-2CF7-B126-EE2D717124F7}"/>
+              </a:ext>
+            </a:extLst>
+          </p:cNvPr>
+          <p:cNvPicPr>
+            <a:picLocks noChangeAspect="1" noChangeArrowheads="1"/>
+          </p:cNvPicPr>
+          <p:nvPr/>
+        </p:nvPicPr>
+        <p:blipFill>
+          <a:blip r:embed="rId2">
+            <a:extLst>
+              <a:ext uri="{28A0092B-C50C-407E-A947-70E740481C1C}">
+                <a14:useLocalDpi xmlns:a14="http://schemas.microsoft.com/office/drawing/2010/main" val="0"/>
+              </a:ext>
+            </a:extLst>
+          </a:blip>
+          <a:srcRect/>
+          <a:stretch>
+            <a:fillRect/>
+          </a:stretch>
+        </p:blipFill>
+        <p:spPr bwMode="auto">
+          <a:xfrm>
+            <a:off x="7383019" y="1729483"/>
+            <a:ext cx="1300202" cy="1300202"/>
+          </a:xfrm>
+          <a:prstGeom prst="rect">
+            <a:avLst/>
+          </a:prstGeom>
+          <a:noFill/>
+          <a:extLst>
+            <a:ext uri="{909E8E84-426E-40DD-AFC4-6F175D3DCCD1}">
+              <a14:hiddenFill xmlns:a14="http://schemas.microsoft.com/office/drawing/2010/main">
+                <a:solidFill>
+                  <a:srgbClr val="FFFFFF"/>
+                </a:solidFill>
+              </a14:hiddenFill>
+            </a:ext>
+          </a:extLst>
+        </p:spPr>
+      </p:pic>
+      <p:sp>
+        <p:nvSpPr>
+          <p:cNvPr id="26" name="TextBox 25">
+            <a:extLst>
+              <a:ext uri="{FF2B5EF4-FFF2-40B4-BE49-F238E27FC236}">
+                <a16:creationId xmlns:a16="http://schemas.microsoft.com/office/drawing/2014/main" id="{08727391-1ECB-D32A-3821-0C002C3BDD25}"/>
+              </a:ext>
+            </a:extLst>
+          </p:cNvPr>
+          <p:cNvSpPr txBox="1"/>
+          <p:nvPr/>
+        </p:nvSpPr>
+        <p:spPr>
+          <a:xfrm>
+            <a:off x="7034319" y="1327751"/>
+            <a:ext cx="2398670" cy="646331"/>
+          </a:xfrm>
+          <a:prstGeom prst="rect">
+            <a:avLst/>
+          </a:prstGeom>
+          <a:noFill/>
+        </p:spPr>
+        <p:txBody>
+          <a:bodyPr wrap="none" rtlCol="0">
+            <a:spAutoFit/>
+          </a:bodyPr>
+          <a:lstStyle/>
+          <a:p>
+            <a:r>
+              <a:rPr lang="ru-RU" dirty="0"/>
+              <a:t>Контейнер генератора</a:t>
+            </a:r>
+          </a:p>
+          <a:p>
+            <a:r>
+              <a:rPr lang="ru-RU" dirty="0"/>
+              <a:t>нагрузки</a:t>
+            </a:r>
+            <a:endParaRPr lang="en-US" dirty="0"/>
+          </a:p>
+        </p:txBody>
+      </p:sp>
+      <p:pic>
+        <p:nvPicPr>
+          <p:cNvPr id="27" name="Picture 2" descr="Контейнер – Бесплатные иконки: отгрузка и доставка">
+            <a:extLst>
+              <a:ext uri="{FF2B5EF4-FFF2-40B4-BE49-F238E27FC236}">
+                <a16:creationId xmlns:a16="http://schemas.microsoft.com/office/drawing/2014/main" id="{0A0F2D61-DD63-2383-7BE5-47A3C54C1F7B}"/>
+              </a:ext>
+            </a:extLst>
+          </p:cNvPr>
+          <p:cNvPicPr>
+            <a:picLocks noChangeAspect="1" noChangeArrowheads="1"/>
+          </p:cNvPicPr>
+          <p:nvPr/>
+        </p:nvPicPr>
+        <p:blipFill>
+          <a:blip r:embed="rId2">
+            <a:extLst>
+              <a:ext uri="{28A0092B-C50C-407E-A947-70E740481C1C}">
+                <a14:useLocalDpi xmlns:a14="http://schemas.microsoft.com/office/drawing/2010/main" val="0"/>
+              </a:ext>
+            </a:extLst>
+          </a:blip>
+          <a:srcRect/>
+          <a:stretch>
+            <a:fillRect/>
+          </a:stretch>
+        </p:blipFill>
+        <p:spPr bwMode="auto">
+          <a:xfrm>
+            <a:off x="7306114" y="4758665"/>
+            <a:ext cx="1300202" cy="1300202"/>
+          </a:xfrm>
+          <a:prstGeom prst="rect">
+            <a:avLst/>
+          </a:prstGeom>
+          <a:noFill/>
+          <a:extLst>
+            <a:ext uri="{909E8E84-426E-40DD-AFC4-6F175D3DCCD1}">
+              <a14:hiddenFill xmlns:a14="http://schemas.microsoft.com/office/drawing/2010/main">
+                <a:solidFill>
+                  <a:srgbClr val="FFFFFF"/>
+                </a:solidFill>
+              </a14:hiddenFill>
+            </a:ext>
+          </a:extLst>
+        </p:spPr>
+      </p:pic>
+      <p:sp>
+        <p:nvSpPr>
+          <p:cNvPr id="28" name="TextBox 27">
+            <a:extLst>
+              <a:ext uri="{FF2B5EF4-FFF2-40B4-BE49-F238E27FC236}">
+                <a16:creationId xmlns:a16="http://schemas.microsoft.com/office/drawing/2014/main" id="{8A008CD6-2BF8-6B07-4D07-15C38DA66477}"/>
+              </a:ext>
+            </a:extLst>
+          </p:cNvPr>
+          <p:cNvSpPr txBox="1"/>
+          <p:nvPr/>
+        </p:nvSpPr>
+        <p:spPr>
+          <a:xfrm>
+            <a:off x="6777503" y="5777487"/>
+            <a:ext cx="2434641" cy="369332"/>
+          </a:xfrm>
+          <a:prstGeom prst="rect">
+            <a:avLst/>
+          </a:prstGeom>
+          <a:noFill/>
+        </p:spPr>
+        <p:txBody>
+          <a:bodyPr wrap="none" rtlCol="0">
+            <a:spAutoFit/>
+          </a:bodyPr>
+          <a:lstStyle/>
+          <a:p>
+            <a:r>
+              <a:rPr lang="ru-RU" dirty="0"/>
+              <a:t>Контейнер </a:t>
+            </a:r>
+            <a:r>
+              <a:rPr lang="en-US" dirty="0"/>
+              <a:t>Prometheus</a:t>
+            </a:r>
+          </a:p>
+        </p:txBody>
+      </p:sp>
+      <p:sp>
+        <p:nvSpPr>
+          <p:cNvPr id="31" name="Стрелка: вниз 30">
+            <a:extLst>
+              <a:ext uri="{FF2B5EF4-FFF2-40B4-BE49-F238E27FC236}">
+                <a16:creationId xmlns:a16="http://schemas.microsoft.com/office/drawing/2014/main" id="{99662B4D-86AB-7791-D2E6-76E8BC2F3CB4}"/>
+              </a:ext>
+            </a:extLst>
+          </p:cNvPr>
+          <p:cNvSpPr/>
+          <p:nvPr/>
+        </p:nvSpPr>
+        <p:spPr>
+          <a:xfrm>
+            <a:off x="7849237" y="2907770"/>
+            <a:ext cx="323802" cy="2005092"/>
+          </a:xfrm>
+          <a:prstGeom prst="downArrow">
+            <a:avLst>
+              <a:gd name="adj1" fmla="val 47066"/>
+              <a:gd name="adj2" fmla="val 50000"/>
+            </a:avLst>
+          </a:prstGeom>
+        </p:spPr>
+        <p:style>
+          <a:lnRef idx="2">
+            <a:schemeClr val="dk1">
+              <a:shade val="50000"/>
+            </a:schemeClr>
+          </a:lnRef>
+          <a:fillRef idx="1">
+            <a:schemeClr val="dk1"/>
+          </a:fillRef>
+          <a:effectRef idx="0">
+            <a:schemeClr val="dk1"/>
+          </a:effectRef>
+          <a:fontRef idx="minor">
+            <a:schemeClr val="lt1"/>
+          </a:fontRef>
+        </p:style>
+        <p:txBody>
+          <a:bodyPr rtlCol="0" anchor="ctr"/>
+          <a:lstStyle/>
+          <a:p>
+            <a:pPr algn="ctr"/>
+            <a:endParaRPr lang="en-US" dirty="0"/>
+          </a:p>
+        </p:txBody>
+      </p:sp>
+      <p:sp>
+        <p:nvSpPr>
+          <p:cNvPr id="32" name="TextBox 31">
+            <a:extLst>
+              <a:ext uri="{FF2B5EF4-FFF2-40B4-BE49-F238E27FC236}">
+                <a16:creationId xmlns:a16="http://schemas.microsoft.com/office/drawing/2014/main" id="{B87C157F-CB43-2299-813D-C25EBF20186E}"/>
+              </a:ext>
+            </a:extLst>
+          </p:cNvPr>
+          <p:cNvSpPr txBox="1"/>
+          <p:nvPr/>
+        </p:nvSpPr>
+        <p:spPr>
+          <a:xfrm>
+            <a:off x="8170942" y="3392665"/>
+            <a:ext cx="1549400" cy="646331"/>
+          </a:xfrm>
+          <a:prstGeom prst="rect">
+            <a:avLst/>
+          </a:prstGeom>
+          <a:noFill/>
+        </p:spPr>
+        <p:txBody>
+          <a:bodyPr wrap="square" rtlCol="0">
+            <a:spAutoFit/>
+          </a:bodyPr>
+          <a:lstStyle/>
+          <a:p>
+            <a:r>
+              <a:rPr lang="ru-RU" dirty="0"/>
+              <a:t>передача логов</a:t>
+            </a:r>
+            <a:endParaRPr lang="en-US" dirty="0"/>
+          </a:p>
+        </p:txBody>
+      </p:sp>
+      <p:pic>
+        <p:nvPicPr>
+          <p:cNvPr id="33" name="Picture 2" descr="Контейнер – Бесплатные иконки: отгрузка и доставка">
+            <a:extLst>
+              <a:ext uri="{FF2B5EF4-FFF2-40B4-BE49-F238E27FC236}">
+                <a16:creationId xmlns:a16="http://schemas.microsoft.com/office/drawing/2014/main" id="{E77965FC-7103-F178-41BD-003D763F595D}"/>
+              </a:ext>
+            </a:extLst>
+          </p:cNvPr>
+          <p:cNvPicPr>
+            <a:picLocks noChangeAspect="1" noChangeArrowheads="1"/>
+          </p:cNvPicPr>
+          <p:nvPr/>
+        </p:nvPicPr>
+        <p:blipFill>
+          <a:blip r:embed="rId2">
+            <a:extLst>
+              <a:ext uri="{28A0092B-C50C-407E-A947-70E740481C1C}">
+                <a14:useLocalDpi xmlns:a14="http://schemas.microsoft.com/office/drawing/2010/main" val="0"/>
+              </a:ext>
+            </a:extLst>
+          </a:blip>
+          <a:srcRect/>
+          <a:stretch>
+            <a:fillRect/>
+          </a:stretch>
+        </p:blipFill>
+        <p:spPr bwMode="auto">
+          <a:xfrm>
+            <a:off x="3779246" y="4759708"/>
+            <a:ext cx="1300202" cy="1300202"/>
+          </a:xfrm>
+          <a:prstGeom prst="rect">
+            <a:avLst/>
+          </a:prstGeom>
+          <a:noFill/>
+          <a:extLst>
+            <a:ext uri="{909E8E84-426E-40DD-AFC4-6F175D3DCCD1}">
+              <a14:hiddenFill xmlns:a14="http://schemas.microsoft.com/office/drawing/2010/main">
+                <a:solidFill>
+                  <a:srgbClr val="FFFFFF"/>
+                </a:solidFill>
+              </a14:hiddenFill>
+            </a:ext>
+          </a:extLst>
+        </p:spPr>
+      </p:pic>
+      <p:sp>
+        <p:nvSpPr>
+          <p:cNvPr id="34" name="TextBox 33">
+            <a:extLst>
+              <a:ext uri="{FF2B5EF4-FFF2-40B4-BE49-F238E27FC236}">
+                <a16:creationId xmlns:a16="http://schemas.microsoft.com/office/drawing/2014/main" id="{19B4BA89-8528-85ED-AC67-76F16A862753}"/>
+              </a:ext>
+            </a:extLst>
+          </p:cNvPr>
+          <p:cNvSpPr txBox="1"/>
+          <p:nvPr/>
+        </p:nvSpPr>
+        <p:spPr>
+          <a:xfrm>
+            <a:off x="3385548" y="5772395"/>
+            <a:ext cx="2085806" cy="369332"/>
+          </a:xfrm>
+          <a:prstGeom prst="rect">
+            <a:avLst/>
+          </a:prstGeom>
+          <a:noFill/>
+        </p:spPr>
+        <p:txBody>
+          <a:bodyPr wrap="square" rtlCol="0">
+            <a:spAutoFit/>
+          </a:bodyPr>
+          <a:lstStyle/>
+          <a:p>
+            <a:r>
+              <a:rPr lang="ru-RU" dirty="0"/>
+              <a:t>Контейнер </a:t>
+            </a:r>
+            <a:r>
+              <a:rPr lang="en-US" dirty="0"/>
+              <a:t>Grafana</a:t>
+            </a:r>
+          </a:p>
+        </p:txBody>
+      </p:sp>
+      <p:sp>
+        <p:nvSpPr>
+          <p:cNvPr id="35" name="Стрелка: изогнутая вверх 34">
+            <a:extLst>
+              <a:ext uri="{FF2B5EF4-FFF2-40B4-BE49-F238E27FC236}">
+                <a16:creationId xmlns:a16="http://schemas.microsoft.com/office/drawing/2014/main" id="{B304BF4A-53FC-01CE-4F80-87396F936CDD}"/>
+              </a:ext>
+            </a:extLst>
+          </p:cNvPr>
+          <p:cNvSpPr/>
+          <p:nvPr/>
+        </p:nvSpPr>
+        <p:spPr>
+          <a:xfrm rot="5400000">
+            <a:off x="2212448" y="4340875"/>
+            <a:ext cx="337046" cy="2219685"/>
+          </a:xfrm>
+          <a:prstGeom prst="bentUpArrow">
+            <a:avLst>
+              <a:gd name="adj1" fmla="val 50000"/>
+              <a:gd name="adj2" fmla="val 50000"/>
+              <a:gd name="adj3" fmla="val 50000"/>
+            </a:avLst>
+          </a:prstGeom>
+          <a:solidFill>
+            <a:schemeClr val="tx1"/>
+          </a:solidFill>
+          <a:ln>
+            <a:solidFill>
+              <a:schemeClr val="tx1"/>
+            </a:solidFill>
+          </a:ln>
+        </p:spPr>
+        <p:style>
+          <a:lnRef idx="2">
+            <a:schemeClr val="accent1">
+              <a:shade val="50000"/>
+            </a:schemeClr>
+          </a:lnRef>
+          <a:fillRef idx="1">
+            <a:schemeClr val="accent1"/>
+          </a:fillRef>
+          <a:effectRef idx="0">
+            <a:schemeClr val="accent1"/>
+          </a:effectRef>
+          <a:fontRef idx="minor">
+            <a:schemeClr val="lt1"/>
+          </a:fontRef>
+        </p:style>
+        <p:txBody>
+          <a:bodyPr rtlCol="0" anchor="ctr"/>
+          <a:lstStyle/>
+          <a:p>
+            <a:pPr algn="ctr"/>
+            <a:endParaRPr lang="en-US"/>
+          </a:p>
+        </p:txBody>
+      </p:sp>
+      <p:sp>
+        <p:nvSpPr>
+          <p:cNvPr id="36" name="TextBox 35">
+            <a:extLst>
+              <a:ext uri="{FF2B5EF4-FFF2-40B4-BE49-F238E27FC236}">
+                <a16:creationId xmlns:a16="http://schemas.microsoft.com/office/drawing/2014/main" id="{558B0FA1-450A-0CDC-D85E-F3EA3E5859E5}"/>
+              </a:ext>
+            </a:extLst>
+          </p:cNvPr>
+          <p:cNvSpPr txBox="1"/>
+          <p:nvPr/>
+        </p:nvSpPr>
+        <p:spPr>
+          <a:xfrm>
+            <a:off x="1558991" y="2969147"/>
+            <a:ext cx="1549400" cy="923330"/>
+          </a:xfrm>
+          <a:prstGeom prst="rect">
+            <a:avLst/>
+          </a:prstGeom>
+          <a:noFill/>
+        </p:spPr>
+        <p:txBody>
+          <a:bodyPr wrap="square" rtlCol="0">
+            <a:spAutoFit/>
+          </a:bodyPr>
+          <a:lstStyle/>
+          <a:p>
+            <a:r>
+              <a:rPr lang="ru-RU" dirty="0"/>
+              <a:t>передача метрик устройства</a:t>
+            </a:r>
+            <a:endParaRPr lang="en-US" dirty="0"/>
+          </a:p>
+        </p:txBody>
+      </p:sp>
+      <p:pic>
+        <p:nvPicPr>
+          <p:cNvPr id="37" name="Picture 2" descr="Контейнер – Бесплатные иконки: отгрузка и доставка">
+            <a:extLst>
+              <a:ext uri="{FF2B5EF4-FFF2-40B4-BE49-F238E27FC236}">
+                <a16:creationId xmlns:a16="http://schemas.microsoft.com/office/drawing/2014/main" id="{276F61E5-9938-75A0-39F7-8240791762B3}"/>
+              </a:ext>
+            </a:extLst>
+          </p:cNvPr>
+          <p:cNvPicPr>
+            <a:picLocks noChangeAspect="1" noChangeArrowheads="1"/>
+          </p:cNvPicPr>
+          <p:nvPr/>
+        </p:nvPicPr>
+        <p:blipFill>
+          <a:blip r:embed="rId2">
+            <a:extLst>
+              <a:ext uri="{28A0092B-C50C-407E-A947-70E740481C1C}">
+                <a14:useLocalDpi xmlns:a14="http://schemas.microsoft.com/office/drawing/2010/main" val="0"/>
+              </a:ext>
+            </a:extLst>
+          </a:blip>
+          <a:srcRect/>
+          <a:stretch>
+            <a:fillRect/>
+          </a:stretch>
+        </p:blipFill>
+        <p:spPr bwMode="auto">
+          <a:xfrm>
+            <a:off x="10270771" y="4769327"/>
+            <a:ext cx="1300202" cy="1300202"/>
+          </a:xfrm>
+          <a:prstGeom prst="rect">
+            <a:avLst/>
+          </a:prstGeom>
+          <a:noFill/>
+          <a:extLst>
+            <a:ext uri="{909E8E84-426E-40DD-AFC4-6F175D3DCCD1}">
+              <a14:hiddenFill xmlns:a14="http://schemas.microsoft.com/office/drawing/2010/main">
+                <a:solidFill>
+                  <a:srgbClr val="FFFFFF"/>
+                </a:solidFill>
+              </a14:hiddenFill>
+            </a:ext>
+          </a:extLst>
+        </p:spPr>
+      </p:pic>
+      <p:sp>
+        <p:nvSpPr>
+          <p:cNvPr id="38" name="TextBox 37">
+            <a:extLst>
+              <a:ext uri="{FF2B5EF4-FFF2-40B4-BE49-F238E27FC236}">
+                <a16:creationId xmlns:a16="http://schemas.microsoft.com/office/drawing/2014/main" id="{4816F1BA-AFDB-2838-6102-118617A967AF}"/>
+              </a:ext>
+            </a:extLst>
+          </p:cNvPr>
+          <p:cNvSpPr txBox="1"/>
+          <p:nvPr/>
+        </p:nvSpPr>
+        <p:spPr>
+          <a:xfrm>
+            <a:off x="9869884" y="5787451"/>
+            <a:ext cx="2033057" cy="369332"/>
+          </a:xfrm>
+          <a:prstGeom prst="rect">
+            <a:avLst/>
+          </a:prstGeom>
+          <a:noFill/>
+        </p:spPr>
+        <p:txBody>
+          <a:bodyPr wrap="none" rtlCol="0">
+            <a:spAutoFit/>
+          </a:bodyPr>
+          <a:lstStyle/>
+          <a:p>
+            <a:r>
+              <a:rPr lang="ru-RU" dirty="0"/>
+              <a:t>Контейнер </a:t>
+            </a:r>
+            <a:r>
+              <a:rPr lang="en-US" dirty="0"/>
+              <a:t>Grafana</a:t>
+            </a:r>
+          </a:p>
+        </p:txBody>
+      </p:sp>
+      <p:sp>
+        <p:nvSpPr>
+          <p:cNvPr id="39" name="Стрелка: вправо 38">
+            <a:extLst>
+              <a:ext uri="{FF2B5EF4-FFF2-40B4-BE49-F238E27FC236}">
+                <a16:creationId xmlns:a16="http://schemas.microsoft.com/office/drawing/2014/main" id="{B2B31833-1E7F-472D-E0C3-8036AA0C98CA}"/>
+              </a:ext>
+            </a:extLst>
+          </p:cNvPr>
+          <p:cNvSpPr/>
+          <p:nvPr/>
+        </p:nvSpPr>
+        <p:spPr>
+          <a:xfrm>
+            <a:off x="8740491" y="5279620"/>
+            <a:ext cx="1396105" cy="369332"/>
+          </a:xfrm>
+          <a:prstGeom prst="rightArrow">
+            <a:avLst>
+              <a:gd name="adj1" fmla="val 43123"/>
+              <a:gd name="adj2" fmla="val 50000"/>
+            </a:avLst>
+          </a:prstGeom>
+        </p:spPr>
+        <p:style>
+          <a:lnRef idx="2">
+            <a:schemeClr val="dk1">
+              <a:shade val="50000"/>
+            </a:schemeClr>
+          </a:lnRef>
+          <a:fillRef idx="1">
+            <a:schemeClr val="dk1"/>
+          </a:fillRef>
+          <a:effectRef idx="0">
+            <a:schemeClr val="dk1"/>
+          </a:effectRef>
+          <a:fontRef idx="minor">
+            <a:schemeClr val="lt1"/>
+          </a:fontRef>
+        </p:style>
+        <p:txBody>
+          <a:bodyPr rtlCol="0" anchor="ctr"/>
+          <a:lstStyle/>
+          <a:p>
+            <a:pPr algn="ctr"/>
+            <a:endParaRPr lang="en-US"/>
+          </a:p>
+        </p:txBody>
+      </p:sp>
+      <p:sp>
+        <p:nvSpPr>
+          <p:cNvPr id="41" name="TextBox 40">
+            <a:extLst>
+              <a:ext uri="{FF2B5EF4-FFF2-40B4-BE49-F238E27FC236}">
+                <a16:creationId xmlns:a16="http://schemas.microsoft.com/office/drawing/2014/main" id="{00919B49-7B69-41AA-4016-E85D84DDD2F1}"/>
+              </a:ext>
+            </a:extLst>
+          </p:cNvPr>
+          <p:cNvSpPr txBox="1"/>
+          <p:nvPr/>
+        </p:nvSpPr>
+        <p:spPr>
+          <a:xfrm>
+            <a:off x="8740491" y="4459402"/>
+            <a:ext cx="1694355" cy="830997"/>
+          </a:xfrm>
+          <a:prstGeom prst="rect">
+            <a:avLst/>
+          </a:prstGeom>
+          <a:noFill/>
+        </p:spPr>
+        <p:txBody>
+          <a:bodyPr wrap="square" rtlCol="0">
+            <a:spAutoFit/>
+          </a:bodyPr>
+          <a:lstStyle/>
+          <a:p>
+            <a:r>
+              <a:rPr lang="ru-RU" sz="1600" dirty="0"/>
+              <a:t>передача данных для иллюстрации</a:t>
+            </a:r>
+            <a:endParaRPr lang="en-US" sz="1600" dirty="0"/>
+          </a:p>
+        </p:txBody>
+      </p:sp>
     </p:spTree>
     <p:extLst>
       <p:ext uri="{BB962C8B-B14F-4D97-AF65-F5344CB8AC3E}">
-        <p14:creationId xmlns:p14="http://schemas.microsoft.com/office/powerpoint/2010/main" val="1329535256"/>
+        <p14:creationId xmlns:p14="http://schemas.microsoft.com/office/powerpoint/2010/main" val="1038910848"/>
       </p:ext>
     </p:extLst>
   </p:cSld>
@@ -20309,6 +21620,124 @@
         </p:nvSpPr>
         <p:spPr>
           <a:xfrm>
+            <a:off x="249382" y="0"/>
+            <a:ext cx="9880270" cy="833377"/>
+          </a:xfrm>
+        </p:spPr>
+        <p:txBody>
+          <a:bodyPr>
+            <a:normAutofit/>
+          </a:bodyPr>
+          <a:lstStyle/>
+          <a:p>
+            <a:r>
+              <a:rPr lang="ru-RU" dirty="0">
+                <a:solidFill>
+                  <a:schemeClr val="accent1"/>
+                </a:solidFill>
+              </a:rPr>
+              <a:t>Тестирующая система</a:t>
+            </a:r>
+            <a:r>
+              <a:rPr lang="en-US" dirty="0">
+                <a:solidFill>
+                  <a:schemeClr val="accent1"/>
+                </a:solidFill>
+              </a:rPr>
+              <a:t>: </a:t>
+            </a:r>
+            <a:r>
+              <a:rPr lang="ru-RU" dirty="0">
+                <a:solidFill>
+                  <a:schemeClr val="accent1"/>
+                </a:solidFill>
+              </a:rPr>
+              <a:t>контейнеры</a:t>
+            </a:r>
+            <a:endParaRPr lang="en-US" dirty="0">
+              <a:solidFill>
+                <a:schemeClr val="accent1"/>
+              </a:solidFill>
+            </a:endParaRPr>
+          </a:p>
+        </p:txBody>
+      </p:sp>
+      <p:graphicFrame>
+        <p:nvGraphicFramePr>
+          <p:cNvPr id="3" name="Схема 2">
+            <a:extLst>
+              <a:ext uri="{FF2B5EF4-FFF2-40B4-BE49-F238E27FC236}">
+                <a16:creationId xmlns:a16="http://schemas.microsoft.com/office/drawing/2014/main" id="{6889AAFC-D644-B399-B30A-22A5401C3521}"/>
+              </a:ext>
+            </a:extLst>
+          </p:cNvPr>
+          <p:cNvGraphicFramePr/>
+          <p:nvPr>
+            <p:extLst>
+              <p:ext uri="{D42A27DB-BD31-4B8C-83A1-F6EECF244321}">
+                <p14:modId xmlns:p14="http://schemas.microsoft.com/office/powerpoint/2010/main" val="885520469"/>
+              </p:ext>
+            </p:extLst>
+          </p:nvPr>
+        </p:nvGraphicFramePr>
+        <p:xfrm>
+          <a:off x="267068" y="1544638"/>
+          <a:ext cx="11657864" cy="4229099"/>
+        </p:xfrm>
+        <a:graphic>
+          <a:graphicData uri="http://schemas.openxmlformats.org/drawingml/2006/diagram">
+            <dgm:relIds xmlns:dgm="http://schemas.openxmlformats.org/drawingml/2006/diagram" xmlns:r="http://schemas.openxmlformats.org/officeDocument/2006/relationships" r:dm="rId2" r:lo="rId3" r:qs="rId4" r:cs="rId5"/>
+          </a:graphicData>
+        </a:graphic>
+      </p:graphicFrame>
+    </p:spTree>
+    <p:extLst>
+      <p:ext uri="{BB962C8B-B14F-4D97-AF65-F5344CB8AC3E}">
+        <p14:creationId xmlns:p14="http://schemas.microsoft.com/office/powerpoint/2010/main" val="1329535256"/>
+      </p:ext>
+    </p:extLst>
+  </p:cSld>
+  <p:clrMapOvr>
+    <a:masterClrMapping/>
+  </p:clrMapOvr>
+</p:sld>
+</file>
+
+<file path=ppt/slides/slide12.xml><?xml version="1.0" encoding="utf-8"?>
+<p:sld xmlns:a="http://schemas.openxmlformats.org/drawingml/2006/main" xmlns:r="http://schemas.openxmlformats.org/officeDocument/2006/relationships" xmlns:p="http://schemas.openxmlformats.org/presentationml/2006/main">
+  <p:cSld>
+    <p:spTree>
+      <p:nvGrpSpPr>
+        <p:cNvPr id="1" name=""/>
+        <p:cNvGrpSpPr/>
+        <p:nvPr/>
+      </p:nvGrpSpPr>
+      <p:grpSpPr>
+        <a:xfrm>
+          <a:off x="0" y="0"/>
+          <a:ext cx="0" cy="0"/>
+          <a:chOff x="0" y="0"/>
+          <a:chExt cx="0" cy="0"/>
+        </a:xfrm>
+      </p:grpSpPr>
+      <p:sp>
+        <p:nvSpPr>
+          <p:cNvPr id="2" name="Заголовок 1">
+            <a:extLst>
+              <a:ext uri="{FF2B5EF4-FFF2-40B4-BE49-F238E27FC236}">
+                <a16:creationId xmlns:a16="http://schemas.microsoft.com/office/drawing/2014/main" id="{A723BA39-90B7-7C6B-E3B9-5CDE00793A99}"/>
+              </a:ext>
+            </a:extLst>
+          </p:cNvPr>
+          <p:cNvSpPr>
+            <a:spLocks noGrp="1"/>
+          </p:cNvSpPr>
+          <p:nvPr>
+            <p:ph type="title"/>
+          </p:nvPr>
+        </p:nvSpPr>
+        <p:spPr>
+          <a:xfrm>
             <a:off x="249382" y="-1"/>
             <a:ext cx="9880270" cy="798654"/>
           </a:xfrm>
@@ -20376,7 +21805,7 @@
 </p:sld>
 </file>
 
-<file path=ppt/slides/slide12.xml><?xml version="1.0" encoding="utf-8"?>
+<file path=ppt/slides/slide13.xml><?xml version="1.0" encoding="utf-8"?>
 <p:sld xmlns:a="http://schemas.openxmlformats.org/drawingml/2006/main" xmlns:r="http://schemas.openxmlformats.org/officeDocument/2006/relationships" xmlns:p="http://schemas.openxmlformats.org/presentationml/2006/main">
   <p:cSld>
     <p:spTree>
@@ -20575,6 +22004,311 @@
           </a:ln>
         </p:spPr>
       </p:pic>
+      <p:sp>
+        <p:nvSpPr>
+          <p:cNvPr id="5" name="Прямоугольник 4">
+            <a:extLst>
+              <a:ext uri="{FF2B5EF4-FFF2-40B4-BE49-F238E27FC236}">
+                <a16:creationId xmlns:a16="http://schemas.microsoft.com/office/drawing/2014/main" id="{241439AF-2754-ACDB-FD64-C62D36AB01EB}"/>
+              </a:ext>
+            </a:extLst>
+          </p:cNvPr>
+          <p:cNvSpPr/>
+          <p:nvPr/>
+        </p:nvSpPr>
+        <p:spPr>
+          <a:xfrm>
+            <a:off x="336884" y="2565133"/>
+            <a:ext cx="1746985" cy="3426593"/>
+          </a:xfrm>
+          <a:prstGeom prst="rect">
+            <a:avLst/>
+          </a:prstGeom>
+        </p:spPr>
+        <p:style>
+          <a:lnRef idx="2">
+            <a:schemeClr val="accent6"/>
+          </a:lnRef>
+          <a:fillRef idx="1">
+            <a:schemeClr val="lt1"/>
+          </a:fillRef>
+          <a:effectRef idx="0">
+            <a:schemeClr val="accent6"/>
+          </a:effectRef>
+          <a:fontRef idx="minor">
+            <a:schemeClr val="dk1"/>
+          </a:fontRef>
+        </p:style>
+        <p:txBody>
+          <a:bodyPr rtlCol="0" anchor="ctr"/>
+          <a:lstStyle/>
+          <a:p>
+            <a:pPr algn="ctr"/>
+            <a:r>
+              <a:rPr lang="ru-RU" sz="1400" dirty="0"/>
+              <a:t>Ось </a:t>
+            </a:r>
+            <a:r>
+              <a:rPr lang="en-US" sz="1400" dirty="0"/>
+              <a:t>x:</a:t>
+            </a:r>
+            <a:endParaRPr lang="ru-RU" sz="1400" dirty="0"/>
+          </a:p>
+          <a:p>
+            <a:pPr algn="ctr"/>
+            <a:r>
+              <a:rPr lang="ru-RU" sz="1400" dirty="0"/>
+              <a:t>отрезок времени эксперимента от </a:t>
+            </a:r>
+            <a:r>
+              <a:rPr lang="en-US" sz="1400" dirty="0"/>
+              <a:t>17:05</a:t>
+            </a:r>
+            <a:r>
+              <a:rPr lang="ru-RU" sz="1400" dirty="0"/>
+              <a:t> до </a:t>
+            </a:r>
+            <a:r>
+              <a:rPr lang="en-US" sz="1400" dirty="0"/>
+              <a:t>17:20</a:t>
+            </a:r>
+            <a:endParaRPr lang="ru-RU" sz="1400" dirty="0"/>
+          </a:p>
+          <a:p>
+            <a:pPr algn="ctr"/>
+            <a:endParaRPr lang="ru-RU" sz="1400" dirty="0"/>
+          </a:p>
+          <a:p>
+            <a:pPr algn="ctr"/>
+            <a:endParaRPr lang="en-US" sz="1400" dirty="0"/>
+          </a:p>
+          <a:p>
+            <a:pPr algn="ctr"/>
+            <a:r>
+              <a:rPr lang="ru-RU" sz="1400" dirty="0"/>
+              <a:t>Ось </a:t>
+            </a:r>
+            <a:r>
+              <a:rPr lang="en-US" sz="1400" dirty="0"/>
+              <a:t>y:</a:t>
+            </a:r>
+            <a:endParaRPr lang="ru-RU" sz="1400" dirty="0"/>
+          </a:p>
+          <a:p>
+            <a:pPr algn="ctr"/>
+            <a:r>
+              <a:rPr lang="ru-RU" sz="1400" dirty="0"/>
+              <a:t>изменение параметра от 0 до +</a:t>
+            </a:r>
+            <a:r>
+              <a:rPr lang="en-US" sz="1400" dirty="0"/>
+              <a:t>inf</a:t>
+            </a:r>
+          </a:p>
+        </p:txBody>
+      </p:sp>
+      <p:sp>
+        <p:nvSpPr>
+          <p:cNvPr id="8" name="Прямоугольник 7">
+            <a:extLst>
+              <a:ext uri="{FF2B5EF4-FFF2-40B4-BE49-F238E27FC236}">
+                <a16:creationId xmlns:a16="http://schemas.microsoft.com/office/drawing/2014/main" id="{C8565AA2-FE37-4FD4-EEAC-FFA69CE9E3DA}"/>
+              </a:ext>
+            </a:extLst>
+          </p:cNvPr>
+          <p:cNvSpPr/>
+          <p:nvPr/>
+        </p:nvSpPr>
+        <p:spPr>
+          <a:xfrm>
+            <a:off x="9199752" y="179173"/>
+            <a:ext cx="2538256" cy="2193453"/>
+          </a:xfrm>
+          <a:prstGeom prst="rect">
+            <a:avLst/>
+          </a:prstGeom>
+        </p:spPr>
+        <p:style>
+          <a:lnRef idx="2">
+            <a:schemeClr val="accent6"/>
+          </a:lnRef>
+          <a:fillRef idx="1">
+            <a:schemeClr val="lt1"/>
+          </a:fillRef>
+          <a:effectRef idx="0">
+            <a:schemeClr val="accent6"/>
+          </a:effectRef>
+          <a:fontRef idx="minor">
+            <a:schemeClr val="dk1"/>
+          </a:fontRef>
+        </p:style>
+        <p:txBody>
+          <a:bodyPr rtlCol="0" anchor="ctr"/>
+          <a:lstStyle/>
+          <a:p>
+            <a:pPr algn="ctr"/>
+            <a:r>
+              <a:rPr lang="ru-RU" dirty="0"/>
+              <a:t>Ось </a:t>
+            </a:r>
+            <a:r>
+              <a:rPr lang="en-US" dirty="0"/>
+              <a:t>x:</a:t>
+            </a:r>
+            <a:endParaRPr lang="ru-RU" dirty="0"/>
+          </a:p>
+          <a:p>
+            <a:pPr algn="ctr"/>
+            <a:r>
+              <a:rPr lang="ru-RU" dirty="0"/>
+              <a:t>отрезок времени эксперимента от </a:t>
+            </a:r>
+            <a:r>
+              <a:rPr lang="en-US" dirty="0"/>
+              <a:t>17:06</a:t>
+            </a:r>
+            <a:r>
+              <a:rPr lang="ru-RU" dirty="0"/>
+              <a:t> до </a:t>
+            </a:r>
+            <a:r>
+              <a:rPr lang="en-US" dirty="0"/>
+              <a:t>17:20</a:t>
+            </a:r>
+            <a:endParaRPr lang="ru-RU" dirty="0"/>
+          </a:p>
+          <a:p>
+            <a:pPr algn="ctr"/>
+            <a:endParaRPr lang="en-US" dirty="0"/>
+          </a:p>
+          <a:p>
+            <a:pPr algn="ctr"/>
+            <a:r>
+              <a:rPr lang="ru-RU" dirty="0"/>
+              <a:t>Ось </a:t>
+            </a:r>
+            <a:r>
+              <a:rPr lang="en-US" dirty="0"/>
+              <a:t>y</a:t>
+            </a:r>
+            <a:r>
+              <a:rPr lang="ru-RU" dirty="0"/>
+              <a:t>:</a:t>
+            </a:r>
+          </a:p>
+          <a:p>
+            <a:pPr algn="ctr"/>
+            <a:r>
+              <a:rPr lang="ru-RU" dirty="0"/>
+              <a:t>загрузка процессора в процентах от 0 до 100</a:t>
+            </a:r>
+            <a:endParaRPr lang="en-US" dirty="0"/>
+          </a:p>
+        </p:txBody>
+      </p:sp>
+      <p:sp>
+        <p:nvSpPr>
+          <p:cNvPr id="9" name="Прямоугольник 8">
+            <a:extLst>
+              <a:ext uri="{FF2B5EF4-FFF2-40B4-BE49-F238E27FC236}">
+                <a16:creationId xmlns:a16="http://schemas.microsoft.com/office/drawing/2014/main" id="{75538859-EDA9-2352-FD6A-115B8D4C208F}"/>
+              </a:ext>
+            </a:extLst>
+          </p:cNvPr>
+          <p:cNvSpPr/>
+          <p:nvPr/>
+        </p:nvSpPr>
+        <p:spPr>
+          <a:xfrm>
+            <a:off x="10285454" y="4922135"/>
+            <a:ext cx="1569662" cy="1622100"/>
+          </a:xfrm>
+          <a:prstGeom prst="rect">
+            <a:avLst/>
+          </a:prstGeom>
+        </p:spPr>
+        <p:style>
+          <a:lnRef idx="2">
+            <a:schemeClr val="accent6"/>
+          </a:lnRef>
+          <a:fillRef idx="1">
+            <a:schemeClr val="lt1"/>
+          </a:fillRef>
+          <a:effectRef idx="0">
+            <a:schemeClr val="accent6"/>
+          </a:effectRef>
+          <a:fontRef idx="minor">
+            <a:schemeClr val="dk1"/>
+          </a:fontRef>
+        </p:style>
+        <p:txBody>
+          <a:bodyPr rtlCol="0" anchor="ctr"/>
+          <a:lstStyle/>
+          <a:p>
+            <a:pPr algn="ctr"/>
+            <a:r>
+              <a:rPr lang="ru-RU" sz="1200" dirty="0"/>
+              <a:t>Ось </a:t>
+            </a:r>
+            <a:r>
+              <a:rPr lang="en-US" sz="1200" dirty="0"/>
+              <a:t>x</a:t>
+            </a:r>
+            <a:endParaRPr lang="ru-RU" sz="1200" dirty="0"/>
+          </a:p>
+          <a:p>
+            <a:pPr algn="ctr"/>
+            <a:r>
+              <a:rPr lang="en-US" sz="1200" dirty="0"/>
+              <a:t> </a:t>
+            </a:r>
+            <a:r>
+              <a:rPr lang="ru-RU" sz="1200" dirty="0"/>
+              <a:t>отрезок времени эксперимента от </a:t>
+            </a:r>
+            <a:r>
+              <a:rPr lang="en-US" sz="1200" dirty="0"/>
+              <a:t>17:06</a:t>
+            </a:r>
+            <a:r>
+              <a:rPr lang="ru-RU" sz="1200" dirty="0"/>
+              <a:t> до </a:t>
+            </a:r>
+            <a:r>
+              <a:rPr lang="en-US" sz="1200" dirty="0"/>
+              <a:t>17:20</a:t>
+            </a:r>
+            <a:endParaRPr lang="ru-RU" sz="1200" dirty="0"/>
+          </a:p>
+          <a:p>
+            <a:pPr algn="ctr"/>
+            <a:endParaRPr lang="en-US" sz="1200" dirty="0"/>
+          </a:p>
+          <a:p>
+            <a:pPr algn="ctr"/>
+            <a:r>
+              <a:rPr lang="ru-RU" sz="1200" dirty="0"/>
+              <a:t>Ось </a:t>
+            </a:r>
+            <a:r>
+              <a:rPr lang="en-US" sz="1200" dirty="0"/>
+              <a:t>y</a:t>
+            </a:r>
+            <a:r>
+              <a:rPr lang="ru-RU" sz="1200" dirty="0"/>
+              <a:t>:</a:t>
+            </a:r>
+          </a:p>
+          <a:p>
+            <a:pPr algn="ctr"/>
+            <a:r>
+              <a:rPr lang="ru-RU" sz="1200" dirty="0"/>
+              <a:t>загрузка ОП в процентах от 0 до 100</a:t>
+            </a:r>
+            <a:endParaRPr lang="en-US" sz="1200" dirty="0"/>
+          </a:p>
+        </p:txBody>
+      </p:sp>
     </p:spTree>
     <p:extLst>
       <p:ext uri="{BB962C8B-B14F-4D97-AF65-F5344CB8AC3E}">
@@ -20588,7 +22322,7 @@
 </p:sld>
 </file>
 
-<file path=ppt/slides/slide13.xml><?xml version="1.0" encoding="utf-8"?>
+<file path=ppt/slides/slide14.xml><?xml version="1.0" encoding="utf-8"?>
 <p:sld xmlns:a="http://schemas.openxmlformats.org/drawingml/2006/main" xmlns:r="http://schemas.openxmlformats.org/officeDocument/2006/relationships" xmlns:p="http://schemas.openxmlformats.org/presentationml/2006/main">
   <p:cSld>
     <p:spTree>
@@ -20787,6 +22521,314 @@
           </a:ln>
         </p:spPr>
       </p:pic>
+      <p:sp>
+        <p:nvSpPr>
+          <p:cNvPr id="3" name="Прямоугольник 2">
+            <a:extLst>
+              <a:ext uri="{FF2B5EF4-FFF2-40B4-BE49-F238E27FC236}">
+                <a16:creationId xmlns:a16="http://schemas.microsoft.com/office/drawing/2014/main" id="{847478A2-82AD-2165-5949-A5FAB5272BF2}"/>
+              </a:ext>
+            </a:extLst>
+          </p:cNvPr>
+          <p:cNvSpPr/>
+          <p:nvPr/>
+        </p:nvSpPr>
+        <p:spPr>
+          <a:xfrm>
+            <a:off x="428324" y="2555508"/>
+            <a:ext cx="1746985" cy="3426593"/>
+          </a:xfrm>
+          <a:prstGeom prst="rect">
+            <a:avLst/>
+          </a:prstGeom>
+        </p:spPr>
+        <p:style>
+          <a:lnRef idx="2">
+            <a:schemeClr val="accent6"/>
+          </a:lnRef>
+          <a:fillRef idx="1">
+            <a:schemeClr val="lt1"/>
+          </a:fillRef>
+          <a:effectRef idx="0">
+            <a:schemeClr val="accent6"/>
+          </a:effectRef>
+          <a:fontRef idx="minor">
+            <a:schemeClr val="dk1"/>
+          </a:fontRef>
+        </p:style>
+        <p:txBody>
+          <a:bodyPr rtlCol="0" anchor="ctr"/>
+          <a:lstStyle/>
+          <a:p>
+            <a:pPr algn="ctr"/>
+            <a:r>
+              <a:rPr lang="ru-RU" sz="1400" dirty="0"/>
+              <a:t>Ось </a:t>
+            </a:r>
+            <a:r>
+              <a:rPr lang="en-US" sz="1400" dirty="0"/>
+              <a:t>x:</a:t>
+            </a:r>
+            <a:endParaRPr lang="ru-RU" sz="1400" dirty="0"/>
+          </a:p>
+          <a:p>
+            <a:pPr algn="ctr"/>
+            <a:r>
+              <a:rPr lang="ru-RU" sz="1400" dirty="0"/>
+              <a:t>отрезок времени эксперимента от </a:t>
+            </a:r>
+            <a:r>
+              <a:rPr lang="en-US" sz="1400" dirty="0"/>
+              <a:t>17:40</a:t>
+            </a:r>
+            <a:r>
+              <a:rPr lang="ru-RU" sz="1400" dirty="0"/>
+              <a:t> до 18:</a:t>
+            </a:r>
+            <a:r>
+              <a:rPr lang="en-US" sz="1400" dirty="0"/>
+              <a:t>0</a:t>
+            </a:r>
+            <a:r>
+              <a:rPr lang="ru-RU" sz="1400" dirty="0"/>
+              <a:t>0</a:t>
+            </a:r>
+          </a:p>
+          <a:p>
+            <a:pPr algn="ctr"/>
+            <a:endParaRPr lang="ru-RU" sz="1400" dirty="0"/>
+          </a:p>
+          <a:p>
+            <a:pPr algn="ctr"/>
+            <a:endParaRPr lang="en-US" sz="1400" dirty="0"/>
+          </a:p>
+          <a:p>
+            <a:pPr algn="ctr"/>
+            <a:r>
+              <a:rPr lang="ru-RU" sz="1400" dirty="0"/>
+              <a:t>Ось </a:t>
+            </a:r>
+            <a:r>
+              <a:rPr lang="en-US" sz="1400" dirty="0"/>
+              <a:t>y:</a:t>
+            </a:r>
+            <a:endParaRPr lang="ru-RU" sz="1400" dirty="0"/>
+          </a:p>
+          <a:p>
+            <a:pPr algn="ctr"/>
+            <a:r>
+              <a:rPr lang="ru-RU" sz="1400" dirty="0"/>
+              <a:t>изменение параметра от 0 до +</a:t>
+            </a:r>
+            <a:r>
+              <a:rPr lang="en-US" sz="1400" dirty="0"/>
+              <a:t>inf</a:t>
+            </a:r>
+          </a:p>
+        </p:txBody>
+      </p:sp>
+      <p:sp>
+        <p:nvSpPr>
+          <p:cNvPr id="4" name="Прямоугольник 3">
+            <a:extLst>
+              <a:ext uri="{FF2B5EF4-FFF2-40B4-BE49-F238E27FC236}">
+                <a16:creationId xmlns:a16="http://schemas.microsoft.com/office/drawing/2014/main" id="{39ABEE27-E92B-8AE1-F9D5-A5839129B92E}"/>
+              </a:ext>
+            </a:extLst>
+          </p:cNvPr>
+          <p:cNvSpPr/>
+          <p:nvPr/>
+        </p:nvSpPr>
+        <p:spPr>
+          <a:xfrm>
+            <a:off x="8550047" y="735426"/>
+            <a:ext cx="3053208" cy="2522725"/>
+          </a:xfrm>
+          <a:prstGeom prst="rect">
+            <a:avLst/>
+          </a:prstGeom>
+        </p:spPr>
+        <p:style>
+          <a:lnRef idx="2">
+            <a:schemeClr val="accent6"/>
+          </a:lnRef>
+          <a:fillRef idx="1">
+            <a:schemeClr val="lt1"/>
+          </a:fillRef>
+          <a:effectRef idx="0">
+            <a:schemeClr val="accent6"/>
+          </a:effectRef>
+          <a:fontRef idx="minor">
+            <a:schemeClr val="dk1"/>
+          </a:fontRef>
+        </p:style>
+        <p:txBody>
+          <a:bodyPr rtlCol="0" anchor="ctr"/>
+          <a:lstStyle/>
+          <a:p>
+            <a:pPr algn="ctr"/>
+            <a:r>
+              <a:rPr lang="ru-RU" dirty="0"/>
+              <a:t>Ось </a:t>
+            </a:r>
+            <a:r>
+              <a:rPr lang="en-US" dirty="0"/>
+              <a:t>x:</a:t>
+            </a:r>
+            <a:endParaRPr lang="ru-RU" dirty="0"/>
+          </a:p>
+          <a:p>
+            <a:pPr algn="ctr"/>
+            <a:r>
+              <a:rPr lang="ru-RU" dirty="0"/>
+              <a:t>отрезок времени эксперимента от </a:t>
+            </a:r>
+            <a:r>
+              <a:rPr lang="en-US" dirty="0"/>
+              <a:t>17:40</a:t>
+            </a:r>
+            <a:r>
+              <a:rPr lang="ru-RU" dirty="0"/>
+              <a:t> до </a:t>
+            </a:r>
+            <a:r>
+              <a:rPr lang="en-US" dirty="0"/>
+              <a:t>17:58</a:t>
+            </a:r>
+            <a:endParaRPr lang="ru-RU" dirty="0"/>
+          </a:p>
+          <a:p>
+            <a:pPr algn="ctr"/>
+            <a:endParaRPr lang="en-US" dirty="0"/>
+          </a:p>
+          <a:p>
+            <a:pPr algn="ctr"/>
+            <a:r>
+              <a:rPr lang="ru-RU" dirty="0"/>
+              <a:t>Ось </a:t>
+            </a:r>
+            <a:r>
+              <a:rPr lang="en-US" dirty="0"/>
+              <a:t>y</a:t>
+            </a:r>
+            <a:r>
+              <a:rPr lang="ru-RU" dirty="0"/>
+              <a:t>:</a:t>
+            </a:r>
+          </a:p>
+          <a:p>
+            <a:pPr algn="ctr"/>
+            <a:r>
+              <a:rPr lang="ru-RU" dirty="0"/>
+              <a:t>загрузка процессора в процентах от 0 до 100</a:t>
+            </a:r>
+            <a:endParaRPr lang="en-US" dirty="0"/>
+          </a:p>
+        </p:txBody>
+      </p:sp>
+      <p:sp>
+        <p:nvSpPr>
+          <p:cNvPr id="10" name="Прямоугольник 9">
+            <a:extLst>
+              <a:ext uri="{FF2B5EF4-FFF2-40B4-BE49-F238E27FC236}">
+                <a16:creationId xmlns:a16="http://schemas.microsoft.com/office/drawing/2014/main" id="{53643617-022D-A143-2BCC-BD7581C0A687}"/>
+              </a:ext>
+            </a:extLst>
+          </p:cNvPr>
+          <p:cNvSpPr/>
+          <p:nvPr/>
+        </p:nvSpPr>
+        <p:spPr>
+          <a:xfrm>
+            <a:off x="10194014" y="4662253"/>
+            <a:ext cx="1569662" cy="1622100"/>
+          </a:xfrm>
+          <a:prstGeom prst="rect">
+            <a:avLst/>
+          </a:prstGeom>
+        </p:spPr>
+        <p:style>
+          <a:lnRef idx="2">
+            <a:schemeClr val="accent6"/>
+          </a:lnRef>
+          <a:fillRef idx="1">
+            <a:schemeClr val="lt1"/>
+          </a:fillRef>
+          <a:effectRef idx="0">
+            <a:schemeClr val="accent6"/>
+          </a:effectRef>
+          <a:fontRef idx="minor">
+            <a:schemeClr val="dk1"/>
+          </a:fontRef>
+        </p:style>
+        <p:txBody>
+          <a:bodyPr rtlCol="0" anchor="ctr"/>
+          <a:lstStyle/>
+          <a:p>
+            <a:pPr algn="ctr"/>
+            <a:r>
+              <a:rPr lang="ru-RU" sz="1200" dirty="0"/>
+              <a:t>Ось </a:t>
+            </a:r>
+            <a:r>
+              <a:rPr lang="en-US" sz="1200" dirty="0"/>
+              <a:t>x</a:t>
+            </a:r>
+            <a:endParaRPr lang="ru-RU" sz="1200" dirty="0"/>
+          </a:p>
+          <a:p>
+            <a:pPr algn="ctr"/>
+            <a:r>
+              <a:rPr lang="en-US" sz="1200" dirty="0"/>
+              <a:t> </a:t>
+            </a:r>
+            <a:r>
+              <a:rPr lang="ru-RU" sz="1200" dirty="0"/>
+              <a:t>отрезок времени эксперимента от </a:t>
+            </a:r>
+            <a:r>
+              <a:rPr lang="en-US" sz="1200" dirty="0"/>
+              <a:t>17:40</a:t>
+            </a:r>
+            <a:r>
+              <a:rPr lang="ru-RU" sz="1200" dirty="0"/>
+              <a:t> до </a:t>
+            </a:r>
+            <a:r>
+              <a:rPr lang="en-US" sz="1200" dirty="0"/>
+              <a:t>17:58</a:t>
+            </a:r>
+            <a:endParaRPr lang="ru-RU" sz="1200" dirty="0"/>
+          </a:p>
+          <a:p>
+            <a:pPr algn="ctr"/>
+            <a:endParaRPr lang="en-US" sz="1200" dirty="0"/>
+          </a:p>
+          <a:p>
+            <a:pPr algn="ctr"/>
+            <a:r>
+              <a:rPr lang="ru-RU" sz="1200" dirty="0"/>
+              <a:t>Ось </a:t>
+            </a:r>
+            <a:r>
+              <a:rPr lang="en-US" sz="1200" dirty="0"/>
+              <a:t>y</a:t>
+            </a:r>
+            <a:r>
+              <a:rPr lang="ru-RU" sz="1200" dirty="0"/>
+              <a:t>:</a:t>
+            </a:r>
+          </a:p>
+          <a:p>
+            <a:pPr algn="ctr"/>
+            <a:r>
+              <a:rPr lang="ru-RU" sz="1200" dirty="0"/>
+              <a:t>загрузка ОП в процентах от 0 до 100</a:t>
+            </a:r>
+            <a:endParaRPr lang="en-US" sz="1200" dirty="0"/>
+          </a:p>
+        </p:txBody>
+      </p:sp>
     </p:spTree>
     <p:extLst>
       <p:ext uri="{BB962C8B-B14F-4D97-AF65-F5344CB8AC3E}">
@@ -20800,7 +22842,7 @@
 </p:sld>
 </file>
 
-<file path=ppt/slides/slide14.xml><?xml version="1.0" encoding="utf-8"?>
+<file path=ppt/slides/slide15.xml><?xml version="1.0" encoding="utf-8"?>
 <p:sld xmlns:a="http://schemas.openxmlformats.org/drawingml/2006/main" xmlns:r="http://schemas.openxmlformats.org/officeDocument/2006/relationships" xmlns:p="http://schemas.openxmlformats.org/presentationml/2006/main">
   <p:cSld>
     <p:spTree>
@@ -20905,7 +22947,7 @@
         </p:blipFill>
         <p:spPr bwMode="auto">
           <a:xfrm rot="16200000">
-            <a:off x="7887016" y="2720521"/>
+            <a:off x="7887018" y="2720521"/>
             <a:ext cx="3265688" cy="5009269"/>
           </a:xfrm>
           <a:prstGeom prst="rect">
@@ -20997,6 +23039,272 @@
           </a:ln>
         </p:spPr>
       </p:pic>
+      <p:sp>
+        <p:nvSpPr>
+          <p:cNvPr id="5" name="Прямоугольник 4">
+            <a:extLst>
+              <a:ext uri="{FF2B5EF4-FFF2-40B4-BE49-F238E27FC236}">
+                <a16:creationId xmlns:a16="http://schemas.microsoft.com/office/drawing/2014/main" id="{72A23060-58B6-731A-7728-19A83542205D}"/>
+              </a:ext>
+            </a:extLst>
+          </p:cNvPr>
+          <p:cNvSpPr/>
+          <p:nvPr/>
+        </p:nvSpPr>
+        <p:spPr>
+          <a:xfrm>
+            <a:off x="336884" y="2565133"/>
+            <a:ext cx="1746985" cy="3426593"/>
+          </a:xfrm>
+          <a:prstGeom prst="rect">
+            <a:avLst/>
+          </a:prstGeom>
+        </p:spPr>
+        <p:style>
+          <a:lnRef idx="2">
+            <a:schemeClr val="accent6"/>
+          </a:lnRef>
+          <a:fillRef idx="1">
+            <a:schemeClr val="lt1"/>
+          </a:fillRef>
+          <a:effectRef idx="0">
+            <a:schemeClr val="accent6"/>
+          </a:effectRef>
+          <a:fontRef idx="minor">
+            <a:schemeClr val="dk1"/>
+          </a:fontRef>
+        </p:style>
+        <p:txBody>
+          <a:bodyPr rtlCol="0" anchor="ctr"/>
+          <a:lstStyle/>
+          <a:p>
+            <a:pPr algn="ctr"/>
+            <a:r>
+              <a:rPr lang="ru-RU" sz="1400" dirty="0"/>
+              <a:t>Ось </a:t>
+            </a:r>
+            <a:r>
+              <a:rPr lang="en-US" sz="1400" dirty="0"/>
+              <a:t>x:</a:t>
+            </a:r>
+            <a:endParaRPr lang="ru-RU" sz="1400" dirty="0"/>
+          </a:p>
+          <a:p>
+            <a:pPr algn="ctr"/>
+            <a:r>
+              <a:rPr lang="ru-RU" sz="1400" dirty="0"/>
+              <a:t>отрезок времени эксперимента от 18:35 до 18:50</a:t>
+            </a:r>
+          </a:p>
+          <a:p>
+            <a:pPr algn="ctr"/>
+            <a:endParaRPr lang="ru-RU" sz="1400" dirty="0"/>
+          </a:p>
+          <a:p>
+            <a:pPr algn="ctr"/>
+            <a:endParaRPr lang="en-US" sz="1400" dirty="0"/>
+          </a:p>
+          <a:p>
+            <a:pPr algn="ctr"/>
+            <a:r>
+              <a:rPr lang="ru-RU" sz="1400" dirty="0"/>
+              <a:t>Ось </a:t>
+            </a:r>
+            <a:r>
+              <a:rPr lang="en-US" sz="1400" dirty="0"/>
+              <a:t>y:</a:t>
+            </a:r>
+            <a:endParaRPr lang="ru-RU" sz="1400" dirty="0"/>
+          </a:p>
+          <a:p>
+            <a:pPr algn="ctr"/>
+            <a:r>
+              <a:rPr lang="ru-RU" sz="1400" dirty="0"/>
+              <a:t>изменение параметра от 0 до +</a:t>
+            </a:r>
+            <a:r>
+              <a:rPr lang="en-US" sz="1400" dirty="0"/>
+              <a:t>inf</a:t>
+            </a:r>
+          </a:p>
+        </p:txBody>
+      </p:sp>
+      <p:sp>
+        <p:nvSpPr>
+          <p:cNvPr id="6" name="Прямоугольник 5">
+            <a:extLst>
+              <a:ext uri="{FF2B5EF4-FFF2-40B4-BE49-F238E27FC236}">
+                <a16:creationId xmlns:a16="http://schemas.microsoft.com/office/drawing/2014/main" id="{E668C9CE-FC5A-B897-C2E7-8DF6D52B0400}"/>
+              </a:ext>
+            </a:extLst>
+          </p:cNvPr>
+          <p:cNvSpPr/>
+          <p:nvPr/>
+        </p:nvSpPr>
+        <p:spPr>
+          <a:xfrm>
+            <a:off x="10285454" y="4922135"/>
+            <a:ext cx="1569662" cy="1622100"/>
+          </a:xfrm>
+          <a:prstGeom prst="rect">
+            <a:avLst/>
+          </a:prstGeom>
+        </p:spPr>
+        <p:style>
+          <a:lnRef idx="2">
+            <a:schemeClr val="accent6"/>
+          </a:lnRef>
+          <a:fillRef idx="1">
+            <a:schemeClr val="lt1"/>
+          </a:fillRef>
+          <a:effectRef idx="0">
+            <a:schemeClr val="accent6"/>
+          </a:effectRef>
+          <a:fontRef idx="minor">
+            <a:schemeClr val="dk1"/>
+          </a:fontRef>
+        </p:style>
+        <p:txBody>
+          <a:bodyPr rtlCol="0" anchor="ctr"/>
+          <a:lstStyle/>
+          <a:p>
+            <a:pPr algn="ctr"/>
+            <a:r>
+              <a:rPr lang="ru-RU" sz="1200" dirty="0"/>
+              <a:t>Ось </a:t>
+            </a:r>
+            <a:r>
+              <a:rPr lang="en-US" sz="1200" dirty="0"/>
+              <a:t>x</a:t>
+            </a:r>
+            <a:endParaRPr lang="ru-RU" sz="1200" dirty="0"/>
+          </a:p>
+          <a:p>
+            <a:pPr algn="ctr"/>
+            <a:r>
+              <a:rPr lang="en-US" sz="1200" dirty="0"/>
+              <a:t> </a:t>
+            </a:r>
+            <a:r>
+              <a:rPr lang="ru-RU" sz="1200" dirty="0"/>
+              <a:t>отрезок времени эксперимента от 18:35 до 18:50</a:t>
+            </a:r>
+          </a:p>
+          <a:p>
+            <a:pPr algn="ctr"/>
+            <a:endParaRPr lang="en-US" sz="1200" dirty="0"/>
+          </a:p>
+          <a:p>
+            <a:pPr algn="ctr"/>
+            <a:r>
+              <a:rPr lang="ru-RU" sz="1200" dirty="0"/>
+              <a:t>Ось </a:t>
+            </a:r>
+            <a:r>
+              <a:rPr lang="en-US" sz="1200" dirty="0"/>
+              <a:t>y</a:t>
+            </a:r>
+            <a:r>
+              <a:rPr lang="ru-RU" sz="1200" dirty="0"/>
+              <a:t>:</a:t>
+            </a:r>
+          </a:p>
+          <a:p>
+            <a:pPr algn="ctr"/>
+            <a:r>
+              <a:rPr lang="ru-RU" sz="1200" dirty="0"/>
+              <a:t>загрузка ОП в процентах от 0 до 100</a:t>
+            </a:r>
+            <a:endParaRPr lang="en-US" sz="1200" dirty="0"/>
+          </a:p>
+        </p:txBody>
+      </p:sp>
+      <p:sp>
+        <p:nvSpPr>
+          <p:cNvPr id="8" name="Прямоугольник 7">
+            <a:extLst>
+              <a:ext uri="{FF2B5EF4-FFF2-40B4-BE49-F238E27FC236}">
+                <a16:creationId xmlns:a16="http://schemas.microsoft.com/office/drawing/2014/main" id="{404D711A-28AF-3EF8-14AB-005962102FD3}"/>
+              </a:ext>
+            </a:extLst>
+          </p:cNvPr>
+          <p:cNvSpPr/>
+          <p:nvPr/>
+        </p:nvSpPr>
+        <p:spPr>
+          <a:xfrm>
+            <a:off x="9108312" y="982884"/>
+            <a:ext cx="2618771" cy="2295662"/>
+          </a:xfrm>
+          <a:prstGeom prst="rect">
+            <a:avLst/>
+          </a:prstGeom>
+        </p:spPr>
+        <p:style>
+          <a:lnRef idx="2">
+            <a:schemeClr val="accent6"/>
+          </a:lnRef>
+          <a:fillRef idx="1">
+            <a:schemeClr val="lt1"/>
+          </a:fillRef>
+          <a:effectRef idx="0">
+            <a:schemeClr val="accent6"/>
+          </a:effectRef>
+          <a:fontRef idx="minor">
+            <a:schemeClr val="dk1"/>
+          </a:fontRef>
+        </p:style>
+        <p:txBody>
+          <a:bodyPr rtlCol="0" anchor="ctr"/>
+          <a:lstStyle/>
+          <a:p>
+            <a:pPr algn="ctr"/>
+            <a:r>
+              <a:rPr lang="ru-RU" dirty="0"/>
+              <a:t>Ось </a:t>
+            </a:r>
+            <a:r>
+              <a:rPr lang="en-US" dirty="0"/>
+              <a:t>x:</a:t>
+            </a:r>
+            <a:endParaRPr lang="ru-RU" dirty="0"/>
+          </a:p>
+          <a:p>
+            <a:pPr algn="ctr"/>
+            <a:r>
+              <a:rPr lang="ru-RU" dirty="0"/>
+              <a:t>отрезок времени эксперимента от 18:35 до 18:50</a:t>
+            </a:r>
+          </a:p>
+          <a:p>
+            <a:pPr algn="ctr"/>
+            <a:endParaRPr lang="en-US" dirty="0"/>
+          </a:p>
+          <a:p>
+            <a:pPr algn="ctr"/>
+            <a:r>
+              <a:rPr lang="ru-RU" dirty="0"/>
+              <a:t>Ось </a:t>
+            </a:r>
+            <a:r>
+              <a:rPr lang="en-US" dirty="0"/>
+              <a:t>y</a:t>
+            </a:r>
+            <a:r>
+              <a:rPr lang="ru-RU" dirty="0"/>
+              <a:t>:</a:t>
+            </a:r>
+          </a:p>
+          <a:p>
+            <a:pPr algn="ctr"/>
+            <a:r>
+              <a:rPr lang="ru-RU" dirty="0"/>
+              <a:t>загрузка процессора в процентах от 0 до 100</a:t>
+            </a:r>
+            <a:endParaRPr lang="en-US" dirty="0"/>
+          </a:p>
+        </p:txBody>
+      </p:sp>
     </p:spTree>
     <p:extLst>
       <p:ext uri="{BB962C8B-B14F-4D97-AF65-F5344CB8AC3E}">
@@ -21010,7 +23318,7 @@
 </p:sld>
 </file>
 
-<file path=ppt/slides/slide15.xml><?xml version="1.0" encoding="utf-8"?>
+<file path=ppt/slides/slide16.xml><?xml version="1.0" encoding="utf-8"?>
 <p:sld xmlns:a="http://schemas.openxmlformats.org/drawingml/2006/main" xmlns:r="http://schemas.openxmlformats.org/officeDocument/2006/relationships" xmlns:p="http://schemas.openxmlformats.org/presentationml/2006/main">
   <p:cSld>
     <p:spTree>
@@ -21198,6 +23506,311 @@
           </a:prstGeom>
         </p:spPr>
       </p:pic>
+      <p:sp>
+        <p:nvSpPr>
+          <p:cNvPr id="3" name="Прямоугольник 2">
+            <a:extLst>
+              <a:ext uri="{FF2B5EF4-FFF2-40B4-BE49-F238E27FC236}">
+                <a16:creationId xmlns:a16="http://schemas.microsoft.com/office/drawing/2014/main" id="{A8131337-CE63-9D05-EE6E-966B6DF5593D}"/>
+              </a:ext>
+            </a:extLst>
+          </p:cNvPr>
+          <p:cNvSpPr/>
+          <p:nvPr/>
+        </p:nvSpPr>
+        <p:spPr>
+          <a:xfrm>
+            <a:off x="332072" y="2685449"/>
+            <a:ext cx="1746985" cy="3426593"/>
+          </a:xfrm>
+          <a:prstGeom prst="rect">
+            <a:avLst/>
+          </a:prstGeom>
+        </p:spPr>
+        <p:style>
+          <a:lnRef idx="2">
+            <a:schemeClr val="accent6"/>
+          </a:lnRef>
+          <a:fillRef idx="1">
+            <a:schemeClr val="lt1"/>
+          </a:fillRef>
+          <a:effectRef idx="0">
+            <a:schemeClr val="accent6"/>
+          </a:effectRef>
+          <a:fontRef idx="minor">
+            <a:schemeClr val="dk1"/>
+          </a:fontRef>
+        </p:style>
+        <p:txBody>
+          <a:bodyPr rtlCol="0" anchor="ctr"/>
+          <a:lstStyle/>
+          <a:p>
+            <a:pPr algn="ctr"/>
+            <a:r>
+              <a:rPr lang="ru-RU" sz="1400" dirty="0"/>
+              <a:t>Ось </a:t>
+            </a:r>
+            <a:r>
+              <a:rPr lang="en-US" sz="1400" dirty="0"/>
+              <a:t>x:</a:t>
+            </a:r>
+            <a:endParaRPr lang="ru-RU" sz="1400" dirty="0"/>
+          </a:p>
+          <a:p>
+            <a:pPr algn="ctr"/>
+            <a:r>
+              <a:rPr lang="ru-RU" sz="1400" dirty="0"/>
+              <a:t>отрезок времени эксперимента от </a:t>
+            </a:r>
+            <a:r>
+              <a:rPr lang="en-US" sz="1400" dirty="0"/>
+              <a:t>20:00</a:t>
+            </a:r>
+            <a:r>
+              <a:rPr lang="ru-RU" sz="1400" dirty="0"/>
+              <a:t> до </a:t>
+            </a:r>
+            <a:r>
+              <a:rPr lang="en-US" sz="1400" dirty="0"/>
+              <a:t>20:15</a:t>
+            </a:r>
+            <a:endParaRPr lang="ru-RU" sz="1400" dirty="0"/>
+          </a:p>
+          <a:p>
+            <a:pPr algn="ctr"/>
+            <a:endParaRPr lang="ru-RU" sz="1400" dirty="0"/>
+          </a:p>
+          <a:p>
+            <a:pPr algn="ctr"/>
+            <a:endParaRPr lang="en-US" sz="1400" dirty="0"/>
+          </a:p>
+          <a:p>
+            <a:pPr algn="ctr"/>
+            <a:r>
+              <a:rPr lang="ru-RU" sz="1400" dirty="0"/>
+              <a:t>Ось </a:t>
+            </a:r>
+            <a:r>
+              <a:rPr lang="en-US" sz="1400" dirty="0"/>
+              <a:t>y:</a:t>
+            </a:r>
+            <a:endParaRPr lang="ru-RU" sz="1400" dirty="0"/>
+          </a:p>
+          <a:p>
+            <a:pPr algn="ctr"/>
+            <a:r>
+              <a:rPr lang="ru-RU" sz="1400" dirty="0"/>
+              <a:t>изменение параметра от 0 до +</a:t>
+            </a:r>
+            <a:r>
+              <a:rPr lang="en-US" sz="1400" dirty="0"/>
+              <a:t>inf</a:t>
+            </a:r>
+          </a:p>
+        </p:txBody>
+      </p:sp>
+      <p:sp>
+        <p:nvSpPr>
+          <p:cNvPr id="4" name="Прямоугольник 3">
+            <a:extLst>
+              <a:ext uri="{FF2B5EF4-FFF2-40B4-BE49-F238E27FC236}">
+                <a16:creationId xmlns:a16="http://schemas.microsoft.com/office/drawing/2014/main" id="{702424B6-120E-835D-9C14-E7BDCF45A5F1}"/>
+              </a:ext>
+            </a:extLst>
+          </p:cNvPr>
+          <p:cNvSpPr/>
+          <p:nvPr/>
+        </p:nvSpPr>
+        <p:spPr>
+          <a:xfrm>
+            <a:off x="9108312" y="491995"/>
+            <a:ext cx="2618771" cy="2295662"/>
+          </a:xfrm>
+          <a:prstGeom prst="rect">
+            <a:avLst/>
+          </a:prstGeom>
+        </p:spPr>
+        <p:style>
+          <a:lnRef idx="2">
+            <a:schemeClr val="accent6"/>
+          </a:lnRef>
+          <a:fillRef idx="1">
+            <a:schemeClr val="lt1"/>
+          </a:fillRef>
+          <a:effectRef idx="0">
+            <a:schemeClr val="accent6"/>
+          </a:effectRef>
+          <a:fontRef idx="minor">
+            <a:schemeClr val="dk1"/>
+          </a:fontRef>
+        </p:style>
+        <p:txBody>
+          <a:bodyPr rtlCol="0" anchor="ctr"/>
+          <a:lstStyle/>
+          <a:p>
+            <a:pPr algn="ctr"/>
+            <a:r>
+              <a:rPr lang="ru-RU" dirty="0"/>
+              <a:t>Ось </a:t>
+            </a:r>
+            <a:r>
+              <a:rPr lang="en-US" dirty="0"/>
+              <a:t>x:</a:t>
+            </a:r>
+            <a:endParaRPr lang="ru-RU" dirty="0"/>
+          </a:p>
+          <a:p>
+            <a:pPr algn="ctr"/>
+            <a:r>
+              <a:rPr lang="ru-RU" dirty="0"/>
+              <a:t>отрезок времени эксперимента от </a:t>
+            </a:r>
+            <a:r>
+              <a:rPr lang="en-US" dirty="0"/>
+              <a:t>20:00</a:t>
+            </a:r>
+            <a:r>
+              <a:rPr lang="ru-RU" dirty="0"/>
+              <a:t> до </a:t>
+            </a:r>
+            <a:r>
+              <a:rPr lang="en-US" dirty="0"/>
+              <a:t>20:15</a:t>
+            </a:r>
+            <a:endParaRPr lang="ru-RU" dirty="0"/>
+          </a:p>
+          <a:p>
+            <a:pPr algn="ctr"/>
+            <a:endParaRPr lang="en-US" dirty="0"/>
+          </a:p>
+          <a:p>
+            <a:pPr algn="ctr"/>
+            <a:r>
+              <a:rPr lang="ru-RU" dirty="0"/>
+              <a:t>Ось </a:t>
+            </a:r>
+            <a:r>
+              <a:rPr lang="en-US" dirty="0"/>
+              <a:t>y</a:t>
+            </a:r>
+            <a:r>
+              <a:rPr lang="ru-RU" dirty="0"/>
+              <a:t>:</a:t>
+            </a:r>
+          </a:p>
+          <a:p>
+            <a:pPr algn="ctr"/>
+            <a:r>
+              <a:rPr lang="ru-RU" dirty="0"/>
+              <a:t>загрузка процессора в процентах от 0 до 100</a:t>
+            </a:r>
+            <a:endParaRPr lang="en-US" dirty="0"/>
+          </a:p>
+        </p:txBody>
+      </p:sp>
+      <p:sp>
+        <p:nvSpPr>
+          <p:cNvPr id="10" name="Прямоугольник 9">
+            <a:extLst>
+              <a:ext uri="{FF2B5EF4-FFF2-40B4-BE49-F238E27FC236}">
+                <a16:creationId xmlns:a16="http://schemas.microsoft.com/office/drawing/2014/main" id="{FF991AC5-389C-A2FC-225D-4C1B31B0B1C8}"/>
+              </a:ext>
+            </a:extLst>
+          </p:cNvPr>
+          <p:cNvSpPr/>
+          <p:nvPr/>
+        </p:nvSpPr>
+        <p:spPr>
+          <a:xfrm>
+            <a:off x="10049635" y="4917323"/>
+            <a:ext cx="1569662" cy="1622100"/>
+          </a:xfrm>
+          <a:prstGeom prst="rect">
+            <a:avLst/>
+          </a:prstGeom>
+        </p:spPr>
+        <p:style>
+          <a:lnRef idx="2">
+            <a:schemeClr val="accent6"/>
+          </a:lnRef>
+          <a:fillRef idx="1">
+            <a:schemeClr val="lt1"/>
+          </a:fillRef>
+          <a:effectRef idx="0">
+            <a:schemeClr val="accent6"/>
+          </a:effectRef>
+          <a:fontRef idx="minor">
+            <a:schemeClr val="dk1"/>
+          </a:fontRef>
+        </p:style>
+        <p:txBody>
+          <a:bodyPr rtlCol="0" anchor="ctr"/>
+          <a:lstStyle/>
+          <a:p>
+            <a:pPr algn="ctr"/>
+            <a:r>
+              <a:rPr lang="ru-RU" sz="1200" dirty="0"/>
+              <a:t>Ось </a:t>
+            </a:r>
+            <a:r>
+              <a:rPr lang="en-US" sz="1200" dirty="0"/>
+              <a:t>x</a:t>
+            </a:r>
+            <a:endParaRPr lang="ru-RU" sz="1200" dirty="0"/>
+          </a:p>
+          <a:p>
+            <a:pPr algn="ctr"/>
+            <a:r>
+              <a:rPr lang="en-US" sz="1200" dirty="0"/>
+              <a:t> </a:t>
+            </a:r>
+            <a:r>
+              <a:rPr lang="ru-RU" sz="1200" dirty="0"/>
+              <a:t>отрезок времени эксперимента от </a:t>
+            </a:r>
+            <a:r>
+              <a:rPr lang="en-US" sz="1200" dirty="0"/>
+              <a:t>20:00</a:t>
+            </a:r>
+            <a:r>
+              <a:rPr lang="ru-RU" sz="1200" dirty="0"/>
+              <a:t> до </a:t>
+            </a:r>
+            <a:r>
+              <a:rPr lang="en-US" sz="1200" dirty="0"/>
+              <a:t>20:15</a:t>
+            </a:r>
+            <a:endParaRPr lang="ru-RU" sz="1200" dirty="0"/>
+          </a:p>
+          <a:p>
+            <a:pPr algn="ctr"/>
+            <a:endParaRPr lang="en-US" sz="1200" dirty="0"/>
+          </a:p>
+          <a:p>
+            <a:pPr algn="ctr"/>
+            <a:r>
+              <a:rPr lang="ru-RU" sz="1200" dirty="0"/>
+              <a:t>Ось </a:t>
+            </a:r>
+            <a:r>
+              <a:rPr lang="en-US" sz="1200" dirty="0"/>
+              <a:t>y</a:t>
+            </a:r>
+            <a:r>
+              <a:rPr lang="ru-RU" sz="1200" dirty="0"/>
+              <a:t>:</a:t>
+            </a:r>
+          </a:p>
+          <a:p>
+            <a:pPr algn="ctr"/>
+            <a:r>
+              <a:rPr lang="ru-RU" sz="1200" dirty="0"/>
+              <a:t>загрузка ОП в процентах от 0 до 100</a:t>
+            </a:r>
+            <a:endParaRPr lang="en-US" sz="1200" dirty="0"/>
+          </a:p>
+        </p:txBody>
+      </p:sp>
     </p:spTree>
     <p:extLst>
       <p:ext uri="{BB962C8B-B14F-4D97-AF65-F5344CB8AC3E}">
@@ -21211,7 +23824,7 @@
 </p:sld>
 </file>
 
-<file path=ppt/slides/slide16.xml><?xml version="1.0" encoding="utf-8"?>
+<file path=ppt/slides/slide17.xml><?xml version="1.0" encoding="utf-8"?>
 <p:sld xmlns:a="http://schemas.openxmlformats.org/drawingml/2006/main" xmlns:r="http://schemas.openxmlformats.org/officeDocument/2006/relationships" xmlns:p="http://schemas.openxmlformats.org/presentationml/2006/main">
   <p:cSld>
     <p:spTree>
@@ -21428,6 +24041,310 @@
           </a:prstGeom>
         </p:spPr>
       </p:pic>
+      <p:sp>
+        <p:nvSpPr>
+          <p:cNvPr id="2" name="Прямоугольник 1">
+            <a:extLst>
+              <a:ext uri="{FF2B5EF4-FFF2-40B4-BE49-F238E27FC236}">
+                <a16:creationId xmlns:a16="http://schemas.microsoft.com/office/drawing/2014/main" id="{A6F37CE7-25C6-E312-77C8-AD42CD97575E}"/>
+              </a:ext>
+            </a:extLst>
+          </p:cNvPr>
+          <p:cNvSpPr/>
+          <p:nvPr/>
+        </p:nvSpPr>
+        <p:spPr>
+          <a:xfrm>
+            <a:off x="413886" y="2661386"/>
+            <a:ext cx="1746985" cy="3426593"/>
+          </a:xfrm>
+          <a:prstGeom prst="rect">
+            <a:avLst/>
+          </a:prstGeom>
+        </p:spPr>
+        <p:style>
+          <a:lnRef idx="2">
+            <a:schemeClr val="accent6"/>
+          </a:lnRef>
+          <a:fillRef idx="1">
+            <a:schemeClr val="lt1"/>
+          </a:fillRef>
+          <a:effectRef idx="0">
+            <a:schemeClr val="accent6"/>
+          </a:effectRef>
+          <a:fontRef idx="minor">
+            <a:schemeClr val="dk1"/>
+          </a:fontRef>
+        </p:style>
+        <p:txBody>
+          <a:bodyPr rtlCol="0" anchor="ctr"/>
+          <a:lstStyle/>
+          <a:p>
+            <a:pPr algn="ctr"/>
+            <a:r>
+              <a:rPr lang="ru-RU" sz="1400" dirty="0"/>
+              <a:t>Ось </a:t>
+            </a:r>
+            <a:r>
+              <a:rPr lang="en-US" sz="1400" dirty="0"/>
+              <a:t>x:</a:t>
+            </a:r>
+            <a:endParaRPr lang="ru-RU" sz="1400" dirty="0"/>
+          </a:p>
+          <a:p>
+            <a:pPr algn="ctr"/>
+            <a:r>
+              <a:rPr lang="ru-RU" sz="1400" dirty="0"/>
+              <a:t>отрезок времени эксперимента от </a:t>
+            </a:r>
+            <a:r>
+              <a:rPr lang="en-US" sz="1400" dirty="0"/>
+              <a:t>21:05</a:t>
+            </a:r>
+            <a:r>
+              <a:rPr lang="ru-RU" sz="1400" dirty="0"/>
+              <a:t> до </a:t>
+            </a:r>
+            <a:r>
+              <a:rPr lang="en-US" sz="1400" dirty="0"/>
+              <a:t>21:20</a:t>
+            </a:r>
+            <a:endParaRPr lang="ru-RU" sz="1400" dirty="0"/>
+          </a:p>
+          <a:p>
+            <a:pPr algn="ctr"/>
+            <a:endParaRPr lang="ru-RU" sz="1400" dirty="0"/>
+          </a:p>
+          <a:p>
+            <a:pPr algn="ctr"/>
+            <a:endParaRPr lang="en-US" sz="1400" dirty="0"/>
+          </a:p>
+          <a:p>
+            <a:pPr algn="ctr"/>
+            <a:r>
+              <a:rPr lang="ru-RU" sz="1400" dirty="0"/>
+              <a:t>Ось </a:t>
+            </a:r>
+            <a:r>
+              <a:rPr lang="en-US" sz="1400" dirty="0"/>
+              <a:t>y:</a:t>
+            </a:r>
+            <a:endParaRPr lang="ru-RU" sz="1400" dirty="0"/>
+          </a:p>
+          <a:p>
+            <a:pPr algn="ctr"/>
+            <a:r>
+              <a:rPr lang="ru-RU" sz="1400" dirty="0"/>
+              <a:t>изменение параметра от 0 до +</a:t>
+            </a:r>
+            <a:r>
+              <a:rPr lang="en-US" sz="1400" dirty="0"/>
+              <a:t>inf</a:t>
+            </a:r>
+          </a:p>
+        </p:txBody>
+      </p:sp>
+      <p:sp>
+        <p:nvSpPr>
+          <p:cNvPr id="3" name="Прямоугольник 2">
+            <a:extLst>
+              <a:ext uri="{FF2B5EF4-FFF2-40B4-BE49-F238E27FC236}">
+                <a16:creationId xmlns:a16="http://schemas.microsoft.com/office/drawing/2014/main" id="{63119960-8B28-FD19-53E9-20207B96C7DD}"/>
+              </a:ext>
+            </a:extLst>
+          </p:cNvPr>
+          <p:cNvSpPr/>
+          <p:nvPr/>
+        </p:nvSpPr>
+        <p:spPr>
+          <a:xfrm>
+            <a:off x="7707836" y="251364"/>
+            <a:ext cx="2618771" cy="2295662"/>
+          </a:xfrm>
+          <a:prstGeom prst="rect">
+            <a:avLst/>
+          </a:prstGeom>
+        </p:spPr>
+        <p:style>
+          <a:lnRef idx="2">
+            <a:schemeClr val="accent6"/>
+          </a:lnRef>
+          <a:fillRef idx="1">
+            <a:schemeClr val="lt1"/>
+          </a:fillRef>
+          <a:effectRef idx="0">
+            <a:schemeClr val="accent6"/>
+          </a:effectRef>
+          <a:fontRef idx="minor">
+            <a:schemeClr val="dk1"/>
+          </a:fontRef>
+        </p:style>
+        <p:txBody>
+          <a:bodyPr rtlCol="0" anchor="ctr"/>
+          <a:lstStyle/>
+          <a:p>
+            <a:pPr algn="ctr"/>
+            <a:r>
+              <a:rPr lang="ru-RU" dirty="0"/>
+              <a:t>Ось </a:t>
+            </a:r>
+            <a:r>
+              <a:rPr lang="en-US" dirty="0"/>
+              <a:t>x:</a:t>
+            </a:r>
+            <a:endParaRPr lang="ru-RU" dirty="0"/>
+          </a:p>
+          <a:p>
+            <a:pPr algn="ctr"/>
+            <a:r>
+              <a:rPr lang="ru-RU" dirty="0"/>
+              <a:t>отрезок времени эксперимента от </a:t>
+            </a:r>
+            <a:r>
+              <a:rPr lang="en-US" dirty="0"/>
+              <a:t>21:05</a:t>
+            </a:r>
+            <a:r>
+              <a:rPr lang="ru-RU" dirty="0"/>
+              <a:t> до </a:t>
+            </a:r>
+            <a:r>
+              <a:rPr lang="en-US" dirty="0"/>
+              <a:t>21:15</a:t>
+            </a:r>
+            <a:endParaRPr lang="ru-RU" dirty="0"/>
+          </a:p>
+          <a:p>
+            <a:pPr algn="ctr"/>
+            <a:endParaRPr lang="en-US" dirty="0"/>
+          </a:p>
+          <a:p>
+            <a:pPr algn="ctr"/>
+            <a:r>
+              <a:rPr lang="ru-RU" dirty="0"/>
+              <a:t>Ось </a:t>
+            </a:r>
+            <a:r>
+              <a:rPr lang="en-US" dirty="0"/>
+              <a:t>y</a:t>
+            </a:r>
+            <a:r>
+              <a:rPr lang="ru-RU" dirty="0"/>
+              <a:t>:</a:t>
+            </a:r>
+          </a:p>
+          <a:p>
+            <a:pPr algn="ctr"/>
+            <a:r>
+              <a:rPr lang="ru-RU" dirty="0"/>
+              <a:t>загрузка процессора в процентах от 0 до 100</a:t>
+            </a:r>
+            <a:endParaRPr lang="en-US" dirty="0"/>
+          </a:p>
+        </p:txBody>
+      </p:sp>
+      <p:sp>
+        <p:nvSpPr>
+          <p:cNvPr id="4" name="Прямоугольник 3">
+            <a:extLst>
+              <a:ext uri="{FF2B5EF4-FFF2-40B4-BE49-F238E27FC236}">
+                <a16:creationId xmlns:a16="http://schemas.microsoft.com/office/drawing/2014/main" id="{7BDB0C9C-14B0-4B8C-C480-5EA57CA57E7C}"/>
+              </a:ext>
+            </a:extLst>
+          </p:cNvPr>
+          <p:cNvSpPr/>
+          <p:nvPr/>
+        </p:nvSpPr>
+        <p:spPr>
+          <a:xfrm>
+            <a:off x="10285454" y="4922135"/>
+            <a:ext cx="1569662" cy="1622100"/>
+          </a:xfrm>
+          <a:prstGeom prst="rect">
+            <a:avLst/>
+          </a:prstGeom>
+        </p:spPr>
+        <p:style>
+          <a:lnRef idx="2">
+            <a:schemeClr val="accent6"/>
+          </a:lnRef>
+          <a:fillRef idx="1">
+            <a:schemeClr val="lt1"/>
+          </a:fillRef>
+          <a:effectRef idx="0">
+            <a:schemeClr val="accent6"/>
+          </a:effectRef>
+          <a:fontRef idx="minor">
+            <a:schemeClr val="dk1"/>
+          </a:fontRef>
+        </p:style>
+        <p:txBody>
+          <a:bodyPr rtlCol="0" anchor="ctr"/>
+          <a:lstStyle/>
+          <a:p>
+            <a:pPr algn="ctr"/>
+            <a:r>
+              <a:rPr lang="ru-RU" sz="1200" dirty="0"/>
+              <a:t>Ось </a:t>
+            </a:r>
+            <a:r>
+              <a:rPr lang="en-US" sz="1200" dirty="0"/>
+              <a:t>x</a:t>
+            </a:r>
+            <a:endParaRPr lang="ru-RU" sz="1200" dirty="0"/>
+          </a:p>
+          <a:p>
+            <a:pPr algn="ctr"/>
+            <a:r>
+              <a:rPr lang="en-US" sz="1200" dirty="0"/>
+              <a:t> </a:t>
+            </a:r>
+            <a:r>
+              <a:rPr lang="ru-RU" sz="1200" dirty="0"/>
+              <a:t>отрезок времени эксперимента от </a:t>
+            </a:r>
+            <a:r>
+              <a:rPr lang="en-US" sz="1200" dirty="0"/>
+              <a:t>21:05</a:t>
+            </a:r>
+            <a:r>
+              <a:rPr lang="ru-RU" sz="1200" dirty="0"/>
+              <a:t> до </a:t>
+            </a:r>
+            <a:r>
+              <a:rPr lang="en-US" sz="1200" dirty="0"/>
+              <a:t>21:15</a:t>
+            </a:r>
+          </a:p>
+          <a:p>
+            <a:pPr algn="ctr"/>
+            <a:endParaRPr lang="en-US" sz="1200" dirty="0"/>
+          </a:p>
+          <a:p>
+            <a:pPr algn="ctr"/>
+            <a:r>
+              <a:rPr lang="ru-RU" sz="1200" dirty="0"/>
+              <a:t>Ось </a:t>
+            </a:r>
+            <a:r>
+              <a:rPr lang="en-US" sz="1200" dirty="0"/>
+              <a:t>y</a:t>
+            </a:r>
+            <a:r>
+              <a:rPr lang="ru-RU" sz="1200" dirty="0"/>
+              <a:t>:</a:t>
+            </a:r>
+          </a:p>
+          <a:p>
+            <a:pPr algn="ctr"/>
+            <a:r>
+              <a:rPr lang="ru-RU" sz="1200" dirty="0"/>
+              <a:t>загрузка ОП в процентах от 0 до 100</a:t>
+            </a:r>
+            <a:endParaRPr lang="en-US" sz="1200" dirty="0"/>
+          </a:p>
+        </p:txBody>
+      </p:sp>
     </p:spTree>
     <p:extLst>
       <p:ext uri="{BB962C8B-B14F-4D97-AF65-F5344CB8AC3E}">
@@ -21441,7 +24358,7 @@
 </p:sld>
 </file>
 
-<file path=ppt/slides/slide17.xml><?xml version="1.0" encoding="utf-8"?>
+<file path=ppt/slides/slide18.xml><?xml version="1.0" encoding="utf-8"?>
 <p:sld xmlns:a="http://schemas.openxmlformats.org/drawingml/2006/main" xmlns:r="http://schemas.openxmlformats.org/officeDocument/2006/relationships" xmlns:p="http://schemas.openxmlformats.org/presentationml/2006/main">
   <p:cSld>
     <p:spTree>
@@ -21644,112 +24561,315 @@
           </a:prstGeom>
         </p:spPr>
       </p:pic>
+      <p:sp>
+        <p:nvSpPr>
+          <p:cNvPr id="3" name="Прямоугольник 2">
+            <a:extLst>
+              <a:ext uri="{FF2B5EF4-FFF2-40B4-BE49-F238E27FC236}">
+                <a16:creationId xmlns:a16="http://schemas.microsoft.com/office/drawing/2014/main" id="{8D4DCED1-56DD-AF0F-B15C-F9170CEAA87E}"/>
+              </a:ext>
+            </a:extLst>
+          </p:cNvPr>
+          <p:cNvSpPr/>
+          <p:nvPr/>
+        </p:nvSpPr>
+        <p:spPr>
+          <a:xfrm>
+            <a:off x="336884" y="2565133"/>
+            <a:ext cx="1746985" cy="3426593"/>
+          </a:xfrm>
+          <a:prstGeom prst="rect">
+            <a:avLst/>
+          </a:prstGeom>
+        </p:spPr>
+        <p:style>
+          <a:lnRef idx="2">
+            <a:schemeClr val="accent6"/>
+          </a:lnRef>
+          <a:fillRef idx="1">
+            <a:schemeClr val="lt1"/>
+          </a:fillRef>
+          <a:effectRef idx="0">
+            <a:schemeClr val="accent6"/>
+          </a:effectRef>
+          <a:fontRef idx="minor">
+            <a:schemeClr val="dk1"/>
+          </a:fontRef>
+        </p:style>
+        <p:txBody>
+          <a:bodyPr rtlCol="0" anchor="ctr"/>
+          <a:lstStyle/>
+          <a:p>
+            <a:pPr algn="ctr"/>
+            <a:r>
+              <a:rPr lang="ru-RU" sz="1400" dirty="0"/>
+              <a:t>Ось </a:t>
+            </a:r>
+            <a:r>
+              <a:rPr lang="en-US" sz="1400" dirty="0"/>
+              <a:t>x:</a:t>
+            </a:r>
+            <a:endParaRPr lang="ru-RU" sz="1400" dirty="0"/>
+          </a:p>
+          <a:p>
+            <a:pPr algn="ctr"/>
+            <a:r>
+              <a:rPr lang="ru-RU" sz="1400" dirty="0"/>
+              <a:t>отрезок времени эксперимента от </a:t>
+            </a:r>
+            <a:r>
+              <a:rPr lang="en-US" sz="1400" dirty="0"/>
+              <a:t>21:25</a:t>
+            </a:r>
+            <a:r>
+              <a:rPr lang="ru-RU" sz="1400" dirty="0"/>
+              <a:t> до </a:t>
+            </a:r>
+            <a:r>
+              <a:rPr lang="en-US" sz="1400" dirty="0"/>
+              <a:t>21:35</a:t>
+            </a:r>
+            <a:endParaRPr lang="ru-RU" sz="1400" dirty="0"/>
+          </a:p>
+          <a:p>
+            <a:pPr algn="ctr"/>
+            <a:endParaRPr lang="ru-RU" sz="1400" dirty="0"/>
+          </a:p>
+          <a:p>
+            <a:pPr algn="ctr"/>
+            <a:endParaRPr lang="en-US" sz="1400" dirty="0"/>
+          </a:p>
+          <a:p>
+            <a:pPr algn="ctr"/>
+            <a:r>
+              <a:rPr lang="ru-RU" sz="1400" dirty="0"/>
+              <a:t>Ось </a:t>
+            </a:r>
+            <a:r>
+              <a:rPr lang="en-US" sz="1400" dirty="0"/>
+              <a:t>y:</a:t>
+            </a:r>
+            <a:endParaRPr lang="ru-RU" sz="1400" dirty="0"/>
+          </a:p>
+          <a:p>
+            <a:pPr algn="ctr"/>
+            <a:r>
+              <a:rPr lang="ru-RU" sz="1400" dirty="0"/>
+              <a:t>изменение параметра от 0 до +</a:t>
+            </a:r>
+            <a:r>
+              <a:rPr lang="en-US" sz="1400" dirty="0"/>
+              <a:t>inf</a:t>
+            </a:r>
+          </a:p>
+        </p:txBody>
+      </p:sp>
+      <p:sp>
+        <p:nvSpPr>
+          <p:cNvPr id="4" name="Прямоугольник 3">
+            <a:extLst>
+              <a:ext uri="{FF2B5EF4-FFF2-40B4-BE49-F238E27FC236}">
+                <a16:creationId xmlns:a16="http://schemas.microsoft.com/office/drawing/2014/main" id="{ED1B86D8-BC66-3801-0F63-E10960517DD9}"/>
+              </a:ext>
+            </a:extLst>
+          </p:cNvPr>
+          <p:cNvSpPr/>
+          <p:nvPr/>
+        </p:nvSpPr>
+        <p:spPr>
+          <a:xfrm>
+            <a:off x="9777269" y="341696"/>
+            <a:ext cx="2095494" cy="1675939"/>
+          </a:xfrm>
+          <a:prstGeom prst="rect">
+            <a:avLst/>
+          </a:prstGeom>
+        </p:spPr>
+        <p:style>
+          <a:lnRef idx="2">
+            <a:schemeClr val="accent6"/>
+          </a:lnRef>
+          <a:fillRef idx="1">
+            <a:schemeClr val="lt1"/>
+          </a:fillRef>
+          <a:effectRef idx="0">
+            <a:schemeClr val="accent6"/>
+          </a:effectRef>
+          <a:fontRef idx="minor">
+            <a:schemeClr val="dk1"/>
+          </a:fontRef>
+        </p:style>
+        <p:txBody>
+          <a:bodyPr rtlCol="0" anchor="ctr"/>
+          <a:lstStyle/>
+          <a:p>
+            <a:pPr algn="ctr"/>
+            <a:r>
+              <a:rPr lang="ru-RU" sz="1400" dirty="0"/>
+              <a:t>Ось </a:t>
+            </a:r>
+            <a:r>
+              <a:rPr lang="en-US" sz="1400" dirty="0"/>
+              <a:t>x:</a:t>
+            </a:r>
+            <a:endParaRPr lang="ru-RU" sz="1400" dirty="0"/>
+          </a:p>
+          <a:p>
+            <a:pPr algn="ctr"/>
+            <a:r>
+              <a:rPr lang="ru-RU" sz="1400" dirty="0"/>
+              <a:t>отрезок времени эксперимента от </a:t>
+            </a:r>
+            <a:r>
+              <a:rPr lang="en-US" sz="1400" dirty="0"/>
+              <a:t>22:19</a:t>
+            </a:r>
+            <a:r>
+              <a:rPr lang="ru-RU" sz="1400" dirty="0"/>
+              <a:t> до </a:t>
+            </a:r>
+            <a:r>
+              <a:rPr lang="en-US" sz="1400" dirty="0"/>
+              <a:t>22:33</a:t>
+            </a:r>
+            <a:endParaRPr lang="ru-RU" sz="1400" dirty="0"/>
+          </a:p>
+          <a:p>
+            <a:pPr algn="ctr"/>
+            <a:endParaRPr lang="en-US" sz="1400" dirty="0"/>
+          </a:p>
+          <a:p>
+            <a:pPr algn="ctr"/>
+            <a:r>
+              <a:rPr lang="ru-RU" sz="1400" dirty="0"/>
+              <a:t>Ось </a:t>
+            </a:r>
+            <a:r>
+              <a:rPr lang="en-US" sz="1400" dirty="0"/>
+              <a:t>y</a:t>
+            </a:r>
+            <a:r>
+              <a:rPr lang="ru-RU" sz="1400" dirty="0"/>
+              <a:t>:</a:t>
+            </a:r>
+          </a:p>
+          <a:p>
+            <a:pPr algn="ctr"/>
+            <a:r>
+              <a:rPr lang="ru-RU" sz="1400" dirty="0"/>
+              <a:t>загрузка процессора в процентах от 0 до 100</a:t>
+            </a:r>
+            <a:endParaRPr lang="en-US" sz="1400" dirty="0"/>
+          </a:p>
+        </p:txBody>
+      </p:sp>
+      <p:sp>
+        <p:nvSpPr>
+          <p:cNvPr id="7" name="Прямоугольник 6">
+            <a:extLst>
+              <a:ext uri="{FF2B5EF4-FFF2-40B4-BE49-F238E27FC236}">
+                <a16:creationId xmlns:a16="http://schemas.microsoft.com/office/drawing/2014/main" id="{296C61B0-0DB9-E48C-E0DF-641D5C42D4E5}"/>
+              </a:ext>
+            </a:extLst>
+          </p:cNvPr>
+          <p:cNvSpPr/>
+          <p:nvPr/>
+        </p:nvSpPr>
+        <p:spPr>
+          <a:xfrm>
+            <a:off x="10347157" y="5255394"/>
+            <a:ext cx="1443790" cy="1329410"/>
+          </a:xfrm>
+          <a:prstGeom prst="rect">
+            <a:avLst/>
+          </a:prstGeom>
+        </p:spPr>
+        <p:style>
+          <a:lnRef idx="2">
+            <a:schemeClr val="accent6"/>
+          </a:lnRef>
+          <a:fillRef idx="1">
+            <a:schemeClr val="lt1"/>
+          </a:fillRef>
+          <a:effectRef idx="0">
+            <a:schemeClr val="accent6"/>
+          </a:effectRef>
+          <a:fontRef idx="minor">
+            <a:schemeClr val="dk1"/>
+          </a:fontRef>
+        </p:style>
+        <p:txBody>
+          <a:bodyPr rtlCol="0" anchor="ctr"/>
+          <a:lstStyle/>
+          <a:p>
+            <a:pPr algn="ctr"/>
+            <a:r>
+              <a:rPr lang="ru-RU" sz="1050" dirty="0"/>
+              <a:t>Ось </a:t>
+            </a:r>
+            <a:r>
+              <a:rPr lang="en-US" sz="1050" dirty="0"/>
+              <a:t>x</a:t>
+            </a:r>
+            <a:endParaRPr lang="ru-RU" sz="1050" dirty="0"/>
+          </a:p>
+          <a:p>
+            <a:pPr algn="ctr"/>
+            <a:r>
+              <a:rPr lang="en-US" sz="1050" dirty="0"/>
+              <a:t> </a:t>
+            </a:r>
+            <a:r>
+              <a:rPr lang="ru-RU" sz="1050" dirty="0"/>
+              <a:t>отрезок времени эксперимента от </a:t>
+            </a:r>
+            <a:r>
+              <a:rPr lang="en-US" sz="1050" dirty="0"/>
+              <a:t>22:19</a:t>
+            </a:r>
+            <a:r>
+              <a:rPr lang="ru-RU" sz="1050" dirty="0"/>
+              <a:t> до </a:t>
+            </a:r>
+            <a:r>
+              <a:rPr lang="en-US" sz="1050"/>
+              <a:t>22:33</a:t>
+            </a:r>
+            <a:endParaRPr lang="ru-RU" sz="1050" dirty="0"/>
+          </a:p>
+          <a:p>
+            <a:pPr algn="ctr"/>
+            <a:endParaRPr lang="en-US" sz="1050" dirty="0"/>
+          </a:p>
+          <a:p>
+            <a:pPr algn="ctr"/>
+            <a:r>
+              <a:rPr lang="ru-RU" sz="1050" dirty="0"/>
+              <a:t>Ось </a:t>
+            </a:r>
+            <a:r>
+              <a:rPr lang="en-US" sz="1050" dirty="0"/>
+              <a:t>y</a:t>
+            </a:r>
+            <a:r>
+              <a:rPr lang="ru-RU" sz="1050" dirty="0"/>
+              <a:t>:</a:t>
+            </a:r>
+          </a:p>
+          <a:p>
+            <a:pPr algn="ctr"/>
+            <a:r>
+              <a:rPr lang="ru-RU" sz="1050" dirty="0"/>
+              <a:t>загрузка ОП в процентах от 0 до 100</a:t>
+            </a:r>
+            <a:endParaRPr lang="en-US" sz="1050" dirty="0"/>
+          </a:p>
+        </p:txBody>
+      </p:sp>
     </p:spTree>
     <p:extLst>
       <p:ext uri="{BB962C8B-B14F-4D97-AF65-F5344CB8AC3E}">
         <p14:creationId xmlns:p14="http://schemas.microsoft.com/office/powerpoint/2010/main" val="3387775026"/>
-      </p:ext>
-    </p:extLst>
-  </p:cSld>
-  <p:clrMapOvr>
-    <a:masterClrMapping/>
-  </p:clrMapOvr>
-</p:sld>
-</file>
-
-<file path=ppt/slides/slide18.xml><?xml version="1.0" encoding="utf-8"?>
-<p:sld xmlns:a="http://schemas.openxmlformats.org/drawingml/2006/main" xmlns:r="http://schemas.openxmlformats.org/officeDocument/2006/relationships" xmlns:p="http://schemas.openxmlformats.org/presentationml/2006/main">
-  <p:cSld>
-    <p:spTree>
-      <p:nvGrpSpPr>
-        <p:cNvPr id="1" name=""/>
-        <p:cNvGrpSpPr/>
-        <p:nvPr/>
-      </p:nvGrpSpPr>
-      <p:grpSpPr>
-        <a:xfrm>
-          <a:off x="0" y="0"/>
-          <a:ext cx="0" cy="0"/>
-          <a:chOff x="0" y="0"/>
-          <a:chExt cx="0" cy="0"/>
-        </a:xfrm>
-      </p:grpSpPr>
-      <p:sp>
-        <p:nvSpPr>
-          <p:cNvPr id="2" name="Заголовок 1">
-            <a:extLst>
-              <a:ext uri="{FF2B5EF4-FFF2-40B4-BE49-F238E27FC236}">
-                <a16:creationId xmlns:a16="http://schemas.microsoft.com/office/drawing/2014/main" id="{A723BA39-90B7-7C6B-E3B9-5CDE00793A99}"/>
-              </a:ext>
-            </a:extLst>
-          </p:cNvPr>
-          <p:cNvSpPr>
-            <a:spLocks noGrp="1"/>
-          </p:cNvSpPr>
-          <p:nvPr>
-            <p:ph type="title"/>
-          </p:nvPr>
-        </p:nvSpPr>
-        <p:spPr>
-          <a:xfrm>
-            <a:off x="229002" y="81024"/>
-            <a:ext cx="10408131" cy="983848"/>
-          </a:xfrm>
-        </p:spPr>
-        <p:txBody>
-          <a:bodyPr>
-            <a:normAutofit/>
-          </a:bodyPr>
-          <a:lstStyle/>
-          <a:p>
-            <a:r>
-              <a:rPr lang="ru-RU" dirty="0">
-                <a:solidFill>
-                  <a:schemeClr val="accent1"/>
-                </a:solidFill>
-              </a:rPr>
-              <a:t>Подведение результатов</a:t>
-            </a:r>
-            <a:endParaRPr lang="en-US" dirty="0">
-              <a:solidFill>
-                <a:schemeClr val="accent1"/>
-              </a:solidFill>
-            </a:endParaRPr>
-          </a:p>
-        </p:txBody>
-      </p:sp>
-      <p:graphicFrame>
-        <p:nvGraphicFramePr>
-          <p:cNvPr id="3" name="Схема 2">
-            <a:extLst>
-              <a:ext uri="{FF2B5EF4-FFF2-40B4-BE49-F238E27FC236}">
-                <a16:creationId xmlns:a16="http://schemas.microsoft.com/office/drawing/2014/main" id="{8D359E73-57B9-08E4-3EBB-CBC6181090A4}"/>
-              </a:ext>
-            </a:extLst>
-          </p:cNvPr>
-          <p:cNvGraphicFramePr/>
-          <p:nvPr>
-            <p:extLst>
-              <p:ext uri="{D42A27DB-BD31-4B8C-83A1-F6EECF244321}">
-                <p14:modId xmlns:p14="http://schemas.microsoft.com/office/powerpoint/2010/main" val="285226420"/>
-              </p:ext>
-            </p:extLst>
-          </p:nvPr>
-        </p:nvGraphicFramePr>
-        <p:xfrm>
-          <a:off x="1765782" y="1358309"/>
-          <a:ext cx="8128000" cy="5418667"/>
-        </p:xfrm>
-        <a:graphic>
-          <a:graphicData uri="http://schemas.openxmlformats.org/drawingml/2006/diagram">
-            <dgm:relIds xmlns:dgm="http://schemas.openxmlformats.org/drawingml/2006/diagram" xmlns:r="http://schemas.openxmlformats.org/officeDocument/2006/relationships" r:dm="rId2" r:lo="rId3" r:qs="rId4" r:cs="rId5"/>
-          </a:graphicData>
-        </a:graphic>
-      </p:graphicFrame>
-    </p:spTree>
-    <p:extLst>
-      <p:ext uri="{BB962C8B-B14F-4D97-AF65-F5344CB8AC3E}">
-        <p14:creationId xmlns:p14="http://schemas.microsoft.com/office/powerpoint/2010/main" val="2096828009"/>
       </p:ext>
     </p:extLst>
   </p:cSld>
@@ -21810,7 +24930,7 @@
                   <a:schemeClr val="accent1"/>
                 </a:solidFill>
               </a:rPr>
-              <a:t>Заключение</a:t>
+              <a:t>Подведение результатов</a:t>
             </a:r>
             <a:endParaRPr lang="en-US" dirty="0">
               <a:solidFill>
@@ -21820,117 +24940,109 @@
           </a:p>
         </p:txBody>
       </p:sp>
-      <p:sp>
-        <p:nvSpPr>
-          <p:cNvPr id="5" name="Объект 2">
+      <p:graphicFrame>
+        <p:nvGraphicFramePr>
+          <p:cNvPr id="3" name="Схема 2">
             <a:extLst>
               <a:ext uri="{FF2B5EF4-FFF2-40B4-BE49-F238E27FC236}">
-                <a16:creationId xmlns:a16="http://schemas.microsoft.com/office/drawing/2014/main" id="{AD1AE093-97CB-BC10-37C3-2762A136C922}"/>
+                <a16:creationId xmlns:a16="http://schemas.microsoft.com/office/drawing/2014/main" id="{8D359E73-57B9-08E4-3EBB-CBC6181090A4}"/>
               </a:ext>
             </a:extLst>
           </p:cNvPr>
-          <p:cNvSpPr>
-            <a:spLocks noGrp="1"/>
-          </p:cNvSpPr>
+          <p:cNvGraphicFramePr/>
           <p:nvPr>
-            <p:ph idx="1"/>
+            <p:extLst>
+              <p:ext uri="{D42A27DB-BD31-4B8C-83A1-F6EECF244321}">
+                <p14:modId xmlns:p14="http://schemas.microsoft.com/office/powerpoint/2010/main" val="928128410"/>
+              </p:ext>
+            </p:extLst>
           </p:nvPr>
+        </p:nvGraphicFramePr>
+        <p:xfrm>
+          <a:off x="92369" y="1064872"/>
+          <a:ext cx="8053559" cy="5573059"/>
+        </p:xfrm>
+        <a:graphic>
+          <a:graphicData uri="http://schemas.openxmlformats.org/drawingml/2006/diagram">
+            <dgm:relIds xmlns:dgm="http://schemas.openxmlformats.org/drawingml/2006/diagram" xmlns:r="http://schemas.openxmlformats.org/officeDocument/2006/relationships" r:dm="rId2" r:lo="rId3" r:qs="rId4" r:cs="rId5"/>
+          </a:graphicData>
+        </a:graphic>
+      </p:graphicFrame>
+      <p:sp>
+        <p:nvSpPr>
+          <p:cNvPr id="5" name="TextBox 4">
+            <a:extLst>
+              <a:ext uri="{FF2B5EF4-FFF2-40B4-BE49-F238E27FC236}">
+                <a16:creationId xmlns:a16="http://schemas.microsoft.com/office/drawing/2014/main" id="{03ED67B9-1BE3-6E0F-20FB-1AF0131AC412}"/>
+              </a:ext>
+            </a:extLst>
+          </p:cNvPr>
+          <p:cNvSpPr txBox="1"/>
+          <p:nvPr/>
         </p:nvSpPr>
         <p:spPr>
           <a:xfrm>
-            <a:off x="229002" y="1007000"/>
-            <a:ext cx="11519302" cy="5553095"/>
+            <a:off x="8860054" y="1064872"/>
+            <a:ext cx="3011229" cy="4801314"/>
           </a:xfrm>
+          <a:prstGeom prst="rect">
+            <a:avLst/>
+          </a:prstGeom>
+          <a:noFill/>
         </p:spPr>
         <p:txBody>
-          <a:bodyPr>
-            <a:normAutofit/>
+          <a:bodyPr wrap="square" rtlCol="0">
+            <a:spAutoFit/>
           </a:bodyPr>
           <a:lstStyle/>
           <a:p>
+            <a:r>
+              <a:rPr lang="ru-RU" dirty="0"/>
+              <a:t>Предпочтительный вариант:</a:t>
+            </a:r>
+          </a:p>
+          <a:p>
+            <a:r>
+              <a:rPr lang="ru-RU" dirty="0"/>
+              <a:t>Многопоточно-асинхронный сервер</a:t>
+            </a:r>
+          </a:p>
+          <a:p>
             <a:pPr marL="342900" indent="-342900">
               <a:buFont typeface="+mj-lt"/>
-              <a:buAutoNum type="alphaUcPeriod"/>
+              <a:buAutoNum type="arabicPeriod"/>
             </a:pPr>
             <a:r>
-              <a:rPr lang="ru-RU" sz="2400" dirty="0"/>
-              <a:t>Была создана платформа для сравнения производительности и анализа преимуществ и недостатков многопоточной и многопоточно-асинхронной серверных архитектур относительно друг друга.</a:t>
+              <a:rPr lang="ru-RU" dirty="0"/>
+              <a:t>Оптимизированное выполнение подзадач с использованием асинхронности</a:t>
             </a:r>
           </a:p>
           <a:p>
             <a:pPr marL="342900" indent="-342900">
               <a:buFont typeface="+mj-lt"/>
-              <a:buAutoNum type="alphaUcPeriod"/>
+              <a:buAutoNum type="arabicPeriod"/>
             </a:pPr>
             <a:r>
-              <a:rPr lang="ru-RU" sz="2400" dirty="0"/>
-              <a:t>После практического освоения технологий </a:t>
-            </a:r>
-            <a:r>
-              <a:rPr lang="en-US" sz="2400" dirty="0"/>
-              <a:t>BOOST, </a:t>
-            </a:r>
-            <a:r>
-              <a:rPr lang="ru-RU" sz="2400" dirty="0"/>
-              <a:t>были созданы реализации многопоточной и многопоточно-асинхронной реализаций серверов, клиентского приложения и имитатора клиентской нагрузки.</a:t>
+              <a:rPr lang="ru-RU" dirty="0"/>
+              <a:t>Использование фиксированного пула потоков</a:t>
             </a:r>
           </a:p>
           <a:p>
             <a:pPr marL="342900" indent="-342900">
               <a:buFont typeface="+mj-lt"/>
-              <a:buAutoNum type="alphaUcPeriod"/>
+              <a:buAutoNum type="arabicPeriod"/>
             </a:pPr>
             <a:r>
-              <a:rPr lang="ru-RU" sz="2400" dirty="0"/>
-              <a:t>Проведено тестирование, в результате которого на основе полученных графически иллюстрированных данных проведен сравнительный анализ.</a:t>
-            </a:r>
-          </a:p>
-          <a:p>
-            <a:pPr marL="0" indent="0">
-              <a:buNone/>
-            </a:pPr>
-            <a:endParaRPr lang="ru-RU" sz="2400" dirty="0"/>
-          </a:p>
-          <a:p>
-            <a:pPr marL="0" indent="0">
-              <a:buNone/>
-            </a:pPr>
-            <a:r>
-              <a:rPr lang="ru-RU" sz="2400" dirty="0"/>
-              <a:t>Можно сказать, что </a:t>
-            </a:r>
-            <a:r>
-              <a:rPr lang="ru-RU" sz="2400" b="1" dirty="0">
-                <a:solidFill>
-                  <a:schemeClr val="accent1"/>
-                </a:solidFill>
-              </a:rPr>
-              <a:t>получены полезные для разработчика сведения о различиях производительности двух архитектур</a:t>
-            </a:r>
-            <a:r>
-              <a:rPr lang="ru-RU" sz="2400" dirty="0"/>
-              <a:t>, а также что </a:t>
-            </a:r>
-            <a:r>
-              <a:rPr lang="ru-RU" sz="2400" b="1" dirty="0">
-                <a:solidFill>
-                  <a:schemeClr val="accent1"/>
-                </a:solidFill>
-              </a:rPr>
-              <a:t>тестирующая система показала себя работоспособной и готовой к дальнейшему применению и удобной модификации под свои нужды разработчиками</a:t>
-            </a:r>
-            <a:r>
-              <a:rPr lang="ru-RU" sz="2400" dirty="0"/>
-              <a:t>.</a:t>
-            </a:r>
-            <a:endParaRPr lang="en-US" sz="2400" dirty="0"/>
+              <a:rPr lang="ru-RU" dirty="0"/>
+              <a:t>Опора на ООП дает возможность применения умных указателей для упрощенного управления ресурсами памяти</a:t>
+            </a:r>
           </a:p>
         </p:txBody>
       </p:sp>
     </p:spTree>
     <p:extLst>
       <p:ext uri="{BB962C8B-B14F-4D97-AF65-F5344CB8AC3E}">
-        <p14:creationId xmlns:p14="http://schemas.microsoft.com/office/powerpoint/2010/main" val="2341166769"/>
+        <p14:creationId xmlns:p14="http://schemas.microsoft.com/office/powerpoint/2010/main" val="2096828009"/>
       </p:ext>
     </p:extLst>
   </p:cSld>
@@ -22033,7 +25145,7 @@
             <a:pPr algn="l"/>
             <a:r>
               <a:rPr lang="ru-RU" dirty="0"/>
-              <a:t>Целью разработки данного программного продукта является создание платформы для сравнения производительности и анализа преимуществ и недостатков относительно друг друга для многопоточной и многопоточно-асинхронной серверных архитектур.</a:t>
+              <a:t>Целью разработки данного программного обеспечения является создание платформы для сравнения производительности и анализа преимуществ и недостатков относительно друг друга для многопоточной и многопоточно-асинхронной серверных архитектур.</a:t>
             </a:r>
             <a:endParaRPr lang="en-US" dirty="0"/>
           </a:p>
@@ -22463,6 +25575,185 @@
       </p:grpSpPr>
       <p:sp>
         <p:nvSpPr>
+          <p:cNvPr id="2" name="Заголовок 1">
+            <a:extLst>
+              <a:ext uri="{FF2B5EF4-FFF2-40B4-BE49-F238E27FC236}">
+                <a16:creationId xmlns:a16="http://schemas.microsoft.com/office/drawing/2014/main" id="{A723BA39-90B7-7C6B-E3B9-5CDE00793A99}"/>
+              </a:ext>
+            </a:extLst>
+          </p:cNvPr>
+          <p:cNvSpPr>
+            <a:spLocks noGrp="1"/>
+          </p:cNvSpPr>
+          <p:nvPr>
+            <p:ph type="title"/>
+          </p:nvPr>
+        </p:nvSpPr>
+        <p:spPr>
+          <a:xfrm>
+            <a:off x="229002" y="81024"/>
+            <a:ext cx="10408131" cy="983848"/>
+          </a:xfrm>
+        </p:spPr>
+        <p:txBody>
+          <a:bodyPr>
+            <a:normAutofit/>
+          </a:bodyPr>
+          <a:lstStyle/>
+          <a:p>
+            <a:r>
+              <a:rPr lang="ru-RU" dirty="0">
+                <a:solidFill>
+                  <a:schemeClr val="accent1"/>
+                </a:solidFill>
+              </a:rPr>
+              <a:t>Заключение</a:t>
+            </a:r>
+            <a:endParaRPr lang="en-US" dirty="0">
+              <a:solidFill>
+                <a:schemeClr val="accent1"/>
+              </a:solidFill>
+            </a:endParaRPr>
+          </a:p>
+        </p:txBody>
+      </p:sp>
+      <p:sp>
+        <p:nvSpPr>
+          <p:cNvPr id="5" name="Объект 2">
+            <a:extLst>
+              <a:ext uri="{FF2B5EF4-FFF2-40B4-BE49-F238E27FC236}">
+                <a16:creationId xmlns:a16="http://schemas.microsoft.com/office/drawing/2014/main" id="{AD1AE093-97CB-BC10-37C3-2762A136C922}"/>
+              </a:ext>
+            </a:extLst>
+          </p:cNvPr>
+          <p:cNvSpPr>
+            <a:spLocks noGrp="1"/>
+          </p:cNvSpPr>
+          <p:nvPr>
+            <p:ph idx="1"/>
+          </p:nvPr>
+        </p:nvSpPr>
+        <p:spPr>
+          <a:xfrm>
+            <a:off x="229002" y="1007000"/>
+            <a:ext cx="11519302" cy="5553095"/>
+          </a:xfrm>
+        </p:spPr>
+        <p:txBody>
+          <a:bodyPr>
+            <a:normAutofit/>
+          </a:bodyPr>
+          <a:lstStyle/>
+          <a:p>
+            <a:pPr marL="342900" indent="-342900">
+              <a:buFont typeface="+mj-lt"/>
+              <a:buAutoNum type="alphaUcPeriod"/>
+            </a:pPr>
+            <a:r>
+              <a:rPr lang="ru-RU" sz="2400" dirty="0"/>
+              <a:t>Была создана платформа для сравнения производительности и анализа преимуществ и недостатков многопоточной и многопоточно-асинхронной серверных архитектур относительно друг друга.</a:t>
+            </a:r>
+          </a:p>
+          <a:p>
+            <a:pPr marL="342900" indent="-342900">
+              <a:buFont typeface="+mj-lt"/>
+              <a:buAutoNum type="alphaUcPeriod"/>
+            </a:pPr>
+            <a:r>
+              <a:rPr lang="ru-RU" sz="2400" dirty="0"/>
+              <a:t>После практического освоения технологий </a:t>
+            </a:r>
+            <a:r>
+              <a:rPr lang="en-US" sz="2400" dirty="0"/>
+              <a:t>BOOST, </a:t>
+            </a:r>
+            <a:r>
+              <a:rPr lang="ru-RU" sz="2400" dirty="0"/>
+              <a:t>были созданы реализации многопоточной и многопоточно-асинхронной реализаций серверов, клиентского приложения и имитатора клиентской нагрузки.</a:t>
+            </a:r>
+          </a:p>
+          <a:p>
+            <a:pPr marL="342900" indent="-342900">
+              <a:buFont typeface="+mj-lt"/>
+              <a:buAutoNum type="alphaUcPeriod"/>
+            </a:pPr>
+            <a:r>
+              <a:rPr lang="ru-RU" sz="2400" dirty="0"/>
+              <a:t>Проведено тестирование, в результате которого на основе полученных графически иллюстрированных данных проведен сравнительный анализ.</a:t>
+            </a:r>
+          </a:p>
+          <a:p>
+            <a:pPr marL="0" indent="0">
+              <a:buNone/>
+            </a:pPr>
+            <a:endParaRPr lang="ru-RU" sz="2400" dirty="0"/>
+          </a:p>
+          <a:p>
+            <a:pPr marL="0" indent="0">
+              <a:buNone/>
+            </a:pPr>
+            <a:r>
+              <a:rPr lang="ru-RU" sz="2400" b="1" dirty="0">
+                <a:solidFill>
+                  <a:schemeClr val="accent1"/>
+                </a:solidFill>
+              </a:rPr>
+              <a:t>Получены полезные для разработчика сведения о различиях производительности двух архитектур.</a:t>
+            </a:r>
+            <a:endParaRPr lang="ru-RU" sz="2400" dirty="0"/>
+          </a:p>
+          <a:p>
+            <a:pPr marL="0" indent="0">
+              <a:buNone/>
+            </a:pPr>
+            <a:r>
+              <a:rPr lang="ru-RU" sz="2400" b="1" dirty="0">
+                <a:solidFill>
+                  <a:schemeClr val="accent1"/>
+                </a:solidFill>
+              </a:rPr>
+              <a:t>Тестирующая система показала себя работоспособной и готовой к дальнейшему применению и удобной модификации под свои нужды разработчиками</a:t>
+            </a:r>
+            <a:r>
+              <a:rPr lang="ru-RU" sz="2400" dirty="0"/>
+              <a:t>.</a:t>
+            </a:r>
+            <a:endParaRPr lang="en-US" sz="2400" dirty="0"/>
+          </a:p>
+        </p:txBody>
+      </p:sp>
+    </p:spTree>
+    <p:extLst>
+      <p:ext uri="{BB962C8B-B14F-4D97-AF65-F5344CB8AC3E}">
+        <p14:creationId xmlns:p14="http://schemas.microsoft.com/office/powerpoint/2010/main" val="2341166769"/>
+      </p:ext>
+    </p:extLst>
+  </p:cSld>
+  <p:clrMapOvr>
+    <a:masterClrMapping/>
+  </p:clrMapOvr>
+</p:sld>
+</file>
+
+<file path=ppt/slides/slide21.xml><?xml version="1.0" encoding="utf-8"?>
+<p:sld xmlns:a="http://schemas.openxmlformats.org/drawingml/2006/main" xmlns:r="http://schemas.openxmlformats.org/officeDocument/2006/relationships" xmlns:p="http://schemas.openxmlformats.org/presentationml/2006/main">
+  <p:cSld>
+    <p:spTree>
+      <p:nvGrpSpPr>
+        <p:cNvPr id="1" name=""/>
+        <p:cNvGrpSpPr/>
+        <p:nvPr/>
+      </p:nvGrpSpPr>
+      <p:grpSpPr>
+        <a:xfrm>
+          <a:off x="0" y="0"/>
+          <a:ext cx="0" cy="0"/>
+          <a:chOff x="0" y="0"/>
+          <a:chExt cx="0" cy="0"/>
+        </a:xfrm>
+      </p:grpSpPr>
+      <p:sp>
+        <p:nvSpPr>
           <p:cNvPr id="4" name="Прямоугольник 3">
             <a:extLst>
               <a:ext uri="{FF2B5EF4-FFF2-40B4-BE49-F238E27FC236}">
@@ -22559,6 +25850,177 @@
           <p:cNvPr id="2" name="Заголовок 1">
             <a:extLst>
               <a:ext uri="{FF2B5EF4-FFF2-40B4-BE49-F238E27FC236}">
+                <a16:creationId xmlns:a16="http://schemas.microsoft.com/office/drawing/2014/main" id="{92AFE01D-78C7-731E-A7B2-564FAD0AA05A}"/>
+              </a:ext>
+            </a:extLst>
+          </p:cNvPr>
+          <p:cNvSpPr>
+            <a:spLocks noGrp="1"/>
+          </p:cNvSpPr>
+          <p:nvPr>
+            <p:ph type="title"/>
+          </p:nvPr>
+        </p:nvSpPr>
+        <p:spPr>
+          <a:xfrm>
+            <a:off x="0" y="0"/>
+            <a:ext cx="11694695" cy="1328922"/>
+          </a:xfrm>
+        </p:spPr>
+        <p:txBody>
+          <a:bodyPr>
+            <a:normAutofit fontScale="90000"/>
+          </a:bodyPr>
+          <a:lstStyle/>
+          <a:p>
+            <a:r>
+              <a:rPr lang="ru-RU" sz="5400" dirty="0">
+                <a:solidFill>
+                  <a:schemeClr val="accent1"/>
+                </a:solidFill>
+              </a:rPr>
+              <a:t>Инструменты, технологии, особенности изучения языка программирования</a:t>
+            </a:r>
+            <a:endParaRPr lang="en-US" sz="5400" dirty="0">
+              <a:solidFill>
+                <a:schemeClr val="accent1"/>
+              </a:solidFill>
+            </a:endParaRPr>
+          </a:p>
+        </p:txBody>
+      </p:sp>
+      <p:sp>
+        <p:nvSpPr>
+          <p:cNvPr id="3" name="Объект 2">
+            <a:extLst>
+              <a:ext uri="{FF2B5EF4-FFF2-40B4-BE49-F238E27FC236}">
+                <a16:creationId xmlns:a16="http://schemas.microsoft.com/office/drawing/2014/main" id="{9019FACB-BE5B-6EEF-3C81-C3ACB7886241}"/>
+              </a:ext>
+            </a:extLst>
+          </p:cNvPr>
+          <p:cNvSpPr>
+            <a:spLocks noGrp="1"/>
+          </p:cNvSpPr>
+          <p:nvPr>
+            <p:ph idx="1"/>
+          </p:nvPr>
+        </p:nvSpPr>
+        <p:spPr/>
+        <p:txBody>
+          <a:bodyPr>
+            <a:normAutofit fontScale="70000" lnSpcReduction="20000"/>
+          </a:bodyPr>
+          <a:lstStyle/>
+          <a:p>
+            <a:pPr marL="0" indent="0">
+              <a:buNone/>
+            </a:pPr>
+            <a:r>
+              <a:rPr lang="ru-RU" b="1" dirty="0"/>
+              <a:t>Изучены и применены на практике:</a:t>
+            </a:r>
+          </a:p>
+          <a:p>
+            <a:r>
+              <a:rPr lang="ru-RU" dirty="0"/>
+              <a:t>Библиотеки </a:t>
+            </a:r>
+            <a:r>
+              <a:rPr lang="en-US" dirty="0"/>
+              <a:t>BOOST – </a:t>
+            </a:r>
+            <a:r>
+              <a:rPr lang="ru-RU" dirty="0"/>
+              <a:t>собрание библиотек классов, использующих функциональность языка C++ и предоставляющих удобный кроссплатформенный высокоуровневый интерфейс для лаконичного кодирования различных повседневных подзадач программирования</a:t>
+            </a:r>
+            <a:endParaRPr lang="en-US" dirty="0"/>
+          </a:p>
+          <a:p>
+            <a:r>
+              <a:rPr lang="en-US" dirty="0"/>
+              <a:t>QT</a:t>
+            </a:r>
+            <a:r>
+              <a:rPr lang="ru-RU" dirty="0"/>
+              <a:t> –  фреймворк для разработки кроссплатформенного программного обеспечения на языке программирования C++</a:t>
+            </a:r>
+            <a:endParaRPr lang="en-US" dirty="0"/>
+          </a:p>
+          <a:p>
+            <a:r>
+              <a:rPr lang="en-US" dirty="0"/>
+              <a:t>Docker – </a:t>
+            </a:r>
+            <a:r>
+              <a:rPr lang="ru-RU" dirty="0"/>
+              <a:t> программное обеспечение для автоматизации развёртывания и управления приложениями в средах с поддержкой контейнеризации, контейнеризатор приложений</a:t>
+            </a:r>
+            <a:endParaRPr lang="en-US" dirty="0"/>
+          </a:p>
+          <a:p>
+            <a:r>
+              <a:rPr lang="en-US" dirty="0"/>
+              <a:t>Grafana – </a:t>
+            </a:r>
+            <a:r>
+              <a:rPr lang="ru-RU" dirty="0"/>
+              <a:t>свободная программная система визуализации данных, ориентированная на данные систем ИТ-мониторинга. Реализована как веб-приложение в стиле «приборных панелей» с диаграммами, графиками, таблицами, предупреждениями.</a:t>
+            </a:r>
+            <a:endParaRPr lang="en-US" dirty="0"/>
+          </a:p>
+          <a:p>
+            <a:endParaRPr lang="en-US" dirty="0"/>
+          </a:p>
+          <a:p>
+            <a:pPr marL="0" indent="0">
+              <a:buNone/>
+            </a:pPr>
+            <a:r>
+              <a:rPr lang="ru-RU" dirty="0"/>
+              <a:t>Для разработки применялся С++, при отладке программного продукта отдельное внимание уделялось управлению памятью.</a:t>
+            </a:r>
+            <a:endParaRPr lang="en-US" dirty="0"/>
+          </a:p>
+          <a:p>
+            <a:endParaRPr lang="en-US" dirty="0"/>
+          </a:p>
+        </p:txBody>
+      </p:sp>
+    </p:spTree>
+    <p:extLst>
+      <p:ext uri="{BB962C8B-B14F-4D97-AF65-F5344CB8AC3E}">
+        <p14:creationId xmlns:p14="http://schemas.microsoft.com/office/powerpoint/2010/main" val="2777055074"/>
+      </p:ext>
+    </p:extLst>
+  </p:cSld>
+  <p:clrMapOvr>
+    <a:masterClrMapping/>
+  </p:clrMapOvr>
+</p:sld>
+</file>
+
+<file path=ppt/slides/slide4.xml><?xml version="1.0" encoding="utf-8"?>
+<p:sld xmlns:a="http://schemas.openxmlformats.org/drawingml/2006/main" xmlns:r="http://schemas.openxmlformats.org/officeDocument/2006/relationships" xmlns:p="http://schemas.openxmlformats.org/presentationml/2006/main">
+  <p:cSld>
+    <p:spTree>
+      <p:nvGrpSpPr>
+        <p:cNvPr id="1" name=""/>
+        <p:cNvGrpSpPr/>
+        <p:nvPr/>
+      </p:nvGrpSpPr>
+      <p:grpSpPr>
+        <a:xfrm>
+          <a:off x="0" y="0"/>
+          <a:ext cx="0" cy="0"/>
+          <a:chOff x="0" y="0"/>
+          <a:chExt cx="0" cy="0"/>
+        </a:xfrm>
+      </p:grpSpPr>
+      <p:sp>
+        <p:nvSpPr>
+          <p:cNvPr id="2" name="Заголовок 1">
+            <a:extLst>
+              <a:ext uri="{FF2B5EF4-FFF2-40B4-BE49-F238E27FC236}">
                 <a16:creationId xmlns:a16="http://schemas.microsoft.com/office/drawing/2014/main" id="{A723BA39-90B7-7C6B-E3B9-5CDE00793A99}"/>
               </a:ext>
             </a:extLst>
@@ -22573,7 +26035,7 @@
         <p:spPr>
           <a:xfrm>
             <a:off x="249382" y="0"/>
-            <a:ext cx="4524499" cy="1144588"/>
+            <a:ext cx="6594180" cy="519764"/>
           </a:xfrm>
         </p:spPr>
         <p:txBody>
@@ -22594,113 +26056,6 @@
               <a:solidFill>
                 <a:schemeClr val="accent1"/>
               </a:solidFill>
-            </a:endParaRPr>
-          </a:p>
-        </p:txBody>
-      </p:sp>
-      <p:sp>
-        <p:nvSpPr>
-          <p:cNvPr id="3" name="Объект 2">
-            <a:extLst>
-              <a:ext uri="{FF2B5EF4-FFF2-40B4-BE49-F238E27FC236}">
-                <a16:creationId xmlns:a16="http://schemas.microsoft.com/office/drawing/2014/main" id="{97024578-BDCD-423C-C501-F08BB0AFA78C}"/>
-              </a:ext>
-            </a:extLst>
-          </p:cNvPr>
-          <p:cNvSpPr>
-            <a:spLocks noGrp="1"/>
-          </p:cNvSpPr>
-          <p:nvPr>
-            <p:ph idx="1"/>
-          </p:nvPr>
-        </p:nvSpPr>
-        <p:spPr>
-          <a:xfrm>
-            <a:off x="249382" y="1144588"/>
-            <a:ext cx="4417621" cy="5553095"/>
-          </a:xfrm>
-        </p:spPr>
-        <p:txBody>
-          <a:bodyPr>
-            <a:normAutofit fontScale="92500" lnSpcReduction="10000"/>
-          </a:bodyPr>
-          <a:lstStyle/>
-          <a:p>
-            <a:pPr marL="0" marR="0" indent="0" algn="just">
-              <a:lnSpc>
-                <a:spcPct val="150000"/>
-              </a:lnSpc>
-              <a:spcBef>
-                <a:spcPts val="0"/>
-              </a:spcBef>
-              <a:spcAft>
-                <a:spcPts val="0"/>
-              </a:spcAft>
-              <a:buNone/>
-              <a:tabLst>
-                <a:tab pos="57150" algn="l"/>
-              </a:tabLst>
-            </a:pPr>
-            <a:r>
-              <a:rPr lang="ru-RU" sz="1600" dirty="0">
-                <a:effectLst/>
-                <a:latin typeface="Times New Roman" panose="02020603050405020304" pitchFamily="18" charset="0"/>
-                <a:ea typeface="Times New Roman" panose="02020603050405020304" pitchFamily="18" charset="0"/>
-                <a:cs typeface="Times New Roman" panose="02020603050405020304" pitchFamily="18" charset="0"/>
-              </a:rPr>
-              <a:t>Асинхронные задачи должны выполняться синхронизировано относительно задач своих групп, при том нужно различать что нужно синхронизировать относительно выбранной задачи, а что – нет. Поэтому для наиболее логичной организации был выбраны ООП в совместном использовании с корутинами.</a:t>
-            </a:r>
-          </a:p>
-          <a:p>
-            <a:pPr marL="0" marR="0" indent="0" algn="just">
-              <a:lnSpc>
-                <a:spcPct val="150000"/>
-              </a:lnSpc>
-              <a:spcBef>
-                <a:spcPts val="0"/>
-              </a:spcBef>
-              <a:spcAft>
-                <a:spcPts val="0"/>
-              </a:spcAft>
-              <a:buNone/>
-              <a:tabLst>
-                <a:tab pos="57150" algn="l"/>
-              </a:tabLst>
-            </a:pPr>
-            <a:endParaRPr lang="ru-RU" sz="1600" dirty="0">
-              <a:effectLst/>
-              <a:latin typeface="Times New Roman" panose="02020603050405020304" pitchFamily="18" charset="0"/>
-              <a:ea typeface="Times New Roman" panose="02020603050405020304" pitchFamily="18" charset="0"/>
-              <a:cs typeface="Times New Roman" panose="02020603050405020304" pitchFamily="18" charset="0"/>
-            </a:endParaRPr>
-          </a:p>
-          <a:p>
-            <a:pPr marL="0" indent="0" algn="just">
-              <a:lnSpc>
-                <a:spcPct val="150000"/>
-              </a:lnSpc>
-              <a:spcBef>
-                <a:spcPts val="0"/>
-              </a:spcBef>
-              <a:buNone/>
-              <a:tabLst>
-                <a:tab pos="57150" algn="l"/>
-              </a:tabLst>
-            </a:pPr>
-            <a:r>
-              <a:rPr lang="ru-RU" sz="1600" dirty="0">
-                <a:effectLst/>
-                <a:latin typeface="Times New Roman" panose="02020603050405020304" pitchFamily="18" charset="0"/>
-                <a:ea typeface="Times New Roman" panose="02020603050405020304" pitchFamily="18" charset="0"/>
-                <a:cs typeface="Times New Roman" panose="02020603050405020304" pitchFamily="18" charset="0"/>
-              </a:rPr>
-              <a:t>Объекты класса чата хранятся и корректно управляются классом менеджера чатов, оба этих класса имеют свои уровни синхронизации. Класс сервера хранит в себе менеджер чатов, к которому будет обращаться создаваемый и запускаемый при подключении к серверу объект корутины сессии, который будет заниматься обработкой запросов пользователя асинхронно и параллельно работе сервера.</a:t>
-            </a:r>
-            <a:endParaRPr lang="en-US" sz="1600" dirty="0">
-              <a:effectLst/>
-              <a:latin typeface="Times New Roman" panose="02020603050405020304" pitchFamily="18" charset="0"/>
-              <a:ea typeface="Times New Roman" panose="02020603050405020304" pitchFamily="18" charset="0"/>
-              <a:cs typeface="Times New Roman" panose="02020603050405020304" pitchFamily="18" charset="0"/>
             </a:endParaRPr>
           </a:p>
         </p:txBody>
@@ -22734,8 +26089,8 @@
         </p:blipFill>
         <p:spPr bwMode="auto">
           <a:xfrm>
-            <a:off x="5008461" y="41563"/>
-            <a:ext cx="6934157" cy="6774873"/>
+            <a:off x="2964143" y="653292"/>
+            <a:ext cx="6263713" cy="6119830"/>
           </a:xfrm>
           <a:prstGeom prst="rect">
             <a:avLst/>
@@ -22759,7 +26114,7 @@
 </p:sld>
 </file>
 
-<file path=ppt/slides/slide4.xml><?xml version="1.0" encoding="utf-8"?>
+<file path=ppt/slides/slide5.xml><?xml version="1.0" encoding="utf-8"?>
 <p:sld xmlns:a="http://schemas.openxmlformats.org/drawingml/2006/main" xmlns:r="http://schemas.openxmlformats.org/officeDocument/2006/relationships" xmlns:p="http://schemas.openxmlformats.org/presentationml/2006/main">
   <p:cSld>
     <p:spTree>
@@ -22803,8 +26158,8 @@
         </p:blipFill>
         <p:spPr bwMode="auto">
           <a:xfrm>
-            <a:off x="4928260" y="99456"/>
-            <a:ext cx="7014358" cy="6659088"/>
+            <a:off x="1688577" y="773771"/>
+            <a:ext cx="6117292" cy="5807458"/>
           </a:xfrm>
           <a:prstGeom prst="rect">
             <a:avLst/>
@@ -22833,8 +26188,8 @@
         </p:nvSpPr>
         <p:spPr>
           <a:xfrm>
-            <a:off x="249382" y="0"/>
-            <a:ext cx="6400800" cy="1144588"/>
+            <a:off x="249381" y="0"/>
+            <a:ext cx="8995684" cy="553454"/>
           </a:xfrm>
         </p:spPr>
         <p:txBody>
@@ -22856,99 +26211,6 @@
                 <a:schemeClr val="accent1"/>
               </a:solidFill>
             </a:endParaRPr>
-          </a:p>
-        </p:txBody>
-      </p:sp>
-      <p:sp>
-        <p:nvSpPr>
-          <p:cNvPr id="3" name="Объект 2">
-            <a:extLst>
-              <a:ext uri="{FF2B5EF4-FFF2-40B4-BE49-F238E27FC236}">
-                <a16:creationId xmlns:a16="http://schemas.microsoft.com/office/drawing/2014/main" id="{97024578-BDCD-423C-C501-F08BB0AFA78C}"/>
-              </a:ext>
-            </a:extLst>
-          </p:cNvPr>
-          <p:cNvSpPr>
-            <a:spLocks noGrp="1"/>
-          </p:cNvSpPr>
-          <p:nvPr>
-            <p:ph idx="1"/>
-          </p:nvPr>
-        </p:nvSpPr>
-        <p:spPr>
-          <a:xfrm>
-            <a:off x="249382" y="1144588"/>
-            <a:ext cx="4417621" cy="5553095"/>
-          </a:xfrm>
-        </p:spPr>
-        <p:txBody>
-          <a:bodyPr>
-            <a:normAutofit lnSpcReduction="10000"/>
-          </a:bodyPr>
-          <a:lstStyle/>
-          <a:p>
-            <a:pPr marL="0" indent="0">
-              <a:buNone/>
-            </a:pPr>
-            <a:r>
-              <a:rPr lang="ru-RU" sz="1600" dirty="0"/>
-              <a:t>Сервер основан на ООП полностью</a:t>
-            </a:r>
-          </a:p>
-          <a:p>
-            <a:pPr marL="0" indent="0">
-              <a:buNone/>
-            </a:pPr>
-            <a:r>
-              <a:rPr lang="ru-RU" sz="1600" dirty="0"/>
-              <a:t>Для каждой из рутин этапов подключения используется свой отдельный поток</a:t>
-            </a:r>
-          </a:p>
-          <a:p>
-            <a:pPr marL="514350" indent="-514350">
-              <a:buAutoNum type="arabicParenR"/>
-            </a:pPr>
-            <a:r>
-              <a:rPr lang="ru-RU" sz="1600" dirty="0"/>
-              <a:t>Основной поток устанавливает подключение и передает пользователя на описанные на изображении потоки обработки данных.</a:t>
-            </a:r>
-          </a:p>
-          <a:p>
-            <a:pPr marL="514350" indent="-514350">
-              <a:buAutoNum type="arabicParenR"/>
-            </a:pPr>
-            <a:r>
-              <a:rPr lang="ru-RU" sz="1600" dirty="0"/>
-              <a:t>Поток получения имен отвечает за регистрацию пользователей в системе под уникальным именем.</a:t>
-            </a:r>
-          </a:p>
-          <a:p>
-            <a:pPr marL="514350" indent="-514350">
-              <a:buAutoNum type="arabicParenR"/>
-            </a:pPr>
-            <a:r>
-              <a:rPr lang="ru-RU" sz="1600" dirty="0"/>
-              <a:t>Поток получения списка чатов предоставляет список чатов, доступных для подключения. Пользователь имеет возможность создания нового чата, а также подключения к уже существующим.</a:t>
-            </a:r>
-          </a:p>
-          <a:p>
-            <a:pPr marL="514350" indent="-514350">
-              <a:buAutoNum type="arabicParenR"/>
-            </a:pPr>
-            <a:r>
-              <a:rPr lang="ru-RU" sz="1600" dirty="0"/>
-              <a:t>Поток каждого чата создается потоком получения списков чатов при подключении первого пользователя на время пока он не опустеет. Он предоставляет возможность обмена сообщениями и выхода из чата</a:t>
-            </a:r>
-          </a:p>
-          <a:p>
-            <a:pPr marL="514350" indent="-514350">
-              <a:buAutoNum type="arabicParenR"/>
-            </a:pPr>
-            <a:r>
-              <a:rPr lang="ru-RU" sz="1600" dirty="0"/>
-              <a:t>Поток удаления пользователя отвечает за удаление отключившихся пользователей из системы</a:t>
-            </a:r>
-            <a:endParaRPr lang="en-US" sz="1600" dirty="0"/>
           </a:p>
         </p:txBody>
       </p:sp>
@@ -22965,7 +26227,7 @@
 </p:sld>
 </file>
 
-<file path=ppt/slides/slide5.xml><?xml version="1.0" encoding="utf-8"?>
+<file path=ppt/slides/slide6.xml><?xml version="1.0" encoding="utf-8"?>
 <p:sld xmlns:a="http://schemas.openxmlformats.org/drawingml/2006/main" xmlns:r="http://schemas.openxmlformats.org/officeDocument/2006/relationships" xmlns:p="http://schemas.openxmlformats.org/presentationml/2006/main">
   <p:cSld>
     <p:spTree>
@@ -23089,7 +26351,7 @@
 </p:sld>
 </file>
 
-<file path=ppt/slides/slide6.xml><?xml version="1.0" encoding="utf-8"?>
+<file path=ppt/slides/slide7.xml><?xml version="1.0" encoding="utf-8"?>
 <p:sld xmlns:a="http://schemas.openxmlformats.org/drawingml/2006/main" xmlns:r="http://schemas.openxmlformats.org/officeDocument/2006/relationships" xmlns:p="http://schemas.openxmlformats.org/presentationml/2006/main">
   <p:cSld>
     <p:spTree>
@@ -23259,7 +26521,7 @@
 </p:sld>
 </file>
 
-<file path=ppt/slides/slide7.xml><?xml version="1.0" encoding="utf-8"?>
+<file path=ppt/slides/slide8.xml><?xml version="1.0" encoding="utf-8"?>
 <p:sld xmlns:a="http://schemas.openxmlformats.org/drawingml/2006/main" xmlns:r="http://schemas.openxmlformats.org/officeDocument/2006/relationships" xmlns:p="http://schemas.openxmlformats.org/presentationml/2006/main">
   <p:cSld>
     <p:spTree>
@@ -23429,7 +26691,7 @@
 </p:sld>
 </file>
 
-<file path=ppt/slides/slide8.xml><?xml version="1.0" encoding="utf-8"?>
+<file path=ppt/slides/slide9.xml><?xml version="1.0" encoding="utf-8"?>
 <p:sld xmlns:a="http://schemas.openxmlformats.org/drawingml/2006/main" xmlns:r="http://schemas.openxmlformats.org/officeDocument/2006/relationships" xmlns:p="http://schemas.openxmlformats.org/presentationml/2006/main">
   <p:cSld>
     <p:spTree>
@@ -23626,1415 +26888,6 @@
     <p:extLst>
       <p:ext uri="{BB962C8B-B14F-4D97-AF65-F5344CB8AC3E}">
         <p14:creationId xmlns:p14="http://schemas.microsoft.com/office/powerpoint/2010/main" val="826666063"/>
-      </p:ext>
-    </p:extLst>
-  </p:cSld>
-  <p:clrMapOvr>
-    <a:masterClrMapping/>
-  </p:clrMapOvr>
-</p:sld>
-</file>
-
-<file path=ppt/slides/slide9.xml><?xml version="1.0" encoding="utf-8"?>
-<p:sld xmlns:a="http://schemas.openxmlformats.org/drawingml/2006/main" xmlns:r="http://schemas.openxmlformats.org/officeDocument/2006/relationships" xmlns:p="http://schemas.openxmlformats.org/presentationml/2006/main">
-  <p:cSld>
-    <p:spTree>
-      <p:nvGrpSpPr>
-        <p:cNvPr id="1" name=""/>
-        <p:cNvGrpSpPr/>
-        <p:nvPr/>
-      </p:nvGrpSpPr>
-      <p:grpSpPr>
-        <a:xfrm>
-          <a:off x="0" y="0"/>
-          <a:ext cx="0" cy="0"/>
-          <a:chOff x="0" y="0"/>
-          <a:chExt cx="0" cy="0"/>
-        </a:xfrm>
-      </p:grpSpPr>
-      <p:sp>
-        <p:nvSpPr>
-          <p:cNvPr id="2" name="Заголовок 1">
-            <a:extLst>
-              <a:ext uri="{FF2B5EF4-FFF2-40B4-BE49-F238E27FC236}">
-                <a16:creationId xmlns:a16="http://schemas.microsoft.com/office/drawing/2014/main" id="{A723BA39-90B7-7C6B-E3B9-5CDE00793A99}"/>
-              </a:ext>
-            </a:extLst>
-          </p:cNvPr>
-          <p:cNvSpPr>
-            <a:spLocks noGrp="1"/>
-          </p:cNvSpPr>
-          <p:nvPr>
-            <p:ph type="title"/>
-          </p:nvPr>
-        </p:nvSpPr>
-        <p:spPr>
-          <a:xfrm>
-            <a:off x="249382" y="0"/>
-            <a:ext cx="9880270" cy="840887"/>
-          </a:xfrm>
-        </p:spPr>
-        <p:txBody>
-          <a:bodyPr>
-            <a:normAutofit/>
-          </a:bodyPr>
-          <a:lstStyle/>
-          <a:p>
-            <a:r>
-              <a:rPr lang="ru-RU" dirty="0">
-                <a:solidFill>
-                  <a:schemeClr val="accent1"/>
-                </a:solidFill>
-              </a:rPr>
-              <a:t>Тестирующая система</a:t>
-            </a:r>
-            <a:endParaRPr lang="en-US" dirty="0">
-              <a:solidFill>
-                <a:schemeClr val="accent1"/>
-              </a:solidFill>
-            </a:endParaRPr>
-          </a:p>
-        </p:txBody>
-      </p:sp>
-      <p:sp>
-        <p:nvSpPr>
-          <p:cNvPr id="5" name="Прямоугольник 4">
-            <a:extLst>
-              <a:ext uri="{FF2B5EF4-FFF2-40B4-BE49-F238E27FC236}">
-                <a16:creationId xmlns:a16="http://schemas.microsoft.com/office/drawing/2014/main" id="{4F8A28F3-3484-B290-56B6-A850EF87AA36}"/>
-              </a:ext>
-            </a:extLst>
-          </p:cNvPr>
-          <p:cNvSpPr/>
-          <p:nvPr/>
-        </p:nvSpPr>
-        <p:spPr>
-          <a:xfrm>
-            <a:off x="210848" y="1173469"/>
-            <a:ext cx="5393157" cy="5078412"/>
-          </a:xfrm>
-          <a:prstGeom prst="rect">
-            <a:avLst/>
-          </a:prstGeom>
-        </p:spPr>
-        <p:style>
-          <a:lnRef idx="2">
-            <a:schemeClr val="accent1">
-              <a:shade val="50000"/>
-            </a:schemeClr>
-          </a:lnRef>
-          <a:fillRef idx="1">
-            <a:schemeClr val="accent1"/>
-          </a:fillRef>
-          <a:effectRef idx="0">
-            <a:schemeClr val="accent1"/>
-          </a:effectRef>
-          <a:fontRef idx="minor">
-            <a:schemeClr val="lt1"/>
-          </a:fontRef>
-        </p:style>
-        <p:txBody>
-          <a:bodyPr rtlCol="0" anchor="ctr"/>
-          <a:lstStyle/>
-          <a:p>
-            <a:pPr algn="ctr"/>
-            <a:endParaRPr lang="en-US" dirty="0"/>
-          </a:p>
-        </p:txBody>
-      </p:sp>
-      <p:sp>
-        <p:nvSpPr>
-          <p:cNvPr id="6" name="Прямоугольник 5">
-            <a:extLst>
-              <a:ext uri="{FF2B5EF4-FFF2-40B4-BE49-F238E27FC236}">
-                <a16:creationId xmlns:a16="http://schemas.microsoft.com/office/drawing/2014/main" id="{CBC00B20-B8B6-584E-CF02-659CDD4BE55D}"/>
-              </a:ext>
-            </a:extLst>
-          </p:cNvPr>
-          <p:cNvSpPr/>
-          <p:nvPr/>
-        </p:nvSpPr>
-        <p:spPr>
-          <a:xfrm>
-            <a:off x="6593066" y="1144588"/>
-            <a:ext cx="5393158" cy="5078412"/>
-          </a:xfrm>
-          <a:prstGeom prst="rect">
-            <a:avLst/>
-          </a:prstGeom>
-        </p:spPr>
-        <p:style>
-          <a:lnRef idx="2">
-            <a:schemeClr val="accent1">
-              <a:shade val="50000"/>
-            </a:schemeClr>
-          </a:lnRef>
-          <a:fillRef idx="1">
-            <a:schemeClr val="accent1"/>
-          </a:fillRef>
-          <a:effectRef idx="0">
-            <a:schemeClr val="accent1"/>
-          </a:effectRef>
-          <a:fontRef idx="minor">
-            <a:schemeClr val="lt1"/>
-          </a:fontRef>
-        </p:style>
-        <p:txBody>
-          <a:bodyPr rtlCol="0" anchor="ctr"/>
-          <a:lstStyle/>
-          <a:p>
-            <a:pPr algn="ctr"/>
-            <a:endParaRPr lang="en-US" dirty="0"/>
-          </a:p>
-        </p:txBody>
-      </p:sp>
-      <p:sp>
-        <p:nvSpPr>
-          <p:cNvPr id="8" name="TextBox 7">
-            <a:extLst>
-              <a:ext uri="{FF2B5EF4-FFF2-40B4-BE49-F238E27FC236}">
-                <a16:creationId xmlns:a16="http://schemas.microsoft.com/office/drawing/2014/main" id="{B49D218A-9DB1-0F5F-1E22-F0FD00977DEA}"/>
-              </a:ext>
-            </a:extLst>
-          </p:cNvPr>
-          <p:cNvSpPr txBox="1"/>
-          <p:nvPr/>
-        </p:nvSpPr>
-        <p:spPr>
-          <a:xfrm>
-            <a:off x="1791333" y="6215131"/>
-            <a:ext cx="2116157" cy="369332"/>
-          </a:xfrm>
-          <a:prstGeom prst="rect">
-            <a:avLst/>
-          </a:prstGeom>
-          <a:noFill/>
-        </p:spPr>
-        <p:txBody>
-          <a:bodyPr wrap="none" rtlCol="0">
-            <a:spAutoFit/>
-          </a:bodyPr>
-          <a:lstStyle/>
-          <a:p>
-            <a:r>
-              <a:rPr lang="ru-RU" b="1" dirty="0"/>
-              <a:t>Устройство сервера</a:t>
-            </a:r>
-            <a:endParaRPr lang="en-US" b="1" dirty="0"/>
-          </a:p>
-        </p:txBody>
-      </p:sp>
-      <p:sp>
-        <p:nvSpPr>
-          <p:cNvPr id="9" name="TextBox 8">
-            <a:extLst>
-              <a:ext uri="{FF2B5EF4-FFF2-40B4-BE49-F238E27FC236}">
-                <a16:creationId xmlns:a16="http://schemas.microsoft.com/office/drawing/2014/main" id="{48F13C14-6BAE-D97E-7405-865C7232CE11}"/>
-              </a:ext>
-            </a:extLst>
-          </p:cNvPr>
-          <p:cNvSpPr txBox="1"/>
-          <p:nvPr/>
-        </p:nvSpPr>
-        <p:spPr>
-          <a:xfrm>
-            <a:off x="8181000" y="6223000"/>
-            <a:ext cx="2144754" cy="369332"/>
-          </a:xfrm>
-          <a:prstGeom prst="rect">
-            <a:avLst/>
-          </a:prstGeom>
-          <a:noFill/>
-        </p:spPr>
-        <p:txBody>
-          <a:bodyPr wrap="none" rtlCol="0">
-            <a:spAutoFit/>
-          </a:bodyPr>
-          <a:lstStyle/>
-          <a:p>
-            <a:r>
-              <a:rPr lang="ru-RU" b="1" dirty="0"/>
-              <a:t>Устройство клиента</a:t>
-            </a:r>
-            <a:endParaRPr lang="en-US" b="1" dirty="0"/>
-          </a:p>
-        </p:txBody>
-      </p:sp>
-      <p:sp>
-        <p:nvSpPr>
-          <p:cNvPr id="11" name="Стрелка: влево-вправо 10">
-            <a:extLst>
-              <a:ext uri="{FF2B5EF4-FFF2-40B4-BE49-F238E27FC236}">
-                <a16:creationId xmlns:a16="http://schemas.microsoft.com/office/drawing/2014/main" id="{AF5265BB-B2A6-F6EC-35A0-E0B0E7EEC137}"/>
-              </a:ext>
-            </a:extLst>
-          </p:cNvPr>
-          <p:cNvSpPr/>
-          <p:nvPr/>
-        </p:nvSpPr>
-        <p:spPr>
-          <a:xfrm>
-            <a:off x="5036649" y="2056160"/>
-            <a:ext cx="2204428" cy="646846"/>
-          </a:xfrm>
-          <a:prstGeom prst="leftRightArrow">
-            <a:avLst/>
-          </a:prstGeom>
-        </p:spPr>
-        <p:style>
-          <a:lnRef idx="2">
-            <a:schemeClr val="dk1">
-              <a:shade val="50000"/>
-            </a:schemeClr>
-          </a:lnRef>
-          <a:fillRef idx="1">
-            <a:schemeClr val="dk1"/>
-          </a:fillRef>
-          <a:effectRef idx="0">
-            <a:schemeClr val="dk1"/>
-          </a:effectRef>
-          <a:fontRef idx="minor">
-            <a:schemeClr val="lt1"/>
-          </a:fontRef>
-        </p:style>
-        <p:txBody>
-          <a:bodyPr rtlCol="0" anchor="ctr"/>
-          <a:lstStyle/>
-          <a:p>
-            <a:pPr algn="ctr"/>
-            <a:endParaRPr lang="en-US"/>
-          </a:p>
-        </p:txBody>
-      </p:sp>
-      <p:pic>
-        <p:nvPicPr>
-          <p:cNvPr id="1026" name="Picture 2" descr="Контейнер – Бесплатные иконки: отгрузка и доставка">
-            <a:extLst>
-              <a:ext uri="{FF2B5EF4-FFF2-40B4-BE49-F238E27FC236}">
-                <a16:creationId xmlns:a16="http://schemas.microsoft.com/office/drawing/2014/main" id="{91812CDA-F461-F9C6-AA2C-E0649B0619C0}"/>
-              </a:ext>
-            </a:extLst>
-          </p:cNvPr>
-          <p:cNvPicPr>
-            <a:picLocks noChangeAspect="1" noChangeArrowheads="1"/>
-          </p:cNvPicPr>
-          <p:nvPr/>
-        </p:nvPicPr>
-        <p:blipFill>
-          <a:blip r:embed="rId2">
-            <a:extLst>
-              <a:ext uri="{28A0092B-C50C-407E-A947-70E740481C1C}">
-                <a14:useLocalDpi xmlns:a14="http://schemas.microsoft.com/office/drawing/2010/main" val="0"/>
-              </a:ext>
-            </a:extLst>
-          </a:blip>
-          <a:srcRect/>
-          <a:stretch>
-            <a:fillRect/>
-          </a:stretch>
-        </p:blipFill>
-        <p:spPr bwMode="auto">
-          <a:xfrm>
-            <a:off x="880853" y="1733491"/>
-            <a:ext cx="1300202" cy="1300202"/>
-          </a:xfrm>
-          <a:prstGeom prst="rect">
-            <a:avLst/>
-          </a:prstGeom>
-          <a:noFill/>
-          <a:extLst>
-            <a:ext uri="{909E8E84-426E-40DD-AFC4-6F175D3DCCD1}">
-              <a14:hiddenFill xmlns:a14="http://schemas.microsoft.com/office/drawing/2010/main">
-                <a:solidFill>
-                  <a:srgbClr val="FFFFFF"/>
-                </a:solidFill>
-              </a14:hiddenFill>
-            </a:ext>
-          </a:extLst>
-        </p:spPr>
-      </p:pic>
-      <p:sp>
-        <p:nvSpPr>
-          <p:cNvPr id="12" name="TextBox 11">
-            <a:extLst>
-              <a:ext uri="{FF2B5EF4-FFF2-40B4-BE49-F238E27FC236}">
-                <a16:creationId xmlns:a16="http://schemas.microsoft.com/office/drawing/2014/main" id="{050CC9AD-2A6E-37E3-AD9F-C224175AD94B}"/>
-              </a:ext>
-            </a:extLst>
-          </p:cNvPr>
-          <p:cNvSpPr txBox="1"/>
-          <p:nvPr/>
-        </p:nvSpPr>
-        <p:spPr>
-          <a:xfrm>
-            <a:off x="786054" y="1333319"/>
-            <a:ext cx="1591133" cy="646331"/>
-          </a:xfrm>
-          <a:prstGeom prst="rect">
-            <a:avLst/>
-          </a:prstGeom>
-          <a:noFill/>
-        </p:spPr>
-        <p:txBody>
-          <a:bodyPr wrap="square" rtlCol="0">
-            <a:spAutoFit/>
-          </a:bodyPr>
-          <a:lstStyle/>
-          <a:p>
-            <a:r>
-              <a:rPr lang="ru-RU" dirty="0"/>
-              <a:t>Контейнер </a:t>
-            </a:r>
-            <a:endParaRPr lang="en-US" dirty="0"/>
-          </a:p>
-          <a:p>
-            <a:r>
-              <a:rPr lang="en-US" dirty="0"/>
-              <a:t>Node Explorer</a:t>
-            </a:r>
-          </a:p>
-        </p:txBody>
-      </p:sp>
-      <p:pic>
-        <p:nvPicPr>
-          <p:cNvPr id="13" name="Picture 2" descr="Контейнер – Бесплатные иконки: отгрузка и доставка">
-            <a:extLst>
-              <a:ext uri="{FF2B5EF4-FFF2-40B4-BE49-F238E27FC236}">
-                <a16:creationId xmlns:a16="http://schemas.microsoft.com/office/drawing/2014/main" id="{3FC08F37-3DCB-AE99-11FB-18F8C711B3C8}"/>
-              </a:ext>
-            </a:extLst>
-          </p:cNvPr>
-          <p:cNvPicPr>
-            <a:picLocks noChangeAspect="1" noChangeArrowheads="1"/>
-          </p:cNvPicPr>
-          <p:nvPr/>
-        </p:nvPicPr>
-        <p:blipFill>
-          <a:blip r:embed="rId2">
-            <a:extLst>
-              <a:ext uri="{28A0092B-C50C-407E-A947-70E740481C1C}">
-                <a14:useLocalDpi xmlns:a14="http://schemas.microsoft.com/office/drawing/2010/main" val="0"/>
-              </a:ext>
-            </a:extLst>
-          </a:blip>
-          <a:srcRect/>
-          <a:stretch>
-            <a:fillRect/>
-          </a:stretch>
-        </p:blipFill>
-        <p:spPr bwMode="auto">
-          <a:xfrm>
-            <a:off x="780989" y="3892477"/>
-            <a:ext cx="1300202" cy="1300202"/>
-          </a:xfrm>
-          <a:prstGeom prst="rect">
-            <a:avLst/>
-          </a:prstGeom>
-          <a:noFill/>
-          <a:extLst>
-            <a:ext uri="{909E8E84-426E-40DD-AFC4-6F175D3DCCD1}">
-              <a14:hiddenFill xmlns:a14="http://schemas.microsoft.com/office/drawing/2010/main">
-                <a:solidFill>
-                  <a:srgbClr val="FFFFFF"/>
-                </a:solidFill>
-              </a14:hiddenFill>
-            </a:ext>
-          </a:extLst>
-        </p:spPr>
-      </p:pic>
-      <p:sp>
-        <p:nvSpPr>
-          <p:cNvPr id="14" name="TextBox 13">
-            <a:extLst>
-              <a:ext uri="{FF2B5EF4-FFF2-40B4-BE49-F238E27FC236}">
-                <a16:creationId xmlns:a16="http://schemas.microsoft.com/office/drawing/2014/main" id="{B6F0F5FA-41CC-C756-E431-327AE4D561DF}"/>
-              </a:ext>
-            </a:extLst>
-          </p:cNvPr>
-          <p:cNvSpPr txBox="1"/>
-          <p:nvPr/>
-        </p:nvSpPr>
-        <p:spPr>
-          <a:xfrm>
-            <a:off x="269231" y="4912862"/>
-            <a:ext cx="2434641" cy="369332"/>
-          </a:xfrm>
-          <a:prstGeom prst="rect">
-            <a:avLst/>
-          </a:prstGeom>
-          <a:noFill/>
-        </p:spPr>
-        <p:txBody>
-          <a:bodyPr wrap="none" rtlCol="0">
-            <a:spAutoFit/>
-          </a:bodyPr>
-          <a:lstStyle/>
-          <a:p>
-            <a:r>
-              <a:rPr lang="ru-RU" dirty="0"/>
-              <a:t>Контейнер </a:t>
-            </a:r>
-            <a:r>
-              <a:rPr lang="en-US" dirty="0"/>
-              <a:t>Prometheus</a:t>
-            </a:r>
-          </a:p>
-        </p:txBody>
-      </p:sp>
-      <p:sp>
-        <p:nvSpPr>
-          <p:cNvPr id="15" name="Стрелка: вниз 14">
-            <a:extLst>
-              <a:ext uri="{FF2B5EF4-FFF2-40B4-BE49-F238E27FC236}">
-                <a16:creationId xmlns:a16="http://schemas.microsoft.com/office/drawing/2014/main" id="{9695AC1F-E254-3020-4F04-EB3615A8176D}"/>
-              </a:ext>
-            </a:extLst>
-          </p:cNvPr>
-          <p:cNvSpPr/>
-          <p:nvPr/>
-        </p:nvSpPr>
-        <p:spPr>
-          <a:xfrm>
-            <a:off x="1238298" y="2907771"/>
-            <a:ext cx="323802" cy="1131226"/>
-          </a:xfrm>
-          <a:prstGeom prst="downArrow">
-            <a:avLst>
-              <a:gd name="adj1" fmla="val 47066"/>
-              <a:gd name="adj2" fmla="val 50000"/>
-            </a:avLst>
-          </a:prstGeom>
-        </p:spPr>
-        <p:style>
-          <a:lnRef idx="2">
-            <a:schemeClr val="dk1">
-              <a:shade val="50000"/>
-            </a:schemeClr>
-          </a:lnRef>
-          <a:fillRef idx="1">
-            <a:schemeClr val="dk1"/>
-          </a:fillRef>
-          <a:effectRef idx="0">
-            <a:schemeClr val="dk1"/>
-          </a:effectRef>
-          <a:fontRef idx="minor">
-            <a:schemeClr val="lt1"/>
-          </a:fontRef>
-        </p:style>
-        <p:txBody>
-          <a:bodyPr rtlCol="0" anchor="ctr"/>
-          <a:lstStyle/>
-          <a:p>
-            <a:pPr algn="ctr"/>
-            <a:endParaRPr lang="en-US" dirty="0"/>
-          </a:p>
-        </p:txBody>
-      </p:sp>
-      <p:sp>
-        <p:nvSpPr>
-          <p:cNvPr id="16" name="TextBox 15">
-            <a:extLst>
-              <a:ext uri="{FF2B5EF4-FFF2-40B4-BE49-F238E27FC236}">
-                <a16:creationId xmlns:a16="http://schemas.microsoft.com/office/drawing/2014/main" id="{DEEB956B-9A02-3709-3782-972F7A7DCB1B}"/>
-              </a:ext>
-            </a:extLst>
-          </p:cNvPr>
-          <p:cNvSpPr txBox="1"/>
-          <p:nvPr/>
-        </p:nvSpPr>
-        <p:spPr>
-          <a:xfrm>
-            <a:off x="4385926" y="3100596"/>
-            <a:ext cx="1549400" cy="646331"/>
-          </a:xfrm>
-          <a:prstGeom prst="rect">
-            <a:avLst/>
-          </a:prstGeom>
-          <a:noFill/>
-        </p:spPr>
-        <p:txBody>
-          <a:bodyPr wrap="square" rtlCol="0">
-            <a:spAutoFit/>
-          </a:bodyPr>
-          <a:lstStyle/>
-          <a:p>
-            <a:r>
-              <a:rPr lang="ru-RU" dirty="0"/>
-              <a:t>передача логов</a:t>
-            </a:r>
-            <a:endParaRPr lang="en-US" dirty="0"/>
-          </a:p>
-        </p:txBody>
-      </p:sp>
-      <p:pic>
-        <p:nvPicPr>
-          <p:cNvPr id="17" name="Picture 2" descr="Контейнер – Бесплатные иконки: отгрузка и доставка">
-            <a:extLst>
-              <a:ext uri="{FF2B5EF4-FFF2-40B4-BE49-F238E27FC236}">
-                <a16:creationId xmlns:a16="http://schemas.microsoft.com/office/drawing/2014/main" id="{6744C0FA-31EE-8279-3E05-E244D31B176F}"/>
-              </a:ext>
-            </a:extLst>
-          </p:cNvPr>
-          <p:cNvPicPr>
-            <a:picLocks noChangeAspect="1" noChangeArrowheads="1"/>
-          </p:cNvPicPr>
-          <p:nvPr/>
-        </p:nvPicPr>
-        <p:blipFill>
-          <a:blip r:embed="rId2">
-            <a:extLst>
-              <a:ext uri="{28A0092B-C50C-407E-A947-70E740481C1C}">
-                <a14:useLocalDpi xmlns:a14="http://schemas.microsoft.com/office/drawing/2010/main" val="0"/>
-              </a:ext>
-            </a:extLst>
-          </a:blip>
-          <a:srcRect/>
-          <a:stretch>
-            <a:fillRect/>
-          </a:stretch>
-        </p:blipFill>
-        <p:spPr bwMode="auto">
-          <a:xfrm>
-            <a:off x="3607924" y="1748080"/>
-            <a:ext cx="1300202" cy="1300202"/>
-          </a:xfrm>
-          <a:prstGeom prst="rect">
-            <a:avLst/>
-          </a:prstGeom>
-          <a:noFill/>
-          <a:extLst>
-            <a:ext uri="{909E8E84-426E-40DD-AFC4-6F175D3DCCD1}">
-              <a14:hiddenFill xmlns:a14="http://schemas.microsoft.com/office/drawing/2010/main">
-                <a:solidFill>
-                  <a:srgbClr val="FFFFFF"/>
-                </a:solidFill>
-              </a14:hiddenFill>
-            </a:ext>
-          </a:extLst>
-        </p:spPr>
-      </p:pic>
-      <p:sp>
-        <p:nvSpPr>
-          <p:cNvPr id="18" name="TextBox 17">
-            <a:extLst>
-              <a:ext uri="{FF2B5EF4-FFF2-40B4-BE49-F238E27FC236}">
-                <a16:creationId xmlns:a16="http://schemas.microsoft.com/office/drawing/2014/main" id="{4FB1D749-B294-7430-F32F-F1679E46E852}"/>
-              </a:ext>
-            </a:extLst>
-          </p:cNvPr>
-          <p:cNvSpPr txBox="1"/>
-          <p:nvPr/>
-        </p:nvSpPr>
-        <p:spPr>
-          <a:xfrm>
-            <a:off x="3285374" y="1466251"/>
-            <a:ext cx="2086918" cy="369332"/>
-          </a:xfrm>
-          <a:prstGeom prst="rect">
-            <a:avLst/>
-          </a:prstGeom>
-          <a:noFill/>
-        </p:spPr>
-        <p:txBody>
-          <a:bodyPr wrap="none" rtlCol="0">
-            <a:spAutoFit/>
-          </a:bodyPr>
-          <a:lstStyle/>
-          <a:p>
-            <a:r>
-              <a:rPr lang="ru-RU" dirty="0"/>
-              <a:t>Контейнер сервера</a:t>
-            </a:r>
-            <a:endParaRPr lang="en-US" dirty="0"/>
-          </a:p>
-        </p:txBody>
-      </p:sp>
-      <p:sp>
-        <p:nvSpPr>
-          <p:cNvPr id="20" name="Стрелка: изогнутая вверх 19">
-            <a:extLst>
-              <a:ext uri="{FF2B5EF4-FFF2-40B4-BE49-F238E27FC236}">
-                <a16:creationId xmlns:a16="http://schemas.microsoft.com/office/drawing/2014/main" id="{EFB7CC51-9BD2-28B1-C241-8D05C5DA788D}"/>
-              </a:ext>
-            </a:extLst>
-          </p:cNvPr>
-          <p:cNvSpPr/>
-          <p:nvPr/>
-        </p:nvSpPr>
-        <p:spPr>
-          <a:xfrm rot="16200000" flipH="1">
-            <a:off x="2344294" y="2687197"/>
-            <a:ext cx="1778529" cy="2219684"/>
-          </a:xfrm>
-          <a:prstGeom prst="bentUpArrow">
-            <a:avLst>
-              <a:gd name="adj1" fmla="val 8931"/>
-              <a:gd name="adj2" fmla="val 9074"/>
-              <a:gd name="adj3" fmla="val 13846"/>
-            </a:avLst>
-          </a:prstGeom>
-          <a:solidFill>
-            <a:schemeClr val="tx1"/>
-          </a:solidFill>
-          <a:ln/>
-        </p:spPr>
-        <p:style>
-          <a:lnRef idx="1">
-            <a:schemeClr val="dk1"/>
-          </a:lnRef>
-          <a:fillRef idx="2">
-            <a:schemeClr val="dk1"/>
-          </a:fillRef>
-          <a:effectRef idx="1">
-            <a:schemeClr val="dk1"/>
-          </a:effectRef>
-          <a:fontRef idx="minor">
-            <a:schemeClr val="dk1"/>
-          </a:fontRef>
-        </p:style>
-        <p:txBody>
-          <a:bodyPr rtlCol="0" anchor="ctr"/>
-          <a:lstStyle/>
-          <a:p>
-            <a:pPr algn="ctr"/>
-            <a:endParaRPr lang="en-US" dirty="0"/>
-          </a:p>
-        </p:txBody>
-      </p:sp>
-      <p:sp>
-        <p:nvSpPr>
-          <p:cNvPr id="21" name="TextBox 20">
-            <a:extLst>
-              <a:ext uri="{FF2B5EF4-FFF2-40B4-BE49-F238E27FC236}">
-                <a16:creationId xmlns:a16="http://schemas.microsoft.com/office/drawing/2014/main" id="{ED6583E6-EF16-23E3-D207-34D0E93245F4}"/>
-              </a:ext>
-            </a:extLst>
-          </p:cNvPr>
-          <p:cNvSpPr txBox="1"/>
-          <p:nvPr/>
-        </p:nvSpPr>
-        <p:spPr>
-          <a:xfrm>
-            <a:off x="2560106" y="4366572"/>
-            <a:ext cx="1212191" cy="307777"/>
-          </a:xfrm>
-          <a:prstGeom prst="rect">
-            <a:avLst/>
-          </a:prstGeom>
-          <a:noFill/>
-        </p:spPr>
-        <p:txBody>
-          <a:bodyPr wrap="none" rtlCol="0">
-            <a:spAutoFit/>
-          </a:bodyPr>
-          <a:lstStyle/>
-          <a:p>
-            <a:r>
-              <a:rPr lang="ru-RU" sz="1400" dirty="0">
-                <a:solidFill>
-                  <a:schemeClr val="bg1"/>
-                </a:solidFill>
-              </a:rPr>
-              <a:t>опционально</a:t>
-            </a:r>
-            <a:endParaRPr lang="en-US" sz="1400" dirty="0">
-              <a:solidFill>
-                <a:schemeClr val="bg1"/>
-              </a:solidFill>
-            </a:endParaRPr>
-          </a:p>
-        </p:txBody>
-      </p:sp>
-      <p:sp>
-        <p:nvSpPr>
-          <p:cNvPr id="22" name="TextBox 21">
-            <a:extLst>
-              <a:ext uri="{FF2B5EF4-FFF2-40B4-BE49-F238E27FC236}">
-                <a16:creationId xmlns:a16="http://schemas.microsoft.com/office/drawing/2014/main" id="{7047A2EE-9FE1-2EE3-E2E4-DF74B9CF3719}"/>
-              </a:ext>
-            </a:extLst>
-          </p:cNvPr>
-          <p:cNvSpPr txBox="1"/>
-          <p:nvPr/>
-        </p:nvSpPr>
-        <p:spPr>
-          <a:xfrm>
-            <a:off x="1334284" y="5464286"/>
-            <a:ext cx="2085806" cy="646331"/>
-          </a:xfrm>
-          <a:prstGeom prst="rect">
-            <a:avLst/>
-          </a:prstGeom>
-          <a:noFill/>
-        </p:spPr>
-        <p:txBody>
-          <a:bodyPr wrap="square" rtlCol="0">
-            <a:spAutoFit/>
-          </a:bodyPr>
-          <a:lstStyle/>
-          <a:p>
-            <a:r>
-              <a:rPr lang="ru-RU" dirty="0"/>
-              <a:t>передача данных для иллюстрации</a:t>
-            </a:r>
-            <a:endParaRPr lang="en-US" dirty="0"/>
-          </a:p>
-        </p:txBody>
-      </p:sp>
-      <p:sp>
-        <p:nvSpPr>
-          <p:cNvPr id="23" name="TextBox 22">
-            <a:extLst>
-              <a:ext uri="{FF2B5EF4-FFF2-40B4-BE49-F238E27FC236}">
-                <a16:creationId xmlns:a16="http://schemas.microsoft.com/office/drawing/2014/main" id="{3D52344D-B0FE-C032-C49E-BDBE8D1DF83F}"/>
-              </a:ext>
-            </a:extLst>
-          </p:cNvPr>
-          <p:cNvSpPr txBox="1"/>
-          <p:nvPr/>
-        </p:nvSpPr>
-        <p:spPr>
-          <a:xfrm>
-            <a:off x="5359592" y="2241084"/>
-            <a:ext cx="1666695" cy="276999"/>
-          </a:xfrm>
-          <a:prstGeom prst="rect">
-            <a:avLst/>
-          </a:prstGeom>
-          <a:noFill/>
-        </p:spPr>
-        <p:txBody>
-          <a:bodyPr wrap="square" rtlCol="0">
-            <a:spAutoFit/>
-          </a:bodyPr>
-          <a:lstStyle/>
-          <a:p>
-            <a:r>
-              <a:rPr lang="ru-RU" sz="1200" dirty="0">
-                <a:solidFill>
-                  <a:schemeClr val="bg1"/>
-                </a:solidFill>
-              </a:rPr>
-              <a:t>обмен сообщениями</a:t>
-            </a:r>
-            <a:endParaRPr lang="en-US" sz="1200" dirty="0">
-              <a:solidFill>
-                <a:schemeClr val="bg1"/>
-              </a:solidFill>
-            </a:endParaRPr>
-          </a:p>
-        </p:txBody>
-      </p:sp>
-      <p:pic>
-        <p:nvPicPr>
-          <p:cNvPr id="25" name="Picture 2" descr="Контейнер – Бесплатные иконки: отгрузка и доставка">
-            <a:extLst>
-              <a:ext uri="{FF2B5EF4-FFF2-40B4-BE49-F238E27FC236}">
-                <a16:creationId xmlns:a16="http://schemas.microsoft.com/office/drawing/2014/main" id="{FABD9F85-9170-2CF7-B126-EE2D717124F7}"/>
-              </a:ext>
-            </a:extLst>
-          </p:cNvPr>
-          <p:cNvPicPr>
-            <a:picLocks noChangeAspect="1" noChangeArrowheads="1"/>
-          </p:cNvPicPr>
-          <p:nvPr/>
-        </p:nvPicPr>
-        <p:blipFill>
-          <a:blip r:embed="rId2">
-            <a:extLst>
-              <a:ext uri="{28A0092B-C50C-407E-A947-70E740481C1C}">
-                <a14:useLocalDpi xmlns:a14="http://schemas.microsoft.com/office/drawing/2010/main" val="0"/>
-              </a:ext>
-            </a:extLst>
-          </a:blip>
-          <a:srcRect/>
-          <a:stretch>
-            <a:fillRect/>
-          </a:stretch>
-        </p:blipFill>
-        <p:spPr bwMode="auto">
-          <a:xfrm>
-            <a:off x="7383019" y="1729483"/>
-            <a:ext cx="1300202" cy="1300202"/>
-          </a:xfrm>
-          <a:prstGeom prst="rect">
-            <a:avLst/>
-          </a:prstGeom>
-          <a:noFill/>
-          <a:extLst>
-            <a:ext uri="{909E8E84-426E-40DD-AFC4-6F175D3DCCD1}">
-              <a14:hiddenFill xmlns:a14="http://schemas.microsoft.com/office/drawing/2010/main">
-                <a:solidFill>
-                  <a:srgbClr val="FFFFFF"/>
-                </a:solidFill>
-              </a14:hiddenFill>
-            </a:ext>
-          </a:extLst>
-        </p:spPr>
-      </p:pic>
-      <p:sp>
-        <p:nvSpPr>
-          <p:cNvPr id="26" name="TextBox 25">
-            <a:extLst>
-              <a:ext uri="{FF2B5EF4-FFF2-40B4-BE49-F238E27FC236}">
-                <a16:creationId xmlns:a16="http://schemas.microsoft.com/office/drawing/2014/main" id="{08727391-1ECB-D32A-3821-0C002C3BDD25}"/>
-              </a:ext>
-            </a:extLst>
-          </p:cNvPr>
-          <p:cNvSpPr txBox="1"/>
-          <p:nvPr/>
-        </p:nvSpPr>
-        <p:spPr>
-          <a:xfrm>
-            <a:off x="7034319" y="1327751"/>
-            <a:ext cx="2398670" cy="646331"/>
-          </a:xfrm>
-          <a:prstGeom prst="rect">
-            <a:avLst/>
-          </a:prstGeom>
-          <a:noFill/>
-        </p:spPr>
-        <p:txBody>
-          <a:bodyPr wrap="none" rtlCol="0">
-            <a:spAutoFit/>
-          </a:bodyPr>
-          <a:lstStyle/>
-          <a:p>
-            <a:r>
-              <a:rPr lang="ru-RU" dirty="0"/>
-              <a:t>Контейнер генератора</a:t>
-            </a:r>
-          </a:p>
-          <a:p>
-            <a:r>
-              <a:rPr lang="ru-RU" dirty="0"/>
-              <a:t>нагрузки</a:t>
-            </a:r>
-            <a:endParaRPr lang="en-US" dirty="0"/>
-          </a:p>
-        </p:txBody>
-      </p:sp>
-      <p:pic>
-        <p:nvPicPr>
-          <p:cNvPr id="27" name="Picture 2" descr="Контейнер – Бесплатные иконки: отгрузка и доставка">
-            <a:extLst>
-              <a:ext uri="{FF2B5EF4-FFF2-40B4-BE49-F238E27FC236}">
-                <a16:creationId xmlns:a16="http://schemas.microsoft.com/office/drawing/2014/main" id="{0A0F2D61-DD63-2383-7BE5-47A3C54C1F7B}"/>
-              </a:ext>
-            </a:extLst>
-          </p:cNvPr>
-          <p:cNvPicPr>
-            <a:picLocks noChangeAspect="1" noChangeArrowheads="1"/>
-          </p:cNvPicPr>
-          <p:nvPr/>
-        </p:nvPicPr>
-        <p:blipFill>
-          <a:blip r:embed="rId2">
-            <a:extLst>
-              <a:ext uri="{28A0092B-C50C-407E-A947-70E740481C1C}">
-                <a14:useLocalDpi xmlns:a14="http://schemas.microsoft.com/office/drawing/2010/main" val="0"/>
-              </a:ext>
-            </a:extLst>
-          </a:blip>
-          <a:srcRect/>
-          <a:stretch>
-            <a:fillRect/>
-          </a:stretch>
-        </p:blipFill>
-        <p:spPr bwMode="auto">
-          <a:xfrm>
-            <a:off x="7306114" y="4758665"/>
-            <a:ext cx="1300202" cy="1300202"/>
-          </a:xfrm>
-          <a:prstGeom prst="rect">
-            <a:avLst/>
-          </a:prstGeom>
-          <a:noFill/>
-          <a:extLst>
-            <a:ext uri="{909E8E84-426E-40DD-AFC4-6F175D3DCCD1}">
-              <a14:hiddenFill xmlns:a14="http://schemas.microsoft.com/office/drawing/2010/main">
-                <a:solidFill>
-                  <a:srgbClr val="FFFFFF"/>
-                </a:solidFill>
-              </a14:hiddenFill>
-            </a:ext>
-          </a:extLst>
-        </p:spPr>
-      </p:pic>
-      <p:sp>
-        <p:nvSpPr>
-          <p:cNvPr id="28" name="TextBox 27">
-            <a:extLst>
-              <a:ext uri="{FF2B5EF4-FFF2-40B4-BE49-F238E27FC236}">
-                <a16:creationId xmlns:a16="http://schemas.microsoft.com/office/drawing/2014/main" id="{8A008CD6-2BF8-6B07-4D07-15C38DA66477}"/>
-              </a:ext>
-            </a:extLst>
-          </p:cNvPr>
-          <p:cNvSpPr txBox="1"/>
-          <p:nvPr/>
-        </p:nvSpPr>
-        <p:spPr>
-          <a:xfrm>
-            <a:off x="6777503" y="5777487"/>
-            <a:ext cx="2434641" cy="369332"/>
-          </a:xfrm>
-          <a:prstGeom prst="rect">
-            <a:avLst/>
-          </a:prstGeom>
-          <a:noFill/>
-        </p:spPr>
-        <p:txBody>
-          <a:bodyPr wrap="none" rtlCol="0">
-            <a:spAutoFit/>
-          </a:bodyPr>
-          <a:lstStyle/>
-          <a:p>
-            <a:r>
-              <a:rPr lang="ru-RU" dirty="0"/>
-              <a:t>Контейнер </a:t>
-            </a:r>
-            <a:r>
-              <a:rPr lang="en-US" dirty="0"/>
-              <a:t>Prometheus</a:t>
-            </a:r>
-          </a:p>
-        </p:txBody>
-      </p:sp>
-      <p:sp>
-        <p:nvSpPr>
-          <p:cNvPr id="31" name="Стрелка: вниз 30">
-            <a:extLst>
-              <a:ext uri="{FF2B5EF4-FFF2-40B4-BE49-F238E27FC236}">
-                <a16:creationId xmlns:a16="http://schemas.microsoft.com/office/drawing/2014/main" id="{99662B4D-86AB-7791-D2E6-76E8BC2F3CB4}"/>
-              </a:ext>
-            </a:extLst>
-          </p:cNvPr>
-          <p:cNvSpPr/>
-          <p:nvPr/>
-        </p:nvSpPr>
-        <p:spPr>
-          <a:xfrm>
-            <a:off x="7849237" y="2907770"/>
-            <a:ext cx="323802" cy="2005092"/>
-          </a:xfrm>
-          <a:prstGeom prst="downArrow">
-            <a:avLst>
-              <a:gd name="adj1" fmla="val 47066"/>
-              <a:gd name="adj2" fmla="val 50000"/>
-            </a:avLst>
-          </a:prstGeom>
-        </p:spPr>
-        <p:style>
-          <a:lnRef idx="2">
-            <a:schemeClr val="dk1">
-              <a:shade val="50000"/>
-            </a:schemeClr>
-          </a:lnRef>
-          <a:fillRef idx="1">
-            <a:schemeClr val="dk1"/>
-          </a:fillRef>
-          <a:effectRef idx="0">
-            <a:schemeClr val="dk1"/>
-          </a:effectRef>
-          <a:fontRef idx="minor">
-            <a:schemeClr val="lt1"/>
-          </a:fontRef>
-        </p:style>
-        <p:txBody>
-          <a:bodyPr rtlCol="0" anchor="ctr"/>
-          <a:lstStyle/>
-          <a:p>
-            <a:pPr algn="ctr"/>
-            <a:endParaRPr lang="en-US" dirty="0"/>
-          </a:p>
-        </p:txBody>
-      </p:sp>
-      <p:sp>
-        <p:nvSpPr>
-          <p:cNvPr id="32" name="TextBox 31">
-            <a:extLst>
-              <a:ext uri="{FF2B5EF4-FFF2-40B4-BE49-F238E27FC236}">
-                <a16:creationId xmlns:a16="http://schemas.microsoft.com/office/drawing/2014/main" id="{B87C157F-CB43-2299-813D-C25EBF20186E}"/>
-              </a:ext>
-            </a:extLst>
-          </p:cNvPr>
-          <p:cNvSpPr txBox="1"/>
-          <p:nvPr/>
-        </p:nvSpPr>
-        <p:spPr>
-          <a:xfrm>
-            <a:off x="8170942" y="3392665"/>
-            <a:ext cx="1549400" cy="646331"/>
-          </a:xfrm>
-          <a:prstGeom prst="rect">
-            <a:avLst/>
-          </a:prstGeom>
-          <a:noFill/>
-        </p:spPr>
-        <p:txBody>
-          <a:bodyPr wrap="square" rtlCol="0">
-            <a:spAutoFit/>
-          </a:bodyPr>
-          <a:lstStyle/>
-          <a:p>
-            <a:r>
-              <a:rPr lang="ru-RU" dirty="0"/>
-              <a:t>передача логов</a:t>
-            </a:r>
-            <a:endParaRPr lang="en-US" dirty="0"/>
-          </a:p>
-        </p:txBody>
-      </p:sp>
-      <p:pic>
-        <p:nvPicPr>
-          <p:cNvPr id="33" name="Picture 2" descr="Контейнер – Бесплатные иконки: отгрузка и доставка">
-            <a:extLst>
-              <a:ext uri="{FF2B5EF4-FFF2-40B4-BE49-F238E27FC236}">
-                <a16:creationId xmlns:a16="http://schemas.microsoft.com/office/drawing/2014/main" id="{E77965FC-7103-F178-41BD-003D763F595D}"/>
-              </a:ext>
-            </a:extLst>
-          </p:cNvPr>
-          <p:cNvPicPr>
-            <a:picLocks noChangeAspect="1" noChangeArrowheads="1"/>
-          </p:cNvPicPr>
-          <p:nvPr/>
-        </p:nvPicPr>
-        <p:blipFill>
-          <a:blip r:embed="rId2">
-            <a:extLst>
-              <a:ext uri="{28A0092B-C50C-407E-A947-70E740481C1C}">
-                <a14:useLocalDpi xmlns:a14="http://schemas.microsoft.com/office/drawing/2010/main" val="0"/>
-              </a:ext>
-            </a:extLst>
-          </a:blip>
-          <a:srcRect/>
-          <a:stretch>
-            <a:fillRect/>
-          </a:stretch>
-        </p:blipFill>
-        <p:spPr bwMode="auto">
-          <a:xfrm>
-            <a:off x="3779246" y="4759708"/>
-            <a:ext cx="1300202" cy="1300202"/>
-          </a:xfrm>
-          <a:prstGeom prst="rect">
-            <a:avLst/>
-          </a:prstGeom>
-          <a:noFill/>
-          <a:extLst>
-            <a:ext uri="{909E8E84-426E-40DD-AFC4-6F175D3DCCD1}">
-              <a14:hiddenFill xmlns:a14="http://schemas.microsoft.com/office/drawing/2010/main">
-                <a:solidFill>
-                  <a:srgbClr val="FFFFFF"/>
-                </a:solidFill>
-              </a14:hiddenFill>
-            </a:ext>
-          </a:extLst>
-        </p:spPr>
-      </p:pic>
-      <p:sp>
-        <p:nvSpPr>
-          <p:cNvPr id="34" name="TextBox 33">
-            <a:extLst>
-              <a:ext uri="{FF2B5EF4-FFF2-40B4-BE49-F238E27FC236}">
-                <a16:creationId xmlns:a16="http://schemas.microsoft.com/office/drawing/2014/main" id="{19B4BA89-8528-85ED-AC67-76F16A862753}"/>
-              </a:ext>
-            </a:extLst>
-          </p:cNvPr>
-          <p:cNvSpPr txBox="1"/>
-          <p:nvPr/>
-        </p:nvSpPr>
-        <p:spPr>
-          <a:xfrm>
-            <a:off x="3385548" y="5772395"/>
-            <a:ext cx="2085806" cy="369332"/>
-          </a:xfrm>
-          <a:prstGeom prst="rect">
-            <a:avLst/>
-          </a:prstGeom>
-          <a:noFill/>
-        </p:spPr>
-        <p:txBody>
-          <a:bodyPr wrap="square" rtlCol="0">
-            <a:spAutoFit/>
-          </a:bodyPr>
-          <a:lstStyle/>
-          <a:p>
-            <a:r>
-              <a:rPr lang="ru-RU" dirty="0"/>
-              <a:t>Контейнер </a:t>
-            </a:r>
-            <a:r>
-              <a:rPr lang="en-US" dirty="0"/>
-              <a:t>Grafana</a:t>
-            </a:r>
-          </a:p>
-        </p:txBody>
-      </p:sp>
-      <p:sp>
-        <p:nvSpPr>
-          <p:cNvPr id="35" name="Стрелка: изогнутая вверх 34">
-            <a:extLst>
-              <a:ext uri="{FF2B5EF4-FFF2-40B4-BE49-F238E27FC236}">
-                <a16:creationId xmlns:a16="http://schemas.microsoft.com/office/drawing/2014/main" id="{B304BF4A-53FC-01CE-4F80-87396F936CDD}"/>
-              </a:ext>
-            </a:extLst>
-          </p:cNvPr>
-          <p:cNvSpPr/>
-          <p:nvPr/>
-        </p:nvSpPr>
-        <p:spPr>
-          <a:xfrm rot="5400000">
-            <a:off x="2212448" y="4340875"/>
-            <a:ext cx="337046" cy="2219685"/>
-          </a:xfrm>
-          <a:prstGeom prst="bentUpArrow">
-            <a:avLst>
-              <a:gd name="adj1" fmla="val 50000"/>
-              <a:gd name="adj2" fmla="val 50000"/>
-              <a:gd name="adj3" fmla="val 50000"/>
-            </a:avLst>
-          </a:prstGeom>
-          <a:solidFill>
-            <a:schemeClr val="tx1"/>
-          </a:solidFill>
-        </p:spPr>
-        <p:style>
-          <a:lnRef idx="2">
-            <a:schemeClr val="accent1">
-              <a:shade val="50000"/>
-            </a:schemeClr>
-          </a:lnRef>
-          <a:fillRef idx="1">
-            <a:schemeClr val="accent1"/>
-          </a:fillRef>
-          <a:effectRef idx="0">
-            <a:schemeClr val="accent1"/>
-          </a:effectRef>
-          <a:fontRef idx="minor">
-            <a:schemeClr val="lt1"/>
-          </a:fontRef>
-        </p:style>
-        <p:txBody>
-          <a:bodyPr rtlCol="0" anchor="ctr"/>
-          <a:lstStyle/>
-          <a:p>
-            <a:pPr algn="ctr"/>
-            <a:endParaRPr lang="en-US"/>
-          </a:p>
-        </p:txBody>
-      </p:sp>
-      <p:sp>
-        <p:nvSpPr>
-          <p:cNvPr id="36" name="TextBox 35">
-            <a:extLst>
-              <a:ext uri="{FF2B5EF4-FFF2-40B4-BE49-F238E27FC236}">
-                <a16:creationId xmlns:a16="http://schemas.microsoft.com/office/drawing/2014/main" id="{558B0FA1-450A-0CDC-D85E-F3EA3E5859E5}"/>
-              </a:ext>
-            </a:extLst>
-          </p:cNvPr>
-          <p:cNvSpPr txBox="1"/>
-          <p:nvPr/>
-        </p:nvSpPr>
-        <p:spPr>
-          <a:xfrm>
-            <a:off x="1558991" y="2969147"/>
-            <a:ext cx="1549400" cy="923330"/>
-          </a:xfrm>
-          <a:prstGeom prst="rect">
-            <a:avLst/>
-          </a:prstGeom>
-          <a:noFill/>
-        </p:spPr>
-        <p:txBody>
-          <a:bodyPr wrap="square" rtlCol="0">
-            <a:spAutoFit/>
-          </a:bodyPr>
-          <a:lstStyle/>
-          <a:p>
-            <a:r>
-              <a:rPr lang="ru-RU" dirty="0"/>
-              <a:t>передача метрик устройства</a:t>
-            </a:r>
-            <a:endParaRPr lang="en-US" dirty="0"/>
-          </a:p>
-        </p:txBody>
-      </p:sp>
-      <p:pic>
-        <p:nvPicPr>
-          <p:cNvPr id="37" name="Picture 2" descr="Контейнер – Бесплатные иконки: отгрузка и доставка">
-            <a:extLst>
-              <a:ext uri="{FF2B5EF4-FFF2-40B4-BE49-F238E27FC236}">
-                <a16:creationId xmlns:a16="http://schemas.microsoft.com/office/drawing/2014/main" id="{276F61E5-9938-75A0-39F7-8240791762B3}"/>
-              </a:ext>
-            </a:extLst>
-          </p:cNvPr>
-          <p:cNvPicPr>
-            <a:picLocks noChangeAspect="1" noChangeArrowheads="1"/>
-          </p:cNvPicPr>
-          <p:nvPr/>
-        </p:nvPicPr>
-        <p:blipFill>
-          <a:blip r:embed="rId2">
-            <a:extLst>
-              <a:ext uri="{28A0092B-C50C-407E-A947-70E740481C1C}">
-                <a14:useLocalDpi xmlns:a14="http://schemas.microsoft.com/office/drawing/2010/main" val="0"/>
-              </a:ext>
-            </a:extLst>
-          </a:blip>
-          <a:srcRect/>
-          <a:stretch>
-            <a:fillRect/>
-          </a:stretch>
-        </p:blipFill>
-        <p:spPr bwMode="auto">
-          <a:xfrm>
-            <a:off x="10270771" y="4769327"/>
-            <a:ext cx="1300202" cy="1300202"/>
-          </a:xfrm>
-          <a:prstGeom prst="rect">
-            <a:avLst/>
-          </a:prstGeom>
-          <a:noFill/>
-          <a:extLst>
-            <a:ext uri="{909E8E84-426E-40DD-AFC4-6F175D3DCCD1}">
-              <a14:hiddenFill xmlns:a14="http://schemas.microsoft.com/office/drawing/2010/main">
-                <a:solidFill>
-                  <a:srgbClr val="FFFFFF"/>
-                </a:solidFill>
-              </a14:hiddenFill>
-            </a:ext>
-          </a:extLst>
-        </p:spPr>
-      </p:pic>
-      <p:sp>
-        <p:nvSpPr>
-          <p:cNvPr id="38" name="TextBox 37">
-            <a:extLst>
-              <a:ext uri="{FF2B5EF4-FFF2-40B4-BE49-F238E27FC236}">
-                <a16:creationId xmlns:a16="http://schemas.microsoft.com/office/drawing/2014/main" id="{4816F1BA-AFDB-2838-6102-118617A967AF}"/>
-              </a:ext>
-            </a:extLst>
-          </p:cNvPr>
-          <p:cNvSpPr txBox="1"/>
-          <p:nvPr/>
-        </p:nvSpPr>
-        <p:spPr>
-          <a:xfrm>
-            <a:off x="9869884" y="5787451"/>
-            <a:ext cx="2033057" cy="369332"/>
-          </a:xfrm>
-          <a:prstGeom prst="rect">
-            <a:avLst/>
-          </a:prstGeom>
-          <a:noFill/>
-        </p:spPr>
-        <p:txBody>
-          <a:bodyPr wrap="none" rtlCol="0">
-            <a:spAutoFit/>
-          </a:bodyPr>
-          <a:lstStyle/>
-          <a:p>
-            <a:r>
-              <a:rPr lang="ru-RU" dirty="0"/>
-              <a:t>Контейнер </a:t>
-            </a:r>
-            <a:r>
-              <a:rPr lang="en-US" dirty="0"/>
-              <a:t>Grafana</a:t>
-            </a:r>
-          </a:p>
-        </p:txBody>
-      </p:sp>
-      <p:sp>
-        <p:nvSpPr>
-          <p:cNvPr id="39" name="Стрелка: вправо 38">
-            <a:extLst>
-              <a:ext uri="{FF2B5EF4-FFF2-40B4-BE49-F238E27FC236}">
-                <a16:creationId xmlns:a16="http://schemas.microsoft.com/office/drawing/2014/main" id="{B2B31833-1E7F-472D-E0C3-8036AA0C98CA}"/>
-              </a:ext>
-            </a:extLst>
-          </p:cNvPr>
-          <p:cNvSpPr/>
-          <p:nvPr/>
-        </p:nvSpPr>
-        <p:spPr>
-          <a:xfrm>
-            <a:off x="8740491" y="5279620"/>
-            <a:ext cx="1396105" cy="369332"/>
-          </a:xfrm>
-          <a:prstGeom prst="rightArrow">
-            <a:avLst>
-              <a:gd name="adj1" fmla="val 43123"/>
-              <a:gd name="adj2" fmla="val 50000"/>
-            </a:avLst>
-          </a:prstGeom>
-        </p:spPr>
-        <p:style>
-          <a:lnRef idx="2">
-            <a:schemeClr val="dk1">
-              <a:shade val="50000"/>
-            </a:schemeClr>
-          </a:lnRef>
-          <a:fillRef idx="1">
-            <a:schemeClr val="dk1"/>
-          </a:fillRef>
-          <a:effectRef idx="0">
-            <a:schemeClr val="dk1"/>
-          </a:effectRef>
-          <a:fontRef idx="minor">
-            <a:schemeClr val="lt1"/>
-          </a:fontRef>
-        </p:style>
-        <p:txBody>
-          <a:bodyPr rtlCol="0" anchor="ctr"/>
-          <a:lstStyle/>
-          <a:p>
-            <a:pPr algn="ctr"/>
-            <a:endParaRPr lang="en-US"/>
-          </a:p>
-        </p:txBody>
-      </p:sp>
-      <p:sp>
-        <p:nvSpPr>
-          <p:cNvPr id="41" name="TextBox 40">
-            <a:extLst>
-              <a:ext uri="{FF2B5EF4-FFF2-40B4-BE49-F238E27FC236}">
-                <a16:creationId xmlns:a16="http://schemas.microsoft.com/office/drawing/2014/main" id="{00919B49-7B69-41AA-4016-E85D84DDD2F1}"/>
-              </a:ext>
-            </a:extLst>
-          </p:cNvPr>
-          <p:cNvSpPr txBox="1"/>
-          <p:nvPr/>
-        </p:nvSpPr>
-        <p:spPr>
-          <a:xfrm>
-            <a:off x="8740491" y="4459402"/>
-            <a:ext cx="1694355" cy="830997"/>
-          </a:xfrm>
-          <a:prstGeom prst="rect">
-            <a:avLst/>
-          </a:prstGeom>
-          <a:noFill/>
-        </p:spPr>
-        <p:txBody>
-          <a:bodyPr wrap="square" rtlCol="0">
-            <a:spAutoFit/>
-          </a:bodyPr>
-          <a:lstStyle/>
-          <a:p>
-            <a:r>
-              <a:rPr lang="ru-RU" sz="1600" dirty="0"/>
-              <a:t>передача данных для иллюстрации</a:t>
-            </a:r>
-            <a:endParaRPr lang="en-US" sz="1600" dirty="0"/>
-          </a:p>
-        </p:txBody>
-      </p:sp>
-    </p:spTree>
-    <p:extLst>
-      <p:ext uri="{BB962C8B-B14F-4D97-AF65-F5344CB8AC3E}">
-        <p14:creationId xmlns:p14="http://schemas.microsoft.com/office/powerpoint/2010/main" val="1038910848"/>
       </p:ext>
     </p:extLst>
   </p:cSld>

--- a/ВКР.pptx
+++ b/ВКР.pptx
@@ -16123,7 +16123,7 @@
           <a:p>
             <a:fld id="{6086DE36-9959-4CAD-A24E-990E714F8550}" type="datetimeFigureOut">
               <a:rPr lang="en-US" smtClean="0"/>
-              <a:t>5/25/2023</a:t>
+              <a:t>5/29/2023</a:t>
             </a:fld>
             <a:endParaRPr lang="en-US"/>
           </a:p>
@@ -16540,7 +16540,7 @@
           <a:p>
             <a:fld id="{F2545DE5-5CD8-4772-AE77-EB05E4D895BD}" type="datetimeFigureOut">
               <a:rPr lang="en-US" smtClean="0"/>
-              <a:t>5/25/2023</a:t>
+              <a:t>5/29/2023</a:t>
             </a:fld>
             <a:endParaRPr lang="en-US"/>
           </a:p>
@@ -16740,7 +16740,7 @@
           <a:p>
             <a:fld id="{F2545DE5-5CD8-4772-AE77-EB05E4D895BD}" type="datetimeFigureOut">
               <a:rPr lang="en-US" smtClean="0"/>
-              <a:t>5/25/2023</a:t>
+              <a:t>5/29/2023</a:t>
             </a:fld>
             <a:endParaRPr lang="en-US"/>
           </a:p>
@@ -16950,7 +16950,7 @@
           <a:p>
             <a:fld id="{F2545DE5-5CD8-4772-AE77-EB05E4D895BD}" type="datetimeFigureOut">
               <a:rPr lang="en-US" smtClean="0"/>
-              <a:t>5/25/2023</a:t>
+              <a:t>5/29/2023</a:t>
             </a:fld>
             <a:endParaRPr lang="en-US"/>
           </a:p>
@@ -17150,7 +17150,7 @@
           <a:p>
             <a:fld id="{F2545DE5-5CD8-4772-AE77-EB05E4D895BD}" type="datetimeFigureOut">
               <a:rPr lang="en-US" smtClean="0"/>
-              <a:t>5/25/2023</a:t>
+              <a:t>5/29/2023</a:t>
             </a:fld>
             <a:endParaRPr lang="en-US"/>
           </a:p>
@@ -17426,7 +17426,7 @@
           <a:p>
             <a:fld id="{F2545DE5-5CD8-4772-AE77-EB05E4D895BD}" type="datetimeFigureOut">
               <a:rPr lang="en-US" smtClean="0"/>
-              <a:t>5/25/2023</a:t>
+              <a:t>5/29/2023</a:t>
             </a:fld>
             <a:endParaRPr lang="en-US"/>
           </a:p>
@@ -17694,7 +17694,7 @@
           <a:p>
             <a:fld id="{F2545DE5-5CD8-4772-AE77-EB05E4D895BD}" type="datetimeFigureOut">
               <a:rPr lang="en-US" smtClean="0"/>
-              <a:t>5/25/2023</a:t>
+              <a:t>5/29/2023</a:t>
             </a:fld>
             <a:endParaRPr lang="en-US"/>
           </a:p>
@@ -18109,7 +18109,7 @@
           <a:p>
             <a:fld id="{F2545DE5-5CD8-4772-AE77-EB05E4D895BD}" type="datetimeFigureOut">
               <a:rPr lang="en-US" smtClean="0"/>
-              <a:t>5/25/2023</a:t>
+              <a:t>5/29/2023</a:t>
             </a:fld>
             <a:endParaRPr lang="en-US"/>
           </a:p>
@@ -18251,7 +18251,7 @@
           <a:p>
             <a:fld id="{F2545DE5-5CD8-4772-AE77-EB05E4D895BD}" type="datetimeFigureOut">
               <a:rPr lang="en-US" smtClean="0"/>
-              <a:t>5/25/2023</a:t>
+              <a:t>5/29/2023</a:t>
             </a:fld>
             <a:endParaRPr lang="en-US"/>
           </a:p>
@@ -18364,7 +18364,7 @@
           <a:p>
             <a:fld id="{F2545DE5-5CD8-4772-AE77-EB05E4D895BD}" type="datetimeFigureOut">
               <a:rPr lang="en-US" smtClean="0"/>
-              <a:t>5/25/2023</a:t>
+              <a:t>5/29/2023</a:t>
             </a:fld>
             <a:endParaRPr lang="en-US"/>
           </a:p>
@@ -18677,7 +18677,7 @@
           <a:p>
             <a:fld id="{F2545DE5-5CD8-4772-AE77-EB05E4D895BD}" type="datetimeFigureOut">
               <a:rPr lang="en-US" smtClean="0"/>
-              <a:t>5/25/2023</a:t>
+              <a:t>5/29/2023</a:t>
             </a:fld>
             <a:endParaRPr lang="en-US"/>
           </a:p>
@@ -18966,7 +18966,7 @@
           <a:p>
             <a:fld id="{F2545DE5-5CD8-4772-AE77-EB05E4D895BD}" type="datetimeFigureOut">
               <a:rPr lang="en-US" smtClean="0"/>
-              <a:t>5/25/2023</a:t>
+              <a:t>5/29/2023</a:t>
             </a:fld>
             <a:endParaRPr lang="en-US"/>
           </a:p>
@@ -19209,7 +19209,7 @@
           <a:p>
             <a:fld id="{F2545DE5-5CD8-4772-AE77-EB05E4D895BD}" type="datetimeFigureOut">
               <a:rPr lang="en-US" smtClean="0"/>
-              <a:t>5/25/2023</a:t>
+              <a:t>5/29/2023</a:t>
             </a:fld>
             <a:endParaRPr lang="en-US"/>
           </a:p>
@@ -24983,7 +24983,7 @@
         <p:spPr>
           <a:xfrm>
             <a:off x="8860054" y="1064872"/>
-            <a:ext cx="3011229" cy="4801314"/>
+            <a:ext cx="3011229" cy="5078313"/>
           </a:xfrm>
           <a:prstGeom prst="rect">
             <a:avLst/>
@@ -24997,7 +24997,11 @@
           <a:lstStyle/>
           <a:p>
             <a:r>
-              <a:rPr lang="ru-RU" dirty="0"/>
+              <a:rPr lang="ru-RU" b="1" dirty="0">
+                <a:solidFill>
+                  <a:schemeClr val="accent1"/>
+                </a:solidFill>
+              </a:rPr>
               <a:t>Предпочтительный вариант:</a:t>
             </a:r>
           </a:p>
@@ -25905,10 +25909,15 @@
             <p:ph idx="1"/>
           </p:nvPr>
         </p:nvSpPr>
-        <p:spPr/>
+        <p:spPr>
+          <a:xfrm>
+            <a:off x="439837" y="1632030"/>
+            <a:ext cx="11254857" cy="4919241"/>
+          </a:xfrm>
+        </p:spPr>
         <p:txBody>
           <a:bodyPr>
-            <a:normAutofit fontScale="70000" lnSpcReduction="20000"/>
+            <a:normAutofit fontScale="77500" lnSpcReduction="20000"/>
           </a:bodyPr>
           <a:lstStyle/>
           <a:p>
@@ -25916,7 +25925,11 @@
               <a:buNone/>
             </a:pPr>
             <a:r>
-              <a:rPr lang="ru-RU" b="1" dirty="0"/>
+              <a:rPr lang="ru-RU" b="1" dirty="0">
+                <a:solidFill>
+                  <a:schemeClr val="accent1"/>
+                </a:solidFill>
+              </a:rPr>
               <a:t>Изучены и применены на практике:</a:t>
             </a:r>
           </a:p>
@@ -26158,7 +26171,7 @@
         </p:blipFill>
         <p:spPr bwMode="auto">
           <a:xfrm>
-            <a:off x="1688577" y="773771"/>
+            <a:off x="2290460" y="785346"/>
             <a:ext cx="6117292" cy="5807458"/>
           </a:xfrm>
           <a:prstGeom prst="rect">
@@ -26326,8 +26339,8 @@
         </p:blipFill>
         <p:spPr bwMode="auto">
           <a:xfrm>
-            <a:off x="1418796" y="791404"/>
-            <a:ext cx="9354408" cy="6066596"/>
+            <a:off x="1353722" y="706999"/>
+            <a:ext cx="9484556" cy="6151001"/>
           </a:xfrm>
           <a:prstGeom prst="rect">
             <a:avLst/>
@@ -26562,7 +26575,7 @@
         </p:spPr>
         <p:txBody>
           <a:bodyPr>
-            <a:normAutofit fontScale="90000"/>
+            <a:normAutofit/>
           </a:bodyPr>
           <a:lstStyle/>
           <a:p>
@@ -26572,7 +26585,7 @@
                   <a:schemeClr val="accent1"/>
                 </a:solidFill>
               </a:rPr>
-              <a:t>Клиентское приложение: установка имени</a:t>
+              <a:t>Клиентское приложение: список чатов</a:t>
             </a:r>
             <a:endParaRPr lang="en-US" dirty="0">
               <a:solidFill>
